--- a/HTML.pptx
+++ b/HTML.pptx
@@ -13,6 +13,9 @@
     <p:sldId id="261" r:id="rId7"/>
     <p:sldId id="262" r:id="rId8"/>
     <p:sldId id="263" r:id="rId9"/>
+    <p:sldId id="264" r:id="rId10"/>
+    <p:sldId id="265" r:id="rId11"/>
+    <p:sldId id="266" r:id="rId12"/>
   </p:sldIdLst>
   <p:sldSz cx="12192000" cy="6858000"/>
   <p:notesSz cx="6858000" cy="9144000"/>
@@ -111,6 +114,11 @@
       </a:defRPr>
     </a:lvl9pPr>
   </p:defaultTextStyle>
+  <p:extLst>
+    <p:ext uri="{EFAFB233-063F-42B5-8137-9DF3F51BA10A}">
+      <p15:sldGuideLst xmlns:p15="http://schemas.microsoft.com/office/powerpoint/2012/main"/>
+    </p:ext>
+  </p:extLst>
 </p:presentation>
 </file>
 
@@ -261,7 +269,7 @@
           <a:p>
             <a:fld id="{52E34F83-CBF4-4BD8-AE97-253003458AA3}" type="datetimeFigureOut">
               <a:rPr lang="en-US" smtClean="0"/>
-              <a:t>11/16/2022</a:t>
+              <a:t>11/17/2022</a:t>
             </a:fld>
             <a:endParaRPr lang="en-US"/>
           </a:p>
@@ -459,7 +467,7 @@
           <a:p>
             <a:fld id="{52E34F83-CBF4-4BD8-AE97-253003458AA3}" type="datetimeFigureOut">
               <a:rPr lang="en-US" smtClean="0"/>
-              <a:t>11/16/2022</a:t>
+              <a:t>11/17/2022</a:t>
             </a:fld>
             <a:endParaRPr lang="en-US"/>
           </a:p>
@@ -667,7 +675,7 @@
           <a:p>
             <a:fld id="{52E34F83-CBF4-4BD8-AE97-253003458AA3}" type="datetimeFigureOut">
               <a:rPr lang="en-US" smtClean="0"/>
-              <a:t>11/16/2022</a:t>
+              <a:t>11/17/2022</a:t>
             </a:fld>
             <a:endParaRPr lang="en-US"/>
           </a:p>
@@ -865,7 +873,7 @@
           <a:p>
             <a:fld id="{52E34F83-CBF4-4BD8-AE97-253003458AA3}" type="datetimeFigureOut">
               <a:rPr lang="en-US" smtClean="0"/>
-              <a:t>11/16/2022</a:t>
+              <a:t>11/17/2022</a:t>
             </a:fld>
             <a:endParaRPr lang="en-US"/>
           </a:p>
@@ -1140,7 +1148,7 @@
           <a:p>
             <a:fld id="{52E34F83-CBF4-4BD8-AE97-253003458AA3}" type="datetimeFigureOut">
               <a:rPr lang="en-US" smtClean="0"/>
-              <a:t>11/16/2022</a:t>
+              <a:t>11/17/2022</a:t>
             </a:fld>
             <a:endParaRPr lang="en-US"/>
           </a:p>
@@ -1405,7 +1413,7 @@
           <a:p>
             <a:fld id="{52E34F83-CBF4-4BD8-AE97-253003458AA3}" type="datetimeFigureOut">
               <a:rPr lang="en-US" smtClean="0"/>
-              <a:t>11/16/2022</a:t>
+              <a:t>11/17/2022</a:t>
             </a:fld>
             <a:endParaRPr lang="en-US"/>
           </a:p>
@@ -1817,7 +1825,7 @@
           <a:p>
             <a:fld id="{52E34F83-CBF4-4BD8-AE97-253003458AA3}" type="datetimeFigureOut">
               <a:rPr lang="en-US" smtClean="0"/>
-              <a:t>11/16/2022</a:t>
+              <a:t>11/17/2022</a:t>
             </a:fld>
             <a:endParaRPr lang="en-US"/>
           </a:p>
@@ -1958,7 +1966,7 @@
           <a:p>
             <a:fld id="{52E34F83-CBF4-4BD8-AE97-253003458AA3}" type="datetimeFigureOut">
               <a:rPr lang="en-US" smtClean="0"/>
-              <a:t>11/16/2022</a:t>
+              <a:t>11/17/2022</a:t>
             </a:fld>
             <a:endParaRPr lang="en-US"/>
           </a:p>
@@ -2071,7 +2079,7 @@
           <a:p>
             <a:fld id="{52E34F83-CBF4-4BD8-AE97-253003458AA3}" type="datetimeFigureOut">
               <a:rPr lang="en-US" smtClean="0"/>
-              <a:t>11/16/2022</a:t>
+              <a:t>11/17/2022</a:t>
             </a:fld>
             <a:endParaRPr lang="en-US"/>
           </a:p>
@@ -2382,7 +2390,7 @@
           <a:p>
             <a:fld id="{52E34F83-CBF4-4BD8-AE97-253003458AA3}" type="datetimeFigureOut">
               <a:rPr lang="en-US" smtClean="0"/>
-              <a:t>11/16/2022</a:t>
+              <a:t>11/17/2022</a:t>
             </a:fld>
             <a:endParaRPr lang="en-US"/>
           </a:p>
@@ -2670,7 +2678,7 @@
           <a:p>
             <a:fld id="{52E34F83-CBF4-4BD8-AE97-253003458AA3}" type="datetimeFigureOut">
               <a:rPr lang="en-US" smtClean="0"/>
-              <a:t>11/16/2022</a:t>
+              <a:t>11/17/2022</a:t>
             </a:fld>
             <a:endParaRPr lang="en-US"/>
           </a:p>
@@ -2911,7 +2919,7 @@
           <a:p>
             <a:fld id="{52E34F83-CBF4-4BD8-AE97-253003458AA3}" type="datetimeFigureOut">
               <a:rPr lang="en-US" smtClean="0"/>
-              <a:t>11/16/2022</a:t>
+              <a:t>11/17/2022</a:t>
             </a:fld>
             <a:endParaRPr lang="en-US"/>
           </a:p>
@@ -3434,7 +3442,7 @@
 </p:sld>
 </file>
 
-<file path=ppt/slides/slide2.xml><?xml version="1.0" encoding="utf-8"?>
+<file path=ppt/slides/slide10.xml><?xml version="1.0" encoding="utf-8"?>
 <p:sld xmlns:a="http://schemas.openxmlformats.org/drawingml/2006/main" xmlns:r="http://schemas.openxmlformats.org/officeDocument/2006/relationships" xmlns:p="http://schemas.openxmlformats.org/presentationml/2006/main">
   <p:cSld>
     <p:spTree>
@@ -3456,7 +3464,7 @@
           <p:cNvPr id="2" name="Title 1">
             <a:extLst>
               <a:ext uri="{FF2B5EF4-FFF2-40B4-BE49-F238E27FC236}">
-                <a16:creationId xmlns:a16="http://schemas.microsoft.com/office/drawing/2014/main" id="{0D0B111D-C7D8-18FB-0D35-AC9991B06E49}"/>
+                <a16:creationId xmlns:a16="http://schemas.microsoft.com/office/drawing/2014/main" id="{602915C9-0D51-2A04-E05C-A7A88B24A6D9}"/>
               </a:ext>
             </a:extLst>
           </p:cNvPr>
@@ -3474,7 +3482,7 @@
           <a:p>
             <a:r>
               <a:rPr lang="en-US" dirty="0"/>
-              <a:t>Which HTML version?</a:t>
+              <a:t>HTML Listing Tags</a:t>
             </a:r>
           </a:p>
         </p:txBody>
@@ -3484,426 +3492,7 @@
           <p:cNvPr id="3" name="Content Placeholder 2">
             <a:extLst>
               <a:ext uri="{FF2B5EF4-FFF2-40B4-BE49-F238E27FC236}">
-                <a16:creationId xmlns:a16="http://schemas.microsoft.com/office/drawing/2014/main" id="{174EB039-9893-43B4-8B29-DC03488AF1AA}"/>
-              </a:ext>
-            </a:extLst>
-          </p:cNvPr>
-          <p:cNvSpPr>
-            <a:spLocks noGrp="1"/>
-          </p:cNvSpPr>
-          <p:nvPr>
-            <p:ph idx="1"/>
-          </p:nvPr>
-        </p:nvSpPr>
-        <p:spPr/>
-        <p:txBody>
-          <a:bodyPr/>
-          <a:lstStyle/>
-          <a:p>
-            <a:pPr marL="0" indent="0">
-              <a:buNone/>
-            </a:pPr>
-            <a:r>
-              <a:rPr lang="en-US" dirty="0"/>
-              <a:t>HTML 5 and HTML 4</a:t>
-            </a:r>
-          </a:p>
-        </p:txBody>
-      </p:sp>
-    </p:spTree>
-    <p:extLst>
-      <p:ext uri="{BB962C8B-B14F-4D97-AF65-F5344CB8AC3E}">
-        <p14:creationId xmlns:p14="http://schemas.microsoft.com/office/powerpoint/2010/main" val="4026068764"/>
-      </p:ext>
-    </p:extLst>
-  </p:cSld>
-  <p:clrMapOvr>
-    <a:masterClrMapping/>
-  </p:clrMapOvr>
-</p:sld>
-</file>
-
-<file path=ppt/slides/slide3.xml><?xml version="1.0" encoding="utf-8"?>
-<p:sld xmlns:a="http://schemas.openxmlformats.org/drawingml/2006/main" xmlns:r="http://schemas.openxmlformats.org/officeDocument/2006/relationships" xmlns:p="http://schemas.openxmlformats.org/presentationml/2006/main">
-  <p:cSld>
-    <p:spTree>
-      <p:nvGrpSpPr>
-        <p:cNvPr id="1" name=""/>
-        <p:cNvGrpSpPr/>
-        <p:nvPr/>
-      </p:nvGrpSpPr>
-      <p:grpSpPr>
-        <a:xfrm>
-          <a:off x="0" y="0"/>
-          <a:ext cx="0" cy="0"/>
-          <a:chOff x="0" y="0"/>
-          <a:chExt cx="0" cy="0"/>
-        </a:xfrm>
-      </p:grpSpPr>
-      <p:sp>
-        <p:nvSpPr>
-          <p:cNvPr id="2" name="Title 1">
-            <a:extLst>
-              <a:ext uri="{FF2B5EF4-FFF2-40B4-BE49-F238E27FC236}">
-                <a16:creationId xmlns:a16="http://schemas.microsoft.com/office/drawing/2014/main" id="{A3761845-F029-A453-D3C7-AC5CDB35EEB4}"/>
-              </a:ext>
-            </a:extLst>
-          </p:cNvPr>
-          <p:cNvSpPr>
-            <a:spLocks noGrp="1"/>
-          </p:cNvSpPr>
-          <p:nvPr>
-            <p:ph type="title"/>
-          </p:nvPr>
-        </p:nvSpPr>
-        <p:spPr/>
-        <p:txBody>
-          <a:bodyPr/>
-          <a:lstStyle/>
-          <a:p>
-            <a:r>
-              <a:rPr lang="en-US" dirty="0"/>
-              <a:t>Software Requirement</a:t>
-            </a:r>
-          </a:p>
-        </p:txBody>
-      </p:sp>
-      <p:sp>
-        <p:nvSpPr>
-          <p:cNvPr id="3" name="Content Placeholder 2">
-            <a:extLst>
-              <a:ext uri="{FF2B5EF4-FFF2-40B4-BE49-F238E27FC236}">
-                <a16:creationId xmlns:a16="http://schemas.microsoft.com/office/drawing/2014/main" id="{5F36D350-78B3-DEFD-E702-2DC687A04124}"/>
-              </a:ext>
-            </a:extLst>
-          </p:cNvPr>
-          <p:cNvSpPr>
-            <a:spLocks noGrp="1"/>
-          </p:cNvSpPr>
-          <p:nvPr>
-            <p:ph idx="1"/>
-          </p:nvPr>
-        </p:nvSpPr>
-        <p:spPr/>
-        <p:txBody>
-          <a:bodyPr/>
-          <a:lstStyle/>
-          <a:p>
-            <a:r>
-              <a:rPr lang="en-US" dirty="0"/>
-              <a:t>HTML Editor</a:t>
-            </a:r>
-          </a:p>
-          <a:p>
-            <a:r>
-              <a:rPr lang="en-US" dirty="0"/>
-              <a:t>Browser</a:t>
-            </a:r>
-          </a:p>
-        </p:txBody>
-      </p:sp>
-    </p:spTree>
-    <p:extLst>
-      <p:ext uri="{BB962C8B-B14F-4D97-AF65-F5344CB8AC3E}">
-        <p14:creationId xmlns:p14="http://schemas.microsoft.com/office/powerpoint/2010/main" val="1380138691"/>
-      </p:ext>
-    </p:extLst>
-  </p:cSld>
-  <p:clrMapOvr>
-    <a:masterClrMapping/>
-  </p:clrMapOvr>
-</p:sld>
-</file>
-
-<file path=ppt/slides/slide4.xml><?xml version="1.0" encoding="utf-8"?>
-<p:sld xmlns:a="http://schemas.openxmlformats.org/drawingml/2006/main" xmlns:r="http://schemas.openxmlformats.org/officeDocument/2006/relationships" xmlns:p="http://schemas.openxmlformats.org/presentationml/2006/main">
-  <p:cSld>
-    <p:spTree>
-      <p:nvGrpSpPr>
-        <p:cNvPr id="1" name=""/>
-        <p:cNvGrpSpPr/>
-        <p:nvPr/>
-      </p:nvGrpSpPr>
-      <p:grpSpPr>
-        <a:xfrm>
-          <a:off x="0" y="0"/>
-          <a:ext cx="0" cy="0"/>
-          <a:chOff x="0" y="0"/>
-          <a:chExt cx="0" cy="0"/>
-        </a:xfrm>
-      </p:grpSpPr>
-      <p:sp>
-        <p:nvSpPr>
-          <p:cNvPr id="2" name="Title 1">
-            <a:extLst>
-              <a:ext uri="{FF2B5EF4-FFF2-40B4-BE49-F238E27FC236}">
-                <a16:creationId xmlns:a16="http://schemas.microsoft.com/office/drawing/2014/main" id="{6A2BACAB-F950-CCE8-C8AA-52B31F846C92}"/>
-              </a:ext>
-            </a:extLst>
-          </p:cNvPr>
-          <p:cNvSpPr>
-            <a:spLocks noGrp="1"/>
-          </p:cNvSpPr>
-          <p:nvPr>
-            <p:ph type="title"/>
-          </p:nvPr>
-        </p:nvSpPr>
-        <p:spPr/>
-        <p:txBody>
-          <a:bodyPr/>
-          <a:lstStyle/>
-          <a:p>
-            <a:r>
-              <a:rPr lang="en-US" dirty="0"/>
-              <a:t>HTML Editor</a:t>
-            </a:r>
-          </a:p>
-        </p:txBody>
-      </p:sp>
-      <p:sp>
-        <p:nvSpPr>
-          <p:cNvPr id="3" name="Content Placeholder 2">
-            <a:extLst>
-              <a:ext uri="{FF2B5EF4-FFF2-40B4-BE49-F238E27FC236}">
-                <a16:creationId xmlns:a16="http://schemas.microsoft.com/office/drawing/2014/main" id="{E28DABB6-D865-C21B-9E1C-5067B78A5EAD}"/>
-              </a:ext>
-            </a:extLst>
-          </p:cNvPr>
-          <p:cNvSpPr>
-            <a:spLocks noGrp="1"/>
-          </p:cNvSpPr>
-          <p:nvPr>
-            <p:ph idx="1"/>
-          </p:nvPr>
-        </p:nvSpPr>
-        <p:spPr/>
-        <p:txBody>
-          <a:bodyPr/>
-          <a:lstStyle/>
-          <a:p>
-            <a:r>
-              <a:rPr lang="en-US" dirty="0"/>
-              <a:t>Notepad</a:t>
-            </a:r>
-          </a:p>
-          <a:p>
-            <a:r>
-              <a:rPr lang="en-US" dirty="0"/>
-              <a:t>Notepad++</a:t>
-            </a:r>
-          </a:p>
-          <a:p>
-            <a:r>
-              <a:rPr lang="en-US" dirty="0"/>
-              <a:t>Subline</a:t>
-            </a:r>
-          </a:p>
-          <a:p>
-            <a:r>
-              <a:rPr lang="en-US" dirty="0"/>
-              <a:t>Atom</a:t>
-            </a:r>
-          </a:p>
-          <a:p>
-            <a:r>
-              <a:rPr lang="en-US" dirty="0"/>
-              <a:t>Jupiter</a:t>
-            </a:r>
-          </a:p>
-          <a:p>
-            <a:r>
-              <a:rPr lang="en-US" dirty="0"/>
-              <a:t>VS Code</a:t>
-            </a:r>
-          </a:p>
-        </p:txBody>
-      </p:sp>
-    </p:spTree>
-    <p:extLst>
-      <p:ext uri="{BB962C8B-B14F-4D97-AF65-F5344CB8AC3E}">
-        <p14:creationId xmlns:p14="http://schemas.microsoft.com/office/powerpoint/2010/main" val="1720602017"/>
-      </p:ext>
-    </p:extLst>
-  </p:cSld>
-  <p:clrMapOvr>
-    <a:masterClrMapping/>
-  </p:clrMapOvr>
-</p:sld>
-</file>
-
-<file path=ppt/slides/slide5.xml><?xml version="1.0" encoding="utf-8"?>
-<p:sld xmlns:a="http://schemas.openxmlformats.org/drawingml/2006/main" xmlns:r="http://schemas.openxmlformats.org/officeDocument/2006/relationships" xmlns:p="http://schemas.openxmlformats.org/presentationml/2006/main">
-  <p:cSld>
-    <p:spTree>
-      <p:nvGrpSpPr>
-        <p:cNvPr id="1" name=""/>
-        <p:cNvGrpSpPr/>
-        <p:nvPr/>
-      </p:nvGrpSpPr>
-      <p:grpSpPr>
-        <a:xfrm>
-          <a:off x="0" y="0"/>
-          <a:ext cx="0" cy="0"/>
-          <a:chOff x="0" y="0"/>
-          <a:chExt cx="0" cy="0"/>
-        </a:xfrm>
-      </p:grpSpPr>
-      <p:sp>
-        <p:nvSpPr>
-          <p:cNvPr id="2" name="Title 1">
-            <a:extLst>
-              <a:ext uri="{FF2B5EF4-FFF2-40B4-BE49-F238E27FC236}">
-                <a16:creationId xmlns:a16="http://schemas.microsoft.com/office/drawing/2014/main" id="{5D86F32F-D5B8-C052-2A85-391D3250BF2C}"/>
-              </a:ext>
-            </a:extLst>
-          </p:cNvPr>
-          <p:cNvSpPr>
-            <a:spLocks noGrp="1"/>
-          </p:cNvSpPr>
-          <p:nvPr>
-            <p:ph type="title"/>
-          </p:nvPr>
-        </p:nvSpPr>
-        <p:spPr/>
-        <p:txBody>
-          <a:bodyPr/>
-          <a:lstStyle/>
-          <a:p>
-            <a:r>
-              <a:rPr lang="en-US" dirty="0"/>
-              <a:t>Browser</a:t>
-            </a:r>
-          </a:p>
-        </p:txBody>
-      </p:sp>
-      <p:sp>
-        <p:nvSpPr>
-          <p:cNvPr id="3" name="Content Placeholder 2">
-            <a:extLst>
-              <a:ext uri="{FF2B5EF4-FFF2-40B4-BE49-F238E27FC236}">
-                <a16:creationId xmlns:a16="http://schemas.microsoft.com/office/drawing/2014/main" id="{1394210E-C5DB-CADD-246E-D132B6E99BBC}"/>
-              </a:ext>
-            </a:extLst>
-          </p:cNvPr>
-          <p:cNvSpPr>
-            <a:spLocks noGrp="1"/>
-          </p:cNvSpPr>
-          <p:nvPr>
-            <p:ph idx="1"/>
-          </p:nvPr>
-        </p:nvSpPr>
-        <p:spPr/>
-        <p:txBody>
-          <a:bodyPr/>
-          <a:lstStyle/>
-          <a:p>
-            <a:r>
-              <a:rPr lang="en-US" dirty="0"/>
-              <a:t>Firefox</a:t>
-            </a:r>
-          </a:p>
-          <a:p>
-            <a:r>
-              <a:rPr lang="en-US" dirty="0"/>
-              <a:t>Internet Explorer</a:t>
-            </a:r>
-          </a:p>
-          <a:p>
-            <a:r>
-              <a:rPr lang="en-US" dirty="0"/>
-              <a:t>Edge</a:t>
-            </a:r>
-          </a:p>
-          <a:p>
-            <a:r>
-              <a:rPr lang="en-US" dirty="0"/>
-              <a:t>Safari</a:t>
-            </a:r>
-          </a:p>
-          <a:p>
-            <a:r>
-              <a:rPr lang="en-US" dirty="0"/>
-              <a:t>Opera</a:t>
-            </a:r>
-          </a:p>
-          <a:p>
-            <a:r>
-              <a:rPr lang="en-US" dirty="0"/>
-              <a:t>Tor</a:t>
-            </a:r>
-          </a:p>
-          <a:p>
-            <a:r>
-              <a:rPr lang="en-US" dirty="0"/>
-              <a:t>Chrome</a:t>
-            </a:r>
-          </a:p>
-        </p:txBody>
-      </p:sp>
-    </p:spTree>
-    <p:extLst>
-      <p:ext uri="{BB962C8B-B14F-4D97-AF65-F5344CB8AC3E}">
-        <p14:creationId xmlns:p14="http://schemas.microsoft.com/office/powerpoint/2010/main" val="1595952211"/>
-      </p:ext>
-    </p:extLst>
-  </p:cSld>
-  <p:clrMapOvr>
-    <a:masterClrMapping/>
-  </p:clrMapOvr>
-</p:sld>
-</file>
-
-<file path=ppt/slides/slide6.xml><?xml version="1.0" encoding="utf-8"?>
-<p:sld xmlns:a="http://schemas.openxmlformats.org/drawingml/2006/main" xmlns:r="http://schemas.openxmlformats.org/officeDocument/2006/relationships" xmlns:p="http://schemas.openxmlformats.org/presentationml/2006/main">
-  <p:cSld>
-    <p:spTree>
-      <p:nvGrpSpPr>
-        <p:cNvPr id="1" name=""/>
-        <p:cNvGrpSpPr/>
-        <p:nvPr/>
-      </p:nvGrpSpPr>
-      <p:grpSpPr>
-        <a:xfrm>
-          <a:off x="0" y="0"/>
-          <a:ext cx="0" cy="0"/>
-          <a:chOff x="0" y="0"/>
-          <a:chExt cx="0" cy="0"/>
-        </a:xfrm>
-      </p:grpSpPr>
-      <p:sp>
-        <p:nvSpPr>
-          <p:cNvPr id="2" name="Title 1">
-            <a:extLst>
-              <a:ext uri="{FF2B5EF4-FFF2-40B4-BE49-F238E27FC236}">
-                <a16:creationId xmlns:a16="http://schemas.microsoft.com/office/drawing/2014/main" id="{8CD59B99-FE6B-1361-6FFA-F751F2C251F4}"/>
-              </a:ext>
-            </a:extLst>
-          </p:cNvPr>
-          <p:cNvSpPr>
-            <a:spLocks noGrp="1"/>
-          </p:cNvSpPr>
-          <p:nvPr>
-            <p:ph type="title"/>
-          </p:nvPr>
-        </p:nvSpPr>
-        <p:spPr/>
-        <p:txBody>
-          <a:bodyPr/>
-          <a:lstStyle/>
-          <a:p>
-            <a:r>
-              <a:rPr lang="en-US" dirty="0"/>
-              <a:t>Basic Syntax</a:t>
-            </a:r>
-          </a:p>
-        </p:txBody>
-      </p:sp>
-      <p:sp>
-        <p:nvSpPr>
-          <p:cNvPr id="3" name="Content Placeholder 2">
-            <a:extLst>
-              <a:ext uri="{FF2B5EF4-FFF2-40B4-BE49-F238E27FC236}">
-                <a16:creationId xmlns:a16="http://schemas.microsoft.com/office/drawing/2014/main" id="{788029CA-9ACD-D1A6-BE84-D9CBB9967232}"/>
+                <a16:creationId xmlns:a16="http://schemas.microsoft.com/office/drawing/2014/main" id="{32EED7CD-2C12-D519-1A1D-80012AB6886B}"/>
               </a:ext>
             </a:extLst>
           </p:cNvPr>
@@ -3916,8 +3505,8 @@
         </p:nvSpPr>
         <p:spPr>
           <a:xfrm>
-            <a:off x="838200" y="1690688"/>
-            <a:ext cx="2409967" cy="2267163"/>
+            <a:off x="2066498" y="1825625"/>
+            <a:ext cx="3392606" cy="4351338"/>
           </a:xfrm>
         </p:spPr>
         <p:txBody>
@@ -3929,34 +3518,25 @@
             </a:pPr>
             <a:r>
               <a:rPr lang="en-US" dirty="0"/>
-              <a:t>&lt;&gt;</a:t>
-            </a:r>
-          </a:p>
-          <a:p>
-            <a:pPr marL="0" indent="0">
-              <a:buNone/>
-            </a:pPr>
-            <a:r>
-              <a:rPr lang="en-US" dirty="0"/>
-              <a:t>&lt;tag&gt;</a:t>
-            </a:r>
-          </a:p>
-          <a:p>
-            <a:pPr marL="0" indent="0">
-              <a:buNone/>
-            </a:pPr>
-            <a:r>
-              <a:rPr lang="en-US" dirty="0"/>
-              <a:t>Hello World</a:t>
-            </a:r>
-          </a:p>
-          <a:p>
-            <a:pPr marL="0" indent="0">
-              <a:buNone/>
-            </a:pPr>
-            <a:r>
-              <a:rPr lang="en-US" dirty="0"/>
-              <a:t>&lt;/tag&gt;</a:t>
+              <a:t>Unorder List</a:t>
+            </a:r>
+          </a:p>
+          <a:p>
+            <a:r>
+              <a:rPr lang="en-US" dirty="0"/>
+              <a:t>Orange</a:t>
+            </a:r>
+          </a:p>
+          <a:p>
+            <a:r>
+              <a:rPr lang="en-US" dirty="0"/>
+              <a:t>Banana</a:t>
+            </a:r>
+          </a:p>
+          <a:p>
+            <a:r>
+              <a:rPr lang="en-US" dirty="0"/>
+              <a:t>Apple</a:t>
             </a:r>
           </a:p>
         </p:txBody>
@@ -3966,7 +3546,7 @@
           <p:cNvPr id="4" name="Content Placeholder 2">
             <a:extLst>
               <a:ext uri="{FF2B5EF4-FFF2-40B4-BE49-F238E27FC236}">
-                <a16:creationId xmlns:a16="http://schemas.microsoft.com/office/drawing/2014/main" id="{AB05E744-5D1A-8845-07FE-1B1607A72661}"/>
+                <a16:creationId xmlns:a16="http://schemas.microsoft.com/office/drawing/2014/main" id="{A829EA29-0BC8-122D-8531-1DA1CE70C4EF}"/>
               </a:ext>
             </a:extLst>
           </p:cNvPr>
@@ -3977,8 +3557,8 @@
         </p:nvSpPr>
         <p:spPr>
           <a:xfrm>
-            <a:off x="4236492" y="1690687"/>
-            <a:ext cx="6586183" cy="4068668"/>
+            <a:off x="6732898" y="1825625"/>
+            <a:ext cx="3392606" cy="4351338"/>
           </a:xfrm>
           <a:prstGeom prst="rect">
             <a:avLst/>
@@ -4159,77 +3739,37 @@
             </a:pPr>
             <a:r>
               <a:rPr lang="en-US" dirty="0"/>
-              <a:t>&lt;html&gt;</a:t>
-            </a:r>
-          </a:p>
-          <a:p>
-            <a:pPr marL="0" indent="0">
-              <a:buFont typeface="Arial" panose="020B0604020202020204" pitchFamily="34" charset="0"/>
-              <a:buNone/>
+              <a:t>Order List</a:t>
+            </a:r>
+          </a:p>
+          <a:p>
+            <a:pPr marL="514350" indent="-514350">
+              <a:buFont typeface="+mj-lt"/>
+              <a:buAutoNum type="arabicPeriod"/>
             </a:pPr>
             <a:r>
               <a:rPr lang="en-US" dirty="0"/>
-              <a:t>	&lt;head&gt;</a:t>
-            </a:r>
-          </a:p>
-          <a:p>
-            <a:pPr marL="0" indent="0">
-              <a:buFont typeface="Arial" panose="020B0604020202020204" pitchFamily="34" charset="0"/>
-              <a:buNone/>
+              <a:t>Orange</a:t>
+            </a:r>
+          </a:p>
+          <a:p>
+            <a:pPr marL="514350" indent="-514350">
+              <a:buFont typeface="+mj-lt"/>
+              <a:buAutoNum type="arabicPeriod"/>
             </a:pPr>
             <a:r>
               <a:rPr lang="en-US" dirty="0"/>
-              <a:t>		&lt;title&gt;First Web Page&lt;/title&gt;</a:t>
-            </a:r>
-          </a:p>
-          <a:p>
-            <a:pPr marL="0" indent="0">
-              <a:buFont typeface="Arial" panose="020B0604020202020204" pitchFamily="34" charset="0"/>
-              <a:buNone/>
+              <a:t>Banana</a:t>
+            </a:r>
+          </a:p>
+          <a:p>
+            <a:pPr marL="514350" indent="-514350">
+              <a:buFont typeface="+mj-lt"/>
+              <a:buAutoNum type="arabicPeriod"/>
             </a:pPr>
             <a:r>
               <a:rPr lang="en-US" dirty="0"/>
-              <a:t>	&lt;/head&gt;</a:t>
-            </a:r>
-          </a:p>
-          <a:p>
-            <a:pPr marL="0" indent="0">
-              <a:buFont typeface="Arial" panose="020B0604020202020204" pitchFamily="34" charset="0"/>
-              <a:buNone/>
-            </a:pPr>
-            <a:r>
-              <a:rPr lang="en-US" dirty="0"/>
-              <a:t>&lt;body&gt;</a:t>
-            </a:r>
-          </a:p>
-          <a:p>
-            <a:pPr marL="0" indent="0">
-              <a:buFont typeface="Arial" panose="020B0604020202020204" pitchFamily="34" charset="0"/>
-              <a:buNone/>
-            </a:pPr>
-            <a:r>
-              <a:rPr lang="en-US" dirty="0"/>
-              <a:t>	Hello World</a:t>
-            </a:r>
-          </a:p>
-          <a:p>
-            <a:pPr marL="0" indent="0">
-              <a:buFont typeface="Arial" panose="020B0604020202020204" pitchFamily="34" charset="0"/>
-              <a:buNone/>
-            </a:pPr>
-            <a:r>
-              <a:rPr lang="en-US" dirty="0"/>
-              <a:t>&lt;/body&gt;</a:t>
-            </a:r>
-          </a:p>
-          <a:p>
-            <a:pPr marL="0" indent="0">
-              <a:buFont typeface="Arial" panose="020B0604020202020204" pitchFamily="34" charset="0"/>
-              <a:buNone/>
-            </a:pPr>
-            <a:r>
-              <a:rPr lang="en-US" dirty="0"/>
-              <a:t>&lt;/html&gt;</a:t>
+              <a:t>Apple</a:t>
             </a:r>
           </a:p>
         </p:txBody>
@@ -4237,7 +3777,7 @@
     </p:spTree>
     <p:extLst>
       <p:ext uri="{BB962C8B-B14F-4D97-AF65-F5344CB8AC3E}">
-        <p14:creationId xmlns:p14="http://schemas.microsoft.com/office/powerpoint/2010/main" val="2976542718"/>
+        <p14:creationId xmlns:p14="http://schemas.microsoft.com/office/powerpoint/2010/main" val="4042739450"/>
       </p:ext>
     </p:extLst>
   </p:cSld>
@@ -4247,7 +3787,7 @@
 </p:sld>
 </file>
 
-<file path=ppt/slides/slide7.xml><?xml version="1.0" encoding="utf-8"?>
+<file path=ppt/slides/slide11.xml><?xml version="1.0" encoding="utf-8"?>
 <p:sld xmlns:a="http://schemas.openxmlformats.org/drawingml/2006/main" xmlns:r="http://schemas.openxmlformats.org/officeDocument/2006/relationships" xmlns:p="http://schemas.openxmlformats.org/presentationml/2006/main">
   <p:cSld>
     <p:spTree>
@@ -4269,7 +3809,7 @@
           <p:cNvPr id="2" name="Title 1">
             <a:extLst>
               <a:ext uri="{FF2B5EF4-FFF2-40B4-BE49-F238E27FC236}">
-                <a16:creationId xmlns:a16="http://schemas.microsoft.com/office/drawing/2014/main" id="{167E6932-2184-26C3-3E4A-40CF3E354C00}"/>
+                <a16:creationId xmlns:a16="http://schemas.microsoft.com/office/drawing/2014/main" id="{4D728FCB-5534-C131-C4AA-53B6C1EB2C00}"/>
               </a:ext>
             </a:extLst>
           </p:cNvPr>
@@ -4280,45 +3820,159 @@
             <p:ph type="title"/>
           </p:nvPr>
         </p:nvSpPr>
+        <p:spPr>
+          <a:xfrm>
+            <a:off x="838200" y="365126"/>
+            <a:ext cx="10515600" cy="573338"/>
+          </a:xfrm>
+        </p:spPr>
+        <p:txBody>
+          <a:bodyPr>
+            <a:normAutofit fontScale="90000"/>
+          </a:bodyPr>
+          <a:lstStyle/>
+          <a:p>
+            <a:r>
+              <a:rPr lang="en-US" dirty="0"/>
+              <a:t>HTML Listing Tags</a:t>
+            </a:r>
+          </a:p>
+        </p:txBody>
+      </p:sp>
+      <p:sp>
+        <p:nvSpPr>
+          <p:cNvPr id="3" name="Content Placeholder 2">
+            <a:extLst>
+              <a:ext uri="{FF2B5EF4-FFF2-40B4-BE49-F238E27FC236}">
+                <a16:creationId xmlns:a16="http://schemas.microsoft.com/office/drawing/2014/main" id="{DBA27632-6B12-4003-4AEE-9156151EF198}"/>
+              </a:ext>
+            </a:extLst>
+          </p:cNvPr>
+          <p:cNvSpPr>
+            <a:spLocks noGrp="1"/>
+          </p:cNvSpPr>
+          <p:nvPr>
+            <p:ph idx="1"/>
+          </p:nvPr>
+        </p:nvSpPr>
         <p:spPr/>
         <p:txBody>
-          <a:bodyPr/>
-          <a:lstStyle/>
-          <a:p>
-            <a:r>
-              <a:rPr lang="en-US" dirty="0"/>
-              <a:t>HTML File Save</a:t>
-            </a:r>
-          </a:p>
-        </p:txBody>
-      </p:sp>
-      <p:sp>
-        <p:nvSpPr>
-          <p:cNvPr id="3" name="Content Placeholder 2">
-            <a:extLst>
-              <a:ext uri="{FF2B5EF4-FFF2-40B4-BE49-F238E27FC236}">
-                <a16:creationId xmlns:a16="http://schemas.microsoft.com/office/drawing/2014/main" id="{CD3A405B-72CA-E661-71F0-6863A4EC9282}"/>
-              </a:ext>
-            </a:extLst>
-          </p:cNvPr>
-          <p:cNvSpPr>
-            <a:spLocks noGrp="1"/>
-          </p:cNvSpPr>
-          <p:nvPr>
-            <p:ph idx="1"/>
-          </p:nvPr>
-        </p:nvSpPr>
-        <p:spPr/>
-        <p:txBody>
-          <a:bodyPr/>
+          <a:bodyPr>
+            <a:normAutofit/>
+          </a:bodyPr>
           <a:lstStyle/>
           <a:p>
             <a:pPr marL="0" indent="0">
               <a:buNone/>
             </a:pPr>
             <a:r>
-              <a:rPr lang="en-US" dirty="0"/>
-              <a:t>Filename.html</a:t>
+              <a:rPr lang="en-US" b="1" dirty="0"/>
+              <a:t>Heading 1</a:t>
+            </a:r>
+          </a:p>
+          <a:p>
+            <a:pPr marL="0" indent="0">
+              <a:buNone/>
+            </a:pPr>
+            <a:r>
+              <a:rPr lang="en-US" dirty="0"/>
+              <a:t>	jsakldjkjdklsajdklsajkdsajdjhsadjksaldjklsajkdlsadsalkdjsaldsjaldjskadjsajdksajdklsajkdsjkdljsakdjsakdjksajdklsa</a:t>
+            </a:r>
+          </a:p>
+          <a:p>
+            <a:pPr marL="0" indent="0">
+              <a:buNone/>
+            </a:pPr>
+            <a:r>
+              <a:rPr lang="en-US" b="1" dirty="0"/>
+              <a:t>Heading 2</a:t>
+            </a:r>
+          </a:p>
+          <a:p>
+            <a:pPr marL="0" indent="0">
+              <a:buNone/>
+            </a:pPr>
+            <a:r>
+              <a:rPr lang="en-US" dirty="0"/>
+              <a:t>	jsakldjkjdklsajdklsajkdsajdjhsadjksaldjklsajkdlsadsalkdjsaldsjaldjskadjsajdksajdklsajkdsjkdljsakdjsakdjksajdklsa</a:t>
+            </a:r>
+          </a:p>
+          <a:p>
+            <a:pPr marL="0" indent="0">
+              <a:buNone/>
+            </a:pPr>
+            <a:r>
+              <a:rPr lang="en-US" b="1" dirty="0"/>
+              <a:t>Heading 3</a:t>
+            </a:r>
+          </a:p>
+          <a:p>
+            <a:pPr marL="0" indent="0">
+              <a:buNone/>
+            </a:pPr>
+            <a:r>
+              <a:rPr lang="en-US" dirty="0"/>
+              <a:t>	jsakldjkjdklsajdklsajkdsajdjhsadjksaldjklsajkdlsadsalkdjsaldsjaldjskadjsajdksajdklsajkdsjkdljsakdjsakdjksajdklsa</a:t>
+            </a:r>
+          </a:p>
+          <a:p>
+            <a:pPr marL="0" indent="0">
+              <a:buNone/>
+            </a:pPr>
+            <a:endParaRPr lang="en-US" dirty="0"/>
+          </a:p>
+        </p:txBody>
+      </p:sp>
+      <p:sp>
+        <p:nvSpPr>
+          <p:cNvPr id="4" name="Title 1">
+            <a:extLst>
+              <a:ext uri="{FF2B5EF4-FFF2-40B4-BE49-F238E27FC236}">
+                <a16:creationId xmlns:a16="http://schemas.microsoft.com/office/drawing/2014/main" id="{62706203-BB69-C443-3360-157494321375}"/>
+              </a:ext>
+            </a:extLst>
+          </p:cNvPr>
+          <p:cNvSpPr txBox="1">
+            <a:spLocks/>
+          </p:cNvSpPr>
+          <p:nvPr/>
+        </p:nvSpPr>
+        <p:spPr>
+          <a:xfrm>
+            <a:off x="838200" y="1095375"/>
+            <a:ext cx="10515600" cy="573338"/>
+          </a:xfrm>
+          <a:prstGeom prst="rect">
+            <a:avLst/>
+          </a:prstGeom>
+        </p:spPr>
+        <p:txBody>
+          <a:bodyPr vert="horz" lIns="91440" tIns="45720" rIns="91440" bIns="45720" rtlCol="0" anchor="ctr">
+            <a:normAutofit fontScale="90000" lnSpcReduction="20000"/>
+          </a:bodyPr>
+          <a:lstStyle>
+            <a:lvl1pPr algn="l" defTabSz="914400" rtl="0" eaLnBrk="1" latinLnBrk="0" hangingPunct="1">
+              <a:lnSpc>
+                <a:spcPct val="90000"/>
+              </a:lnSpc>
+              <a:spcBef>
+                <a:spcPct val="0"/>
+              </a:spcBef>
+              <a:buNone/>
+              <a:defRPr sz="4400" kern="1200">
+                <a:solidFill>
+                  <a:schemeClr val="tx1"/>
+                </a:solidFill>
+                <a:latin typeface="+mj-lt"/>
+                <a:ea typeface="+mj-ea"/>
+                <a:cs typeface="+mj-cs"/>
+              </a:defRPr>
+            </a:lvl1pPr>
+          </a:lstStyle>
+          <a:p>
+            <a:r>
+              <a:rPr lang="en-US" dirty="0"/>
+              <a:t>Description list</a:t>
             </a:r>
           </a:p>
         </p:txBody>
@@ -4326,7 +3980,7 @@
     </p:spTree>
     <p:extLst>
       <p:ext uri="{BB962C8B-B14F-4D97-AF65-F5344CB8AC3E}">
-        <p14:creationId xmlns:p14="http://schemas.microsoft.com/office/powerpoint/2010/main" val="1347240859"/>
+        <p14:creationId xmlns:p14="http://schemas.microsoft.com/office/powerpoint/2010/main" val="3604060678"/>
       </p:ext>
     </p:extLst>
   </p:cSld>
@@ -4336,7 +3990,7 @@
 </p:sld>
 </file>
 
-<file path=ppt/slides/slide8.xml><?xml version="1.0" encoding="utf-8"?>
+<file path=ppt/slides/slide2.xml><?xml version="1.0" encoding="utf-8"?>
 <p:sld xmlns:a="http://schemas.openxmlformats.org/drawingml/2006/main" xmlns:r="http://schemas.openxmlformats.org/officeDocument/2006/relationships" xmlns:p="http://schemas.openxmlformats.org/presentationml/2006/main">
   <p:cSld>
     <p:spTree>
@@ -4358,7 +4012,7 @@
           <p:cNvPr id="2" name="Title 1">
             <a:extLst>
               <a:ext uri="{FF2B5EF4-FFF2-40B4-BE49-F238E27FC236}">
-                <a16:creationId xmlns:a16="http://schemas.microsoft.com/office/drawing/2014/main" id="{C60176E4-4359-49BC-085F-706AFA0C2373}"/>
+                <a16:creationId xmlns:a16="http://schemas.microsoft.com/office/drawing/2014/main" id="{0D0B111D-C7D8-18FB-0D35-AC9991B06E49}"/>
               </a:ext>
             </a:extLst>
           </p:cNvPr>
@@ -4376,7 +4030,489 @@
           <a:p>
             <a:r>
               <a:rPr lang="en-US" dirty="0"/>
-              <a:t>HTML Text Formatting</a:t>
+              <a:t>Which HTML version?</a:t>
+            </a:r>
+          </a:p>
+        </p:txBody>
+      </p:sp>
+      <p:sp>
+        <p:nvSpPr>
+          <p:cNvPr id="3" name="Content Placeholder 2">
+            <a:extLst>
+              <a:ext uri="{FF2B5EF4-FFF2-40B4-BE49-F238E27FC236}">
+                <a16:creationId xmlns:a16="http://schemas.microsoft.com/office/drawing/2014/main" id="{174EB039-9893-43B4-8B29-DC03488AF1AA}"/>
+              </a:ext>
+            </a:extLst>
+          </p:cNvPr>
+          <p:cNvSpPr>
+            <a:spLocks noGrp="1"/>
+          </p:cNvSpPr>
+          <p:nvPr>
+            <p:ph idx="1"/>
+          </p:nvPr>
+        </p:nvSpPr>
+        <p:spPr/>
+        <p:txBody>
+          <a:bodyPr/>
+          <a:lstStyle/>
+          <a:p>
+            <a:pPr marL="0" indent="0">
+              <a:buNone/>
+            </a:pPr>
+            <a:r>
+              <a:rPr lang="en-US" dirty="0"/>
+              <a:t>HTML 5 and HTML 4</a:t>
+            </a:r>
+          </a:p>
+        </p:txBody>
+      </p:sp>
+    </p:spTree>
+    <p:extLst>
+      <p:ext uri="{BB962C8B-B14F-4D97-AF65-F5344CB8AC3E}">
+        <p14:creationId xmlns:p14="http://schemas.microsoft.com/office/powerpoint/2010/main" val="4026068764"/>
+      </p:ext>
+    </p:extLst>
+  </p:cSld>
+  <p:clrMapOvr>
+    <a:masterClrMapping/>
+  </p:clrMapOvr>
+</p:sld>
+</file>
+
+<file path=ppt/slides/slide3.xml><?xml version="1.0" encoding="utf-8"?>
+<p:sld xmlns:a="http://schemas.openxmlformats.org/drawingml/2006/main" xmlns:r="http://schemas.openxmlformats.org/officeDocument/2006/relationships" xmlns:p="http://schemas.openxmlformats.org/presentationml/2006/main">
+  <p:cSld>
+    <p:spTree>
+      <p:nvGrpSpPr>
+        <p:cNvPr id="1" name=""/>
+        <p:cNvGrpSpPr/>
+        <p:nvPr/>
+      </p:nvGrpSpPr>
+      <p:grpSpPr>
+        <a:xfrm>
+          <a:off x="0" y="0"/>
+          <a:ext cx="0" cy="0"/>
+          <a:chOff x="0" y="0"/>
+          <a:chExt cx="0" cy="0"/>
+        </a:xfrm>
+      </p:grpSpPr>
+      <p:sp>
+        <p:nvSpPr>
+          <p:cNvPr id="2" name="Title 1">
+            <a:extLst>
+              <a:ext uri="{FF2B5EF4-FFF2-40B4-BE49-F238E27FC236}">
+                <a16:creationId xmlns:a16="http://schemas.microsoft.com/office/drawing/2014/main" id="{A3761845-F029-A453-D3C7-AC5CDB35EEB4}"/>
+              </a:ext>
+            </a:extLst>
+          </p:cNvPr>
+          <p:cNvSpPr>
+            <a:spLocks noGrp="1"/>
+          </p:cNvSpPr>
+          <p:nvPr>
+            <p:ph type="title"/>
+          </p:nvPr>
+        </p:nvSpPr>
+        <p:spPr/>
+        <p:txBody>
+          <a:bodyPr/>
+          <a:lstStyle/>
+          <a:p>
+            <a:r>
+              <a:rPr lang="en-US" dirty="0"/>
+              <a:t>Software Requirement</a:t>
+            </a:r>
+          </a:p>
+        </p:txBody>
+      </p:sp>
+      <p:sp>
+        <p:nvSpPr>
+          <p:cNvPr id="3" name="Content Placeholder 2">
+            <a:extLst>
+              <a:ext uri="{FF2B5EF4-FFF2-40B4-BE49-F238E27FC236}">
+                <a16:creationId xmlns:a16="http://schemas.microsoft.com/office/drawing/2014/main" id="{5F36D350-78B3-DEFD-E702-2DC687A04124}"/>
+              </a:ext>
+            </a:extLst>
+          </p:cNvPr>
+          <p:cNvSpPr>
+            <a:spLocks noGrp="1"/>
+          </p:cNvSpPr>
+          <p:nvPr>
+            <p:ph idx="1"/>
+          </p:nvPr>
+        </p:nvSpPr>
+        <p:spPr/>
+        <p:txBody>
+          <a:bodyPr/>
+          <a:lstStyle/>
+          <a:p>
+            <a:r>
+              <a:rPr lang="en-US" dirty="0"/>
+              <a:t>HTML Editor</a:t>
+            </a:r>
+          </a:p>
+          <a:p>
+            <a:r>
+              <a:rPr lang="en-US" dirty="0"/>
+              <a:t>Browser</a:t>
+            </a:r>
+          </a:p>
+        </p:txBody>
+      </p:sp>
+    </p:spTree>
+    <p:extLst>
+      <p:ext uri="{BB962C8B-B14F-4D97-AF65-F5344CB8AC3E}">
+        <p14:creationId xmlns:p14="http://schemas.microsoft.com/office/powerpoint/2010/main" val="1380138691"/>
+      </p:ext>
+    </p:extLst>
+  </p:cSld>
+  <p:clrMapOvr>
+    <a:masterClrMapping/>
+  </p:clrMapOvr>
+</p:sld>
+</file>
+
+<file path=ppt/slides/slide4.xml><?xml version="1.0" encoding="utf-8"?>
+<p:sld xmlns:a="http://schemas.openxmlformats.org/drawingml/2006/main" xmlns:r="http://schemas.openxmlformats.org/officeDocument/2006/relationships" xmlns:p="http://schemas.openxmlformats.org/presentationml/2006/main">
+  <p:cSld>
+    <p:spTree>
+      <p:nvGrpSpPr>
+        <p:cNvPr id="1" name=""/>
+        <p:cNvGrpSpPr/>
+        <p:nvPr/>
+      </p:nvGrpSpPr>
+      <p:grpSpPr>
+        <a:xfrm>
+          <a:off x="0" y="0"/>
+          <a:ext cx="0" cy="0"/>
+          <a:chOff x="0" y="0"/>
+          <a:chExt cx="0" cy="0"/>
+        </a:xfrm>
+      </p:grpSpPr>
+      <p:sp>
+        <p:nvSpPr>
+          <p:cNvPr id="2" name="Title 1">
+            <a:extLst>
+              <a:ext uri="{FF2B5EF4-FFF2-40B4-BE49-F238E27FC236}">
+                <a16:creationId xmlns:a16="http://schemas.microsoft.com/office/drawing/2014/main" id="{6A2BACAB-F950-CCE8-C8AA-52B31F846C92}"/>
+              </a:ext>
+            </a:extLst>
+          </p:cNvPr>
+          <p:cNvSpPr>
+            <a:spLocks noGrp="1"/>
+          </p:cNvSpPr>
+          <p:nvPr>
+            <p:ph type="title"/>
+          </p:nvPr>
+        </p:nvSpPr>
+        <p:spPr/>
+        <p:txBody>
+          <a:bodyPr/>
+          <a:lstStyle/>
+          <a:p>
+            <a:r>
+              <a:rPr lang="en-US" dirty="0"/>
+              <a:t>HTML Editor</a:t>
+            </a:r>
+          </a:p>
+        </p:txBody>
+      </p:sp>
+      <p:sp>
+        <p:nvSpPr>
+          <p:cNvPr id="3" name="Content Placeholder 2">
+            <a:extLst>
+              <a:ext uri="{FF2B5EF4-FFF2-40B4-BE49-F238E27FC236}">
+                <a16:creationId xmlns:a16="http://schemas.microsoft.com/office/drawing/2014/main" id="{E28DABB6-D865-C21B-9E1C-5067B78A5EAD}"/>
+              </a:ext>
+            </a:extLst>
+          </p:cNvPr>
+          <p:cNvSpPr>
+            <a:spLocks noGrp="1"/>
+          </p:cNvSpPr>
+          <p:nvPr>
+            <p:ph idx="1"/>
+          </p:nvPr>
+        </p:nvSpPr>
+        <p:spPr/>
+        <p:txBody>
+          <a:bodyPr/>
+          <a:lstStyle/>
+          <a:p>
+            <a:r>
+              <a:rPr lang="en-US" dirty="0"/>
+              <a:t>Notepad</a:t>
+            </a:r>
+          </a:p>
+          <a:p>
+            <a:r>
+              <a:rPr lang="en-US" dirty="0"/>
+              <a:t>Notepad++</a:t>
+            </a:r>
+          </a:p>
+          <a:p>
+            <a:r>
+              <a:rPr lang="en-US" dirty="0"/>
+              <a:t>Subline</a:t>
+            </a:r>
+          </a:p>
+          <a:p>
+            <a:r>
+              <a:rPr lang="en-US" dirty="0"/>
+              <a:t>Atom</a:t>
+            </a:r>
+          </a:p>
+          <a:p>
+            <a:r>
+              <a:rPr lang="en-US" dirty="0"/>
+              <a:t>Jupiter</a:t>
+            </a:r>
+          </a:p>
+          <a:p>
+            <a:r>
+              <a:rPr lang="en-US" dirty="0"/>
+              <a:t>VS Code</a:t>
+            </a:r>
+          </a:p>
+        </p:txBody>
+      </p:sp>
+    </p:spTree>
+    <p:extLst>
+      <p:ext uri="{BB962C8B-B14F-4D97-AF65-F5344CB8AC3E}">
+        <p14:creationId xmlns:p14="http://schemas.microsoft.com/office/powerpoint/2010/main" val="1720602017"/>
+      </p:ext>
+    </p:extLst>
+  </p:cSld>
+  <p:clrMapOvr>
+    <a:masterClrMapping/>
+  </p:clrMapOvr>
+</p:sld>
+</file>
+
+<file path=ppt/slides/slide5.xml><?xml version="1.0" encoding="utf-8"?>
+<p:sld xmlns:a="http://schemas.openxmlformats.org/drawingml/2006/main" xmlns:r="http://schemas.openxmlformats.org/officeDocument/2006/relationships" xmlns:p="http://schemas.openxmlformats.org/presentationml/2006/main">
+  <p:cSld>
+    <p:spTree>
+      <p:nvGrpSpPr>
+        <p:cNvPr id="1" name=""/>
+        <p:cNvGrpSpPr/>
+        <p:nvPr/>
+      </p:nvGrpSpPr>
+      <p:grpSpPr>
+        <a:xfrm>
+          <a:off x="0" y="0"/>
+          <a:ext cx="0" cy="0"/>
+          <a:chOff x="0" y="0"/>
+          <a:chExt cx="0" cy="0"/>
+        </a:xfrm>
+      </p:grpSpPr>
+      <p:sp>
+        <p:nvSpPr>
+          <p:cNvPr id="2" name="Title 1">
+            <a:extLst>
+              <a:ext uri="{FF2B5EF4-FFF2-40B4-BE49-F238E27FC236}">
+                <a16:creationId xmlns:a16="http://schemas.microsoft.com/office/drawing/2014/main" id="{5D86F32F-D5B8-C052-2A85-391D3250BF2C}"/>
+              </a:ext>
+            </a:extLst>
+          </p:cNvPr>
+          <p:cNvSpPr>
+            <a:spLocks noGrp="1"/>
+          </p:cNvSpPr>
+          <p:nvPr>
+            <p:ph type="title"/>
+          </p:nvPr>
+        </p:nvSpPr>
+        <p:spPr/>
+        <p:txBody>
+          <a:bodyPr/>
+          <a:lstStyle/>
+          <a:p>
+            <a:r>
+              <a:rPr lang="en-US" dirty="0"/>
+              <a:t>Browser</a:t>
+            </a:r>
+          </a:p>
+        </p:txBody>
+      </p:sp>
+      <p:sp>
+        <p:nvSpPr>
+          <p:cNvPr id="3" name="Content Placeholder 2">
+            <a:extLst>
+              <a:ext uri="{FF2B5EF4-FFF2-40B4-BE49-F238E27FC236}">
+                <a16:creationId xmlns:a16="http://schemas.microsoft.com/office/drawing/2014/main" id="{1394210E-C5DB-CADD-246E-D132B6E99BBC}"/>
+              </a:ext>
+            </a:extLst>
+          </p:cNvPr>
+          <p:cNvSpPr>
+            <a:spLocks noGrp="1"/>
+          </p:cNvSpPr>
+          <p:nvPr>
+            <p:ph idx="1"/>
+          </p:nvPr>
+        </p:nvSpPr>
+        <p:spPr/>
+        <p:txBody>
+          <a:bodyPr/>
+          <a:lstStyle/>
+          <a:p>
+            <a:r>
+              <a:rPr lang="en-US" dirty="0"/>
+              <a:t>Firefox</a:t>
+            </a:r>
+          </a:p>
+          <a:p>
+            <a:r>
+              <a:rPr lang="en-US" dirty="0"/>
+              <a:t>Internet Explorer</a:t>
+            </a:r>
+          </a:p>
+          <a:p>
+            <a:r>
+              <a:rPr lang="en-US" dirty="0"/>
+              <a:t>Edge</a:t>
+            </a:r>
+          </a:p>
+          <a:p>
+            <a:r>
+              <a:rPr lang="en-US" dirty="0"/>
+              <a:t>Safari</a:t>
+            </a:r>
+          </a:p>
+          <a:p>
+            <a:r>
+              <a:rPr lang="en-US" dirty="0"/>
+              <a:t>Opera</a:t>
+            </a:r>
+          </a:p>
+          <a:p>
+            <a:r>
+              <a:rPr lang="en-US" dirty="0"/>
+              <a:t>Tor</a:t>
+            </a:r>
+          </a:p>
+          <a:p>
+            <a:r>
+              <a:rPr lang="en-US" dirty="0"/>
+              <a:t>Chrome</a:t>
+            </a:r>
+          </a:p>
+        </p:txBody>
+      </p:sp>
+    </p:spTree>
+    <p:extLst>
+      <p:ext uri="{BB962C8B-B14F-4D97-AF65-F5344CB8AC3E}">
+        <p14:creationId xmlns:p14="http://schemas.microsoft.com/office/powerpoint/2010/main" val="1595952211"/>
+      </p:ext>
+    </p:extLst>
+  </p:cSld>
+  <p:clrMapOvr>
+    <a:masterClrMapping/>
+  </p:clrMapOvr>
+</p:sld>
+</file>
+
+<file path=ppt/slides/slide6.xml><?xml version="1.0" encoding="utf-8"?>
+<p:sld xmlns:a="http://schemas.openxmlformats.org/drawingml/2006/main" xmlns:r="http://schemas.openxmlformats.org/officeDocument/2006/relationships" xmlns:p="http://schemas.openxmlformats.org/presentationml/2006/main">
+  <p:cSld>
+    <p:spTree>
+      <p:nvGrpSpPr>
+        <p:cNvPr id="1" name=""/>
+        <p:cNvGrpSpPr/>
+        <p:nvPr/>
+      </p:nvGrpSpPr>
+      <p:grpSpPr>
+        <a:xfrm>
+          <a:off x="0" y="0"/>
+          <a:ext cx="0" cy="0"/>
+          <a:chOff x="0" y="0"/>
+          <a:chExt cx="0" cy="0"/>
+        </a:xfrm>
+      </p:grpSpPr>
+      <p:sp>
+        <p:nvSpPr>
+          <p:cNvPr id="2" name="Title 1">
+            <a:extLst>
+              <a:ext uri="{FF2B5EF4-FFF2-40B4-BE49-F238E27FC236}">
+                <a16:creationId xmlns:a16="http://schemas.microsoft.com/office/drawing/2014/main" id="{8CD59B99-FE6B-1361-6FFA-F751F2C251F4}"/>
+              </a:ext>
+            </a:extLst>
+          </p:cNvPr>
+          <p:cNvSpPr>
+            <a:spLocks noGrp="1"/>
+          </p:cNvSpPr>
+          <p:nvPr>
+            <p:ph type="title"/>
+          </p:nvPr>
+        </p:nvSpPr>
+        <p:spPr/>
+        <p:txBody>
+          <a:bodyPr/>
+          <a:lstStyle/>
+          <a:p>
+            <a:r>
+              <a:rPr lang="en-US" dirty="0"/>
+              <a:t>Basic Syntax</a:t>
+            </a:r>
+          </a:p>
+        </p:txBody>
+      </p:sp>
+      <p:sp>
+        <p:nvSpPr>
+          <p:cNvPr id="3" name="Content Placeholder 2">
+            <a:extLst>
+              <a:ext uri="{FF2B5EF4-FFF2-40B4-BE49-F238E27FC236}">
+                <a16:creationId xmlns:a16="http://schemas.microsoft.com/office/drawing/2014/main" id="{788029CA-9ACD-D1A6-BE84-D9CBB9967232}"/>
+              </a:ext>
+            </a:extLst>
+          </p:cNvPr>
+          <p:cNvSpPr>
+            <a:spLocks noGrp="1"/>
+          </p:cNvSpPr>
+          <p:nvPr>
+            <p:ph idx="1"/>
+          </p:nvPr>
+        </p:nvSpPr>
+        <p:spPr>
+          <a:xfrm>
+            <a:off x="838200" y="1690688"/>
+            <a:ext cx="2409967" cy="2267163"/>
+          </a:xfrm>
+        </p:spPr>
+        <p:txBody>
+          <a:bodyPr/>
+          <a:lstStyle/>
+          <a:p>
+            <a:pPr marL="0" indent="0">
+              <a:buNone/>
+            </a:pPr>
+            <a:r>
+              <a:rPr lang="en-US" dirty="0"/>
+              <a:t>&lt;&gt;</a:t>
+            </a:r>
+          </a:p>
+          <a:p>
+            <a:pPr marL="0" indent="0">
+              <a:buNone/>
+            </a:pPr>
+            <a:r>
+              <a:rPr lang="en-US" dirty="0"/>
+              <a:t>&lt;tag&gt;</a:t>
+            </a:r>
+          </a:p>
+          <a:p>
+            <a:pPr marL="0" indent="0">
+              <a:buNone/>
+            </a:pPr>
+            <a:r>
+              <a:rPr lang="en-US" dirty="0"/>
+              <a:t>Hello World</a:t>
+            </a:r>
+          </a:p>
+          <a:p>
+            <a:pPr marL="0" indent="0">
+              <a:buNone/>
+            </a:pPr>
+            <a:r>
+              <a:rPr lang="en-US" dirty="0"/>
+              <a:t>&lt;/tag&gt;</a:t>
             </a:r>
           </a:p>
         </p:txBody>
@@ -4386,7 +4522,7 @@
           <p:cNvPr id="4" name="Content Placeholder 2">
             <a:extLst>
               <a:ext uri="{FF2B5EF4-FFF2-40B4-BE49-F238E27FC236}">
-                <a16:creationId xmlns:a16="http://schemas.microsoft.com/office/drawing/2014/main" id="{C664146C-2D13-07A9-75FD-F96250AAF5B8}"/>
+                <a16:creationId xmlns:a16="http://schemas.microsoft.com/office/drawing/2014/main" id="{AB05E744-5D1A-8845-07FE-1B1607A72661}"/>
               </a:ext>
             </a:extLst>
           </p:cNvPr>
@@ -4397,8 +4533,8 @@
         </p:nvSpPr>
         <p:spPr>
           <a:xfrm>
-            <a:off x="5751394" y="1690688"/>
-            <a:ext cx="5357884" cy="4351338"/>
+            <a:off x="4236492" y="1690687"/>
+            <a:ext cx="6586183" cy="4068668"/>
           </a:xfrm>
           <a:prstGeom prst="rect">
             <a:avLst/>
@@ -4573,6 +4709,426 @@
             </a:lvl9pPr>
           </a:lstStyle>
           <a:p>
+            <a:pPr marL="0" indent="0">
+              <a:buFont typeface="Arial" panose="020B0604020202020204" pitchFamily="34" charset="0"/>
+              <a:buNone/>
+            </a:pPr>
+            <a:r>
+              <a:rPr lang="en-US" dirty="0"/>
+              <a:t>&lt;html&gt;</a:t>
+            </a:r>
+          </a:p>
+          <a:p>
+            <a:pPr marL="0" indent="0">
+              <a:buFont typeface="Arial" panose="020B0604020202020204" pitchFamily="34" charset="0"/>
+              <a:buNone/>
+            </a:pPr>
+            <a:r>
+              <a:rPr lang="en-US" dirty="0"/>
+              <a:t>	&lt;head&gt;</a:t>
+            </a:r>
+          </a:p>
+          <a:p>
+            <a:pPr marL="0" indent="0">
+              <a:buFont typeface="Arial" panose="020B0604020202020204" pitchFamily="34" charset="0"/>
+              <a:buNone/>
+            </a:pPr>
+            <a:r>
+              <a:rPr lang="en-US" dirty="0"/>
+              <a:t>		&lt;title&gt;First Web Page&lt;/title&gt;</a:t>
+            </a:r>
+          </a:p>
+          <a:p>
+            <a:pPr marL="0" indent="0">
+              <a:buFont typeface="Arial" panose="020B0604020202020204" pitchFamily="34" charset="0"/>
+              <a:buNone/>
+            </a:pPr>
+            <a:r>
+              <a:rPr lang="en-US" dirty="0"/>
+              <a:t>	&lt;/head&gt;</a:t>
+            </a:r>
+          </a:p>
+          <a:p>
+            <a:pPr marL="0" indent="0">
+              <a:buFont typeface="Arial" panose="020B0604020202020204" pitchFamily="34" charset="0"/>
+              <a:buNone/>
+            </a:pPr>
+            <a:r>
+              <a:rPr lang="en-US" dirty="0"/>
+              <a:t>&lt;body&gt;</a:t>
+            </a:r>
+          </a:p>
+          <a:p>
+            <a:pPr marL="0" indent="0">
+              <a:buFont typeface="Arial" panose="020B0604020202020204" pitchFamily="34" charset="0"/>
+              <a:buNone/>
+            </a:pPr>
+            <a:r>
+              <a:rPr lang="en-US" dirty="0"/>
+              <a:t>	Hello World</a:t>
+            </a:r>
+          </a:p>
+          <a:p>
+            <a:pPr marL="0" indent="0">
+              <a:buFont typeface="Arial" panose="020B0604020202020204" pitchFamily="34" charset="0"/>
+              <a:buNone/>
+            </a:pPr>
+            <a:r>
+              <a:rPr lang="en-US" dirty="0"/>
+              <a:t>&lt;/body&gt;</a:t>
+            </a:r>
+          </a:p>
+          <a:p>
+            <a:pPr marL="0" indent="0">
+              <a:buFont typeface="Arial" panose="020B0604020202020204" pitchFamily="34" charset="0"/>
+              <a:buNone/>
+            </a:pPr>
+            <a:r>
+              <a:rPr lang="en-US" dirty="0"/>
+              <a:t>&lt;/html&gt;</a:t>
+            </a:r>
+          </a:p>
+        </p:txBody>
+      </p:sp>
+    </p:spTree>
+    <p:extLst>
+      <p:ext uri="{BB962C8B-B14F-4D97-AF65-F5344CB8AC3E}">
+        <p14:creationId xmlns:p14="http://schemas.microsoft.com/office/powerpoint/2010/main" val="2976542718"/>
+      </p:ext>
+    </p:extLst>
+  </p:cSld>
+  <p:clrMapOvr>
+    <a:masterClrMapping/>
+  </p:clrMapOvr>
+</p:sld>
+</file>
+
+<file path=ppt/slides/slide7.xml><?xml version="1.0" encoding="utf-8"?>
+<p:sld xmlns:a="http://schemas.openxmlformats.org/drawingml/2006/main" xmlns:r="http://schemas.openxmlformats.org/officeDocument/2006/relationships" xmlns:p="http://schemas.openxmlformats.org/presentationml/2006/main">
+  <p:cSld>
+    <p:spTree>
+      <p:nvGrpSpPr>
+        <p:cNvPr id="1" name=""/>
+        <p:cNvGrpSpPr/>
+        <p:nvPr/>
+      </p:nvGrpSpPr>
+      <p:grpSpPr>
+        <a:xfrm>
+          <a:off x="0" y="0"/>
+          <a:ext cx="0" cy="0"/>
+          <a:chOff x="0" y="0"/>
+          <a:chExt cx="0" cy="0"/>
+        </a:xfrm>
+      </p:grpSpPr>
+      <p:sp>
+        <p:nvSpPr>
+          <p:cNvPr id="2" name="Title 1">
+            <a:extLst>
+              <a:ext uri="{FF2B5EF4-FFF2-40B4-BE49-F238E27FC236}">
+                <a16:creationId xmlns:a16="http://schemas.microsoft.com/office/drawing/2014/main" id="{167E6932-2184-26C3-3E4A-40CF3E354C00}"/>
+              </a:ext>
+            </a:extLst>
+          </p:cNvPr>
+          <p:cNvSpPr>
+            <a:spLocks noGrp="1"/>
+          </p:cNvSpPr>
+          <p:nvPr>
+            <p:ph type="title"/>
+          </p:nvPr>
+        </p:nvSpPr>
+        <p:spPr/>
+        <p:txBody>
+          <a:bodyPr/>
+          <a:lstStyle/>
+          <a:p>
+            <a:r>
+              <a:rPr lang="en-US" dirty="0"/>
+              <a:t>HTML File Save</a:t>
+            </a:r>
+          </a:p>
+        </p:txBody>
+      </p:sp>
+      <p:sp>
+        <p:nvSpPr>
+          <p:cNvPr id="3" name="Content Placeholder 2">
+            <a:extLst>
+              <a:ext uri="{FF2B5EF4-FFF2-40B4-BE49-F238E27FC236}">
+                <a16:creationId xmlns:a16="http://schemas.microsoft.com/office/drawing/2014/main" id="{CD3A405B-72CA-E661-71F0-6863A4EC9282}"/>
+              </a:ext>
+            </a:extLst>
+          </p:cNvPr>
+          <p:cNvSpPr>
+            <a:spLocks noGrp="1"/>
+          </p:cNvSpPr>
+          <p:nvPr>
+            <p:ph idx="1"/>
+          </p:nvPr>
+        </p:nvSpPr>
+        <p:spPr/>
+        <p:txBody>
+          <a:bodyPr/>
+          <a:lstStyle/>
+          <a:p>
+            <a:pPr marL="0" indent="0">
+              <a:buNone/>
+            </a:pPr>
+            <a:r>
+              <a:rPr lang="en-US" dirty="0"/>
+              <a:t>Filename.html</a:t>
+            </a:r>
+          </a:p>
+        </p:txBody>
+      </p:sp>
+    </p:spTree>
+    <p:extLst>
+      <p:ext uri="{BB962C8B-B14F-4D97-AF65-F5344CB8AC3E}">
+        <p14:creationId xmlns:p14="http://schemas.microsoft.com/office/powerpoint/2010/main" val="1347240859"/>
+      </p:ext>
+    </p:extLst>
+  </p:cSld>
+  <p:clrMapOvr>
+    <a:masterClrMapping/>
+  </p:clrMapOvr>
+</p:sld>
+</file>
+
+<file path=ppt/slides/slide8.xml><?xml version="1.0" encoding="utf-8"?>
+<p:sld xmlns:a="http://schemas.openxmlformats.org/drawingml/2006/main" xmlns:r="http://schemas.openxmlformats.org/officeDocument/2006/relationships" xmlns:p="http://schemas.openxmlformats.org/presentationml/2006/main">
+  <p:cSld>
+    <p:spTree>
+      <p:nvGrpSpPr>
+        <p:cNvPr id="1" name=""/>
+        <p:cNvGrpSpPr/>
+        <p:nvPr/>
+      </p:nvGrpSpPr>
+      <p:grpSpPr>
+        <a:xfrm>
+          <a:off x="0" y="0"/>
+          <a:ext cx="0" cy="0"/>
+          <a:chOff x="0" y="0"/>
+          <a:chExt cx="0" cy="0"/>
+        </a:xfrm>
+      </p:grpSpPr>
+      <p:sp>
+        <p:nvSpPr>
+          <p:cNvPr id="2" name="Title 1">
+            <a:extLst>
+              <a:ext uri="{FF2B5EF4-FFF2-40B4-BE49-F238E27FC236}">
+                <a16:creationId xmlns:a16="http://schemas.microsoft.com/office/drawing/2014/main" id="{C60176E4-4359-49BC-085F-706AFA0C2373}"/>
+              </a:ext>
+            </a:extLst>
+          </p:cNvPr>
+          <p:cNvSpPr>
+            <a:spLocks noGrp="1"/>
+          </p:cNvSpPr>
+          <p:nvPr>
+            <p:ph type="title"/>
+          </p:nvPr>
+        </p:nvSpPr>
+        <p:spPr/>
+        <p:txBody>
+          <a:bodyPr/>
+          <a:lstStyle/>
+          <a:p>
+            <a:r>
+              <a:rPr lang="en-US" dirty="0"/>
+              <a:t>HTML Text Formatting</a:t>
+            </a:r>
+          </a:p>
+        </p:txBody>
+      </p:sp>
+      <p:sp>
+        <p:nvSpPr>
+          <p:cNvPr id="4" name="Content Placeholder 2">
+            <a:extLst>
+              <a:ext uri="{FF2B5EF4-FFF2-40B4-BE49-F238E27FC236}">
+                <a16:creationId xmlns:a16="http://schemas.microsoft.com/office/drawing/2014/main" id="{C664146C-2D13-07A9-75FD-F96250AAF5B8}"/>
+              </a:ext>
+            </a:extLst>
+          </p:cNvPr>
+          <p:cNvSpPr txBox="1">
+            <a:spLocks/>
+          </p:cNvSpPr>
+          <p:nvPr/>
+        </p:nvSpPr>
+        <p:spPr>
+          <a:xfrm>
+            <a:off x="5751394" y="1690688"/>
+            <a:ext cx="5357884" cy="4351338"/>
+          </a:xfrm>
+          <a:prstGeom prst="rect">
+            <a:avLst/>
+          </a:prstGeom>
+        </p:spPr>
+        <p:txBody>
+          <a:bodyPr vert="horz" lIns="91440" tIns="45720" rIns="91440" bIns="45720" rtlCol="0">
+            <a:normAutofit/>
+          </a:bodyPr>
+          <a:lstStyle>
+            <a:lvl1pPr marL="228600" indent="-228600" algn="l" defTabSz="914400" rtl="0" eaLnBrk="1" latinLnBrk="0" hangingPunct="1">
+              <a:lnSpc>
+                <a:spcPct val="90000"/>
+              </a:lnSpc>
+              <a:spcBef>
+                <a:spcPts val="1000"/>
+              </a:spcBef>
+              <a:buFont typeface="Arial" panose="020B0604020202020204" pitchFamily="34" charset="0"/>
+              <a:buChar char="•"/>
+              <a:defRPr sz="2800" kern="1200">
+                <a:solidFill>
+                  <a:schemeClr val="tx1"/>
+                </a:solidFill>
+                <a:latin typeface="+mn-lt"/>
+                <a:ea typeface="+mn-ea"/>
+                <a:cs typeface="+mn-cs"/>
+              </a:defRPr>
+            </a:lvl1pPr>
+            <a:lvl2pPr marL="685800" indent="-228600" algn="l" defTabSz="914400" rtl="0" eaLnBrk="1" latinLnBrk="0" hangingPunct="1">
+              <a:lnSpc>
+                <a:spcPct val="90000"/>
+              </a:lnSpc>
+              <a:spcBef>
+                <a:spcPts val="500"/>
+              </a:spcBef>
+              <a:buFont typeface="Arial" panose="020B0604020202020204" pitchFamily="34" charset="0"/>
+              <a:buChar char="•"/>
+              <a:defRPr sz="2400" kern="1200">
+                <a:solidFill>
+                  <a:schemeClr val="tx1"/>
+                </a:solidFill>
+                <a:latin typeface="+mn-lt"/>
+                <a:ea typeface="+mn-ea"/>
+                <a:cs typeface="+mn-cs"/>
+              </a:defRPr>
+            </a:lvl2pPr>
+            <a:lvl3pPr marL="1143000" indent="-228600" algn="l" defTabSz="914400" rtl="0" eaLnBrk="1" latinLnBrk="0" hangingPunct="1">
+              <a:lnSpc>
+                <a:spcPct val="90000"/>
+              </a:lnSpc>
+              <a:spcBef>
+                <a:spcPts val="500"/>
+              </a:spcBef>
+              <a:buFont typeface="Arial" panose="020B0604020202020204" pitchFamily="34" charset="0"/>
+              <a:buChar char="•"/>
+              <a:defRPr sz="2000" kern="1200">
+                <a:solidFill>
+                  <a:schemeClr val="tx1"/>
+                </a:solidFill>
+                <a:latin typeface="+mn-lt"/>
+                <a:ea typeface="+mn-ea"/>
+                <a:cs typeface="+mn-cs"/>
+              </a:defRPr>
+            </a:lvl3pPr>
+            <a:lvl4pPr marL="1600200" indent="-228600" algn="l" defTabSz="914400" rtl="0" eaLnBrk="1" latinLnBrk="0" hangingPunct="1">
+              <a:lnSpc>
+                <a:spcPct val="90000"/>
+              </a:lnSpc>
+              <a:spcBef>
+                <a:spcPts val="500"/>
+              </a:spcBef>
+              <a:buFont typeface="Arial" panose="020B0604020202020204" pitchFamily="34" charset="0"/>
+              <a:buChar char="•"/>
+              <a:defRPr sz="1800" kern="1200">
+                <a:solidFill>
+                  <a:schemeClr val="tx1"/>
+                </a:solidFill>
+                <a:latin typeface="+mn-lt"/>
+                <a:ea typeface="+mn-ea"/>
+                <a:cs typeface="+mn-cs"/>
+              </a:defRPr>
+            </a:lvl4pPr>
+            <a:lvl5pPr marL="2057400" indent="-228600" algn="l" defTabSz="914400" rtl="0" eaLnBrk="1" latinLnBrk="0" hangingPunct="1">
+              <a:lnSpc>
+                <a:spcPct val="90000"/>
+              </a:lnSpc>
+              <a:spcBef>
+                <a:spcPts val="500"/>
+              </a:spcBef>
+              <a:buFont typeface="Arial" panose="020B0604020202020204" pitchFamily="34" charset="0"/>
+              <a:buChar char="•"/>
+              <a:defRPr sz="1800" kern="1200">
+                <a:solidFill>
+                  <a:schemeClr val="tx1"/>
+                </a:solidFill>
+                <a:latin typeface="+mn-lt"/>
+                <a:ea typeface="+mn-ea"/>
+                <a:cs typeface="+mn-cs"/>
+              </a:defRPr>
+            </a:lvl5pPr>
+            <a:lvl6pPr marL="2514600" indent="-228600" algn="l" defTabSz="914400" rtl="0" eaLnBrk="1" latinLnBrk="0" hangingPunct="1">
+              <a:lnSpc>
+                <a:spcPct val="90000"/>
+              </a:lnSpc>
+              <a:spcBef>
+                <a:spcPts val="500"/>
+              </a:spcBef>
+              <a:buFont typeface="Arial" panose="020B0604020202020204" pitchFamily="34" charset="0"/>
+              <a:buChar char="•"/>
+              <a:defRPr sz="1800" kern="1200">
+                <a:solidFill>
+                  <a:schemeClr val="tx1"/>
+                </a:solidFill>
+                <a:latin typeface="+mn-lt"/>
+                <a:ea typeface="+mn-ea"/>
+                <a:cs typeface="+mn-cs"/>
+              </a:defRPr>
+            </a:lvl6pPr>
+            <a:lvl7pPr marL="2971800" indent="-228600" algn="l" defTabSz="914400" rtl="0" eaLnBrk="1" latinLnBrk="0" hangingPunct="1">
+              <a:lnSpc>
+                <a:spcPct val="90000"/>
+              </a:lnSpc>
+              <a:spcBef>
+                <a:spcPts val="500"/>
+              </a:spcBef>
+              <a:buFont typeface="Arial" panose="020B0604020202020204" pitchFamily="34" charset="0"/>
+              <a:buChar char="•"/>
+              <a:defRPr sz="1800" kern="1200">
+                <a:solidFill>
+                  <a:schemeClr val="tx1"/>
+                </a:solidFill>
+                <a:latin typeface="+mn-lt"/>
+                <a:ea typeface="+mn-ea"/>
+                <a:cs typeface="+mn-cs"/>
+              </a:defRPr>
+            </a:lvl7pPr>
+            <a:lvl8pPr marL="3429000" indent="-228600" algn="l" defTabSz="914400" rtl="0" eaLnBrk="1" latinLnBrk="0" hangingPunct="1">
+              <a:lnSpc>
+                <a:spcPct val="90000"/>
+              </a:lnSpc>
+              <a:spcBef>
+                <a:spcPts val="500"/>
+              </a:spcBef>
+              <a:buFont typeface="Arial" panose="020B0604020202020204" pitchFamily="34" charset="0"/>
+              <a:buChar char="•"/>
+              <a:defRPr sz="1800" kern="1200">
+                <a:solidFill>
+                  <a:schemeClr val="tx1"/>
+                </a:solidFill>
+                <a:latin typeface="+mn-lt"/>
+                <a:ea typeface="+mn-ea"/>
+                <a:cs typeface="+mn-cs"/>
+              </a:defRPr>
+            </a:lvl8pPr>
+            <a:lvl9pPr marL="3886200" indent="-228600" algn="l" defTabSz="914400" rtl="0" eaLnBrk="1" latinLnBrk="0" hangingPunct="1">
+              <a:lnSpc>
+                <a:spcPct val="90000"/>
+              </a:lnSpc>
+              <a:spcBef>
+                <a:spcPts val="500"/>
+              </a:spcBef>
+              <a:buFont typeface="Arial" panose="020B0604020202020204" pitchFamily="34" charset="0"/>
+              <a:buChar char="•"/>
+              <a:defRPr sz="1800" kern="1200">
+                <a:solidFill>
+                  <a:schemeClr val="tx1"/>
+                </a:solidFill>
+                <a:latin typeface="+mn-lt"/>
+                <a:ea typeface="+mn-ea"/>
+                <a:cs typeface="+mn-cs"/>
+              </a:defRPr>
+            </a:lvl9pPr>
+          </a:lstStyle>
+          <a:p>
             <a:r>
               <a:rPr lang="en-US" dirty="0"/>
               <a:t>Sub Script – H</a:t>
@@ -4720,6 +5276,119 @@
     <p:extLst>
       <p:ext uri="{BB962C8B-B14F-4D97-AF65-F5344CB8AC3E}">
         <p14:creationId xmlns:p14="http://schemas.microsoft.com/office/powerpoint/2010/main" val="1061577309"/>
+      </p:ext>
+    </p:extLst>
+  </p:cSld>
+  <p:clrMapOvr>
+    <a:masterClrMapping/>
+  </p:clrMapOvr>
+</p:sld>
+</file>
+
+<file path=ppt/slides/slide9.xml><?xml version="1.0" encoding="utf-8"?>
+<p:sld xmlns:a="http://schemas.openxmlformats.org/drawingml/2006/main" xmlns:r="http://schemas.openxmlformats.org/officeDocument/2006/relationships" xmlns:p="http://schemas.openxmlformats.org/presentationml/2006/main">
+  <p:cSld>
+    <p:spTree>
+      <p:nvGrpSpPr>
+        <p:cNvPr id="1" name=""/>
+        <p:cNvGrpSpPr/>
+        <p:nvPr/>
+      </p:nvGrpSpPr>
+      <p:grpSpPr>
+        <a:xfrm>
+          <a:off x="0" y="0"/>
+          <a:ext cx="0" cy="0"/>
+          <a:chOff x="0" y="0"/>
+          <a:chExt cx="0" cy="0"/>
+        </a:xfrm>
+      </p:grpSpPr>
+      <p:sp>
+        <p:nvSpPr>
+          <p:cNvPr id="2" name="Title 1">
+            <a:extLst>
+              <a:ext uri="{FF2B5EF4-FFF2-40B4-BE49-F238E27FC236}">
+                <a16:creationId xmlns:a16="http://schemas.microsoft.com/office/drawing/2014/main" id="{CEFA9EA0-018C-510A-B04E-2DA39699E66D}"/>
+              </a:ext>
+            </a:extLst>
+          </p:cNvPr>
+          <p:cNvSpPr>
+            <a:spLocks noGrp="1"/>
+          </p:cNvSpPr>
+          <p:nvPr>
+            <p:ph type="title"/>
+          </p:nvPr>
+        </p:nvSpPr>
+        <p:spPr/>
+        <p:txBody>
+          <a:bodyPr/>
+          <a:lstStyle/>
+          <a:p>
+            <a:r>
+              <a:rPr lang="en-US" dirty="0"/>
+              <a:t>HTML Text Formatting</a:t>
+            </a:r>
+          </a:p>
+        </p:txBody>
+      </p:sp>
+      <p:sp>
+        <p:nvSpPr>
+          <p:cNvPr id="3" name="Content Placeholder 2">
+            <a:extLst>
+              <a:ext uri="{FF2B5EF4-FFF2-40B4-BE49-F238E27FC236}">
+                <a16:creationId xmlns:a16="http://schemas.microsoft.com/office/drawing/2014/main" id="{6DCCE020-D4A9-58D3-1985-AA026D522837}"/>
+              </a:ext>
+            </a:extLst>
+          </p:cNvPr>
+          <p:cNvSpPr>
+            <a:spLocks noGrp="1"/>
+          </p:cNvSpPr>
+          <p:nvPr>
+            <p:ph idx="1"/>
+          </p:nvPr>
+        </p:nvSpPr>
+        <p:spPr/>
+        <p:txBody>
+          <a:bodyPr/>
+          <a:lstStyle/>
+          <a:p>
+            <a:pPr marL="0" indent="0">
+              <a:buNone/>
+            </a:pPr>
+            <a:r>
+              <a:rPr lang="en-US" dirty="0"/>
+              <a:t>Font Tag</a:t>
+            </a:r>
+          </a:p>
+          <a:p>
+            <a:r>
+              <a:rPr lang="en-US" dirty="0"/>
+              <a:t>Color</a:t>
+            </a:r>
+          </a:p>
+          <a:p>
+            <a:r>
+              <a:rPr lang="en-US" dirty="0"/>
+              <a:t>Size</a:t>
+            </a:r>
+          </a:p>
+          <a:p>
+            <a:r>
+              <a:rPr lang="en-US" dirty="0"/>
+              <a:t>Face</a:t>
+            </a:r>
+          </a:p>
+          <a:p>
+            <a:pPr marL="0" indent="0">
+              <a:buNone/>
+            </a:pPr>
+            <a:endParaRPr lang="en-US" dirty="0"/>
+          </a:p>
+        </p:txBody>
+      </p:sp>
+    </p:spTree>
+    <p:extLst>
+      <p:ext uri="{BB962C8B-B14F-4D97-AF65-F5344CB8AC3E}">
+        <p14:creationId xmlns:p14="http://schemas.microsoft.com/office/powerpoint/2010/main" val="1488549189"/>
       </p:ext>
     </p:extLst>
   </p:cSld>

--- a/HTML.pptx
+++ b/HTML.pptx
@@ -16,6 +16,10 @@
     <p:sldId id="264" r:id="rId10"/>
     <p:sldId id="265" r:id="rId11"/>
     <p:sldId id="266" r:id="rId12"/>
+    <p:sldId id="267" r:id="rId13"/>
+    <p:sldId id="268" r:id="rId14"/>
+    <p:sldId id="269" r:id="rId15"/>
+    <p:sldId id="270" r:id="rId16"/>
   </p:sldIdLst>
   <p:sldSz cx="12192000" cy="6858000"/>
   <p:notesSz cx="6858000" cy="9144000"/>
@@ -269,7 +273,7 @@
           <a:p>
             <a:fld id="{52E34F83-CBF4-4BD8-AE97-253003458AA3}" type="datetimeFigureOut">
               <a:rPr lang="en-US" smtClean="0"/>
-              <a:t>11/17/2022</a:t>
+              <a:t>11/18/2022</a:t>
             </a:fld>
             <a:endParaRPr lang="en-US"/>
           </a:p>
@@ -467,7 +471,7 @@
           <a:p>
             <a:fld id="{52E34F83-CBF4-4BD8-AE97-253003458AA3}" type="datetimeFigureOut">
               <a:rPr lang="en-US" smtClean="0"/>
-              <a:t>11/17/2022</a:t>
+              <a:t>11/18/2022</a:t>
             </a:fld>
             <a:endParaRPr lang="en-US"/>
           </a:p>
@@ -675,7 +679,7 @@
           <a:p>
             <a:fld id="{52E34F83-CBF4-4BD8-AE97-253003458AA3}" type="datetimeFigureOut">
               <a:rPr lang="en-US" smtClean="0"/>
-              <a:t>11/17/2022</a:t>
+              <a:t>11/18/2022</a:t>
             </a:fld>
             <a:endParaRPr lang="en-US"/>
           </a:p>
@@ -873,7 +877,7 @@
           <a:p>
             <a:fld id="{52E34F83-CBF4-4BD8-AE97-253003458AA3}" type="datetimeFigureOut">
               <a:rPr lang="en-US" smtClean="0"/>
-              <a:t>11/17/2022</a:t>
+              <a:t>11/18/2022</a:t>
             </a:fld>
             <a:endParaRPr lang="en-US"/>
           </a:p>
@@ -1148,7 +1152,7 @@
           <a:p>
             <a:fld id="{52E34F83-CBF4-4BD8-AE97-253003458AA3}" type="datetimeFigureOut">
               <a:rPr lang="en-US" smtClean="0"/>
-              <a:t>11/17/2022</a:t>
+              <a:t>11/18/2022</a:t>
             </a:fld>
             <a:endParaRPr lang="en-US"/>
           </a:p>
@@ -1413,7 +1417,7 @@
           <a:p>
             <a:fld id="{52E34F83-CBF4-4BD8-AE97-253003458AA3}" type="datetimeFigureOut">
               <a:rPr lang="en-US" smtClean="0"/>
-              <a:t>11/17/2022</a:t>
+              <a:t>11/18/2022</a:t>
             </a:fld>
             <a:endParaRPr lang="en-US"/>
           </a:p>
@@ -1825,7 +1829,7 @@
           <a:p>
             <a:fld id="{52E34F83-CBF4-4BD8-AE97-253003458AA3}" type="datetimeFigureOut">
               <a:rPr lang="en-US" smtClean="0"/>
-              <a:t>11/17/2022</a:t>
+              <a:t>11/18/2022</a:t>
             </a:fld>
             <a:endParaRPr lang="en-US"/>
           </a:p>
@@ -1966,7 +1970,7 @@
           <a:p>
             <a:fld id="{52E34F83-CBF4-4BD8-AE97-253003458AA3}" type="datetimeFigureOut">
               <a:rPr lang="en-US" smtClean="0"/>
-              <a:t>11/17/2022</a:t>
+              <a:t>11/18/2022</a:t>
             </a:fld>
             <a:endParaRPr lang="en-US"/>
           </a:p>
@@ -2079,7 +2083,7 @@
           <a:p>
             <a:fld id="{52E34F83-CBF4-4BD8-AE97-253003458AA3}" type="datetimeFigureOut">
               <a:rPr lang="en-US" smtClean="0"/>
-              <a:t>11/17/2022</a:t>
+              <a:t>11/18/2022</a:t>
             </a:fld>
             <a:endParaRPr lang="en-US"/>
           </a:p>
@@ -2390,7 +2394,7 @@
           <a:p>
             <a:fld id="{52E34F83-CBF4-4BD8-AE97-253003458AA3}" type="datetimeFigureOut">
               <a:rPr lang="en-US" smtClean="0"/>
-              <a:t>11/17/2022</a:t>
+              <a:t>11/18/2022</a:t>
             </a:fld>
             <a:endParaRPr lang="en-US"/>
           </a:p>
@@ -2678,7 +2682,7 @@
           <a:p>
             <a:fld id="{52E34F83-CBF4-4BD8-AE97-253003458AA3}" type="datetimeFigureOut">
               <a:rPr lang="en-US" smtClean="0"/>
-              <a:t>11/17/2022</a:t>
+              <a:t>11/18/2022</a:t>
             </a:fld>
             <a:endParaRPr lang="en-US"/>
           </a:p>
@@ -2919,7 +2923,7 @@
           <a:p>
             <a:fld id="{52E34F83-CBF4-4BD8-AE97-253003458AA3}" type="datetimeFigureOut">
               <a:rPr lang="en-US" smtClean="0"/>
-              <a:t>11/17/2022</a:t>
+              <a:t>11/18/2022</a:t>
             </a:fld>
             <a:endParaRPr lang="en-US"/>
           </a:p>
@@ -3990,6 +3994,460 @@
 </p:sld>
 </file>
 
+<file path=ppt/slides/slide12.xml><?xml version="1.0" encoding="utf-8"?>
+<p:sld xmlns:a="http://schemas.openxmlformats.org/drawingml/2006/main" xmlns:r="http://schemas.openxmlformats.org/officeDocument/2006/relationships" xmlns:p="http://schemas.openxmlformats.org/presentationml/2006/main">
+  <p:cSld>
+    <p:spTree>
+      <p:nvGrpSpPr>
+        <p:cNvPr id="1" name=""/>
+        <p:cNvGrpSpPr/>
+        <p:nvPr/>
+      </p:nvGrpSpPr>
+      <p:grpSpPr>
+        <a:xfrm>
+          <a:off x="0" y="0"/>
+          <a:ext cx="0" cy="0"/>
+          <a:chOff x="0" y="0"/>
+          <a:chExt cx="0" cy="0"/>
+        </a:xfrm>
+      </p:grpSpPr>
+      <p:sp>
+        <p:nvSpPr>
+          <p:cNvPr id="2" name="Title 1">
+            <a:extLst>
+              <a:ext uri="{FF2B5EF4-FFF2-40B4-BE49-F238E27FC236}">
+                <a16:creationId xmlns:a16="http://schemas.microsoft.com/office/drawing/2014/main" id="{A3FC49A1-1FED-7EBD-C013-28DCCE20D0F8}"/>
+              </a:ext>
+            </a:extLst>
+          </p:cNvPr>
+          <p:cNvSpPr>
+            <a:spLocks noGrp="1"/>
+          </p:cNvSpPr>
+          <p:nvPr>
+            <p:ph type="title"/>
+          </p:nvPr>
+        </p:nvSpPr>
+        <p:spPr/>
+        <p:txBody>
+          <a:bodyPr/>
+          <a:lstStyle/>
+          <a:p>
+            <a:r>
+              <a:rPr lang="en-US" dirty="0"/>
+              <a:t>Marquee Tag</a:t>
+            </a:r>
+          </a:p>
+        </p:txBody>
+      </p:sp>
+      <p:sp>
+        <p:nvSpPr>
+          <p:cNvPr id="3" name="Content Placeholder 2">
+            <a:extLst>
+              <a:ext uri="{FF2B5EF4-FFF2-40B4-BE49-F238E27FC236}">
+                <a16:creationId xmlns:a16="http://schemas.microsoft.com/office/drawing/2014/main" id="{9E1FFA42-C4CD-1ACE-62F8-C49F688E5323}"/>
+              </a:ext>
+            </a:extLst>
+          </p:cNvPr>
+          <p:cNvSpPr>
+            <a:spLocks noGrp="1"/>
+          </p:cNvSpPr>
+          <p:nvPr>
+            <p:ph idx="1"/>
+          </p:nvPr>
+        </p:nvSpPr>
+        <p:spPr/>
+        <p:txBody>
+          <a:bodyPr/>
+          <a:lstStyle/>
+          <a:p>
+            <a:r>
+              <a:rPr lang="en-US" dirty="0"/>
+              <a:t>Behavior = “</a:t>
+            </a:r>
+            <a:r>
+              <a:rPr lang="en-US" dirty="0" err="1"/>
+              <a:t>slide”,”alternate”,”scroll</a:t>
+            </a:r>
+            <a:r>
+              <a:rPr lang="en-US" dirty="0"/>
+              <a:t>”</a:t>
+            </a:r>
+          </a:p>
+          <a:p>
+            <a:r>
+              <a:rPr lang="en-US" dirty="0" err="1"/>
+              <a:t>Scrollamount</a:t>
+            </a:r>
+            <a:r>
+              <a:rPr lang="en-US" dirty="0"/>
+              <a:t> = “10” //speed</a:t>
+            </a:r>
+          </a:p>
+          <a:p>
+            <a:r>
+              <a:rPr lang="en-US" dirty="0"/>
+              <a:t>Direction = “</a:t>
+            </a:r>
+            <a:r>
+              <a:rPr lang="en-US" dirty="0" err="1"/>
+              <a:t>up”,”right</a:t>
+            </a:r>
+            <a:r>
+              <a:rPr lang="en-US" dirty="0"/>
+              <a:t>”</a:t>
+            </a:r>
+          </a:p>
+          <a:p>
+            <a:r>
+              <a:rPr lang="en-US" dirty="0"/>
+              <a:t>Loop=“4”</a:t>
+            </a:r>
+          </a:p>
+          <a:p>
+            <a:r>
+              <a:rPr lang="en-US" dirty="0" err="1"/>
+              <a:t>Bgcolor</a:t>
+            </a:r>
+            <a:r>
+              <a:rPr lang="en-US" dirty="0"/>
+              <a:t>=“pink”</a:t>
+            </a:r>
+          </a:p>
+        </p:txBody>
+      </p:sp>
+    </p:spTree>
+    <p:extLst>
+      <p:ext uri="{BB962C8B-B14F-4D97-AF65-F5344CB8AC3E}">
+        <p14:creationId xmlns:p14="http://schemas.microsoft.com/office/powerpoint/2010/main" val="1188374920"/>
+      </p:ext>
+    </p:extLst>
+  </p:cSld>
+  <p:clrMapOvr>
+    <a:masterClrMapping/>
+  </p:clrMapOvr>
+</p:sld>
+</file>
+
+<file path=ppt/slides/slide13.xml><?xml version="1.0" encoding="utf-8"?>
+<p:sld xmlns:a="http://schemas.openxmlformats.org/drawingml/2006/main" xmlns:r="http://schemas.openxmlformats.org/officeDocument/2006/relationships" xmlns:p="http://schemas.openxmlformats.org/presentationml/2006/main">
+  <p:cSld>
+    <p:spTree>
+      <p:nvGrpSpPr>
+        <p:cNvPr id="1" name=""/>
+        <p:cNvGrpSpPr/>
+        <p:nvPr/>
+      </p:nvGrpSpPr>
+      <p:grpSpPr>
+        <a:xfrm>
+          <a:off x="0" y="0"/>
+          <a:ext cx="0" cy="0"/>
+          <a:chOff x="0" y="0"/>
+          <a:chExt cx="0" cy="0"/>
+        </a:xfrm>
+      </p:grpSpPr>
+      <p:sp>
+        <p:nvSpPr>
+          <p:cNvPr id="2" name="Title 1">
+            <a:extLst>
+              <a:ext uri="{FF2B5EF4-FFF2-40B4-BE49-F238E27FC236}">
+                <a16:creationId xmlns:a16="http://schemas.microsoft.com/office/drawing/2014/main" id="{E24466B1-A802-4858-8F0F-7C5FE7EF2326}"/>
+              </a:ext>
+            </a:extLst>
+          </p:cNvPr>
+          <p:cNvSpPr>
+            <a:spLocks noGrp="1"/>
+          </p:cNvSpPr>
+          <p:nvPr>
+            <p:ph type="title"/>
+          </p:nvPr>
+        </p:nvSpPr>
+        <p:spPr/>
+        <p:txBody>
+          <a:bodyPr/>
+          <a:lstStyle/>
+          <a:p>
+            <a:r>
+              <a:rPr lang="en-US" dirty="0"/>
+              <a:t>Preformatted &amp; Horizontal Rule</a:t>
+            </a:r>
+          </a:p>
+        </p:txBody>
+      </p:sp>
+      <p:sp>
+        <p:nvSpPr>
+          <p:cNvPr id="3" name="Content Placeholder 2">
+            <a:extLst>
+              <a:ext uri="{FF2B5EF4-FFF2-40B4-BE49-F238E27FC236}">
+                <a16:creationId xmlns:a16="http://schemas.microsoft.com/office/drawing/2014/main" id="{EC6351A8-AA9F-758E-4DAD-A2051B187528}"/>
+              </a:ext>
+            </a:extLst>
+          </p:cNvPr>
+          <p:cNvSpPr>
+            <a:spLocks noGrp="1"/>
+          </p:cNvSpPr>
+          <p:nvPr>
+            <p:ph idx="1"/>
+          </p:nvPr>
+        </p:nvSpPr>
+        <p:spPr/>
+        <p:txBody>
+          <a:bodyPr/>
+          <a:lstStyle/>
+          <a:p>
+            <a:r>
+              <a:rPr lang="en-US" dirty="0" err="1"/>
+              <a:t>Hr</a:t>
+            </a:r>
+            <a:r>
+              <a:rPr lang="en-US" dirty="0"/>
+              <a:t> – </a:t>
+            </a:r>
+            <a:r>
+              <a:rPr lang="en-US" dirty="0" err="1"/>
+              <a:t>align,color,size,noshade</a:t>
+            </a:r>
+            <a:endParaRPr lang="en-US" dirty="0"/>
+          </a:p>
+          <a:p>
+            <a:endParaRPr lang="en-US" dirty="0"/>
+          </a:p>
+          <a:p>
+            <a:r>
+              <a:rPr lang="en-US" dirty="0"/>
+              <a:t>&lt;pre&gt;</a:t>
+            </a:r>
+          </a:p>
+        </p:txBody>
+      </p:sp>
+    </p:spTree>
+    <p:extLst>
+      <p:ext uri="{BB962C8B-B14F-4D97-AF65-F5344CB8AC3E}">
+        <p14:creationId xmlns:p14="http://schemas.microsoft.com/office/powerpoint/2010/main" val="1210638785"/>
+      </p:ext>
+    </p:extLst>
+  </p:cSld>
+  <p:clrMapOvr>
+    <a:masterClrMapping/>
+  </p:clrMapOvr>
+</p:sld>
+</file>
+
+<file path=ppt/slides/slide14.xml><?xml version="1.0" encoding="utf-8"?>
+<p:sld xmlns:a="http://schemas.openxmlformats.org/drawingml/2006/main" xmlns:r="http://schemas.openxmlformats.org/officeDocument/2006/relationships" xmlns:p="http://schemas.openxmlformats.org/presentationml/2006/main">
+  <p:cSld>
+    <p:spTree>
+      <p:nvGrpSpPr>
+        <p:cNvPr id="1" name=""/>
+        <p:cNvGrpSpPr/>
+        <p:nvPr/>
+      </p:nvGrpSpPr>
+      <p:grpSpPr>
+        <a:xfrm>
+          <a:off x="0" y="0"/>
+          <a:ext cx="0" cy="0"/>
+          <a:chOff x="0" y="0"/>
+          <a:chExt cx="0" cy="0"/>
+        </a:xfrm>
+      </p:grpSpPr>
+      <p:sp>
+        <p:nvSpPr>
+          <p:cNvPr id="2" name="Title 1">
+            <a:extLst>
+              <a:ext uri="{FF2B5EF4-FFF2-40B4-BE49-F238E27FC236}">
+                <a16:creationId xmlns:a16="http://schemas.microsoft.com/office/drawing/2014/main" id="{181B8D79-B0E1-1B2F-9D39-ABD312D29FCE}"/>
+              </a:ext>
+            </a:extLst>
+          </p:cNvPr>
+          <p:cNvSpPr>
+            <a:spLocks noGrp="1"/>
+          </p:cNvSpPr>
+          <p:nvPr>
+            <p:ph type="title"/>
+          </p:nvPr>
+        </p:nvSpPr>
+        <p:spPr/>
+        <p:txBody>
+          <a:bodyPr/>
+          <a:lstStyle/>
+          <a:p>
+            <a:r>
+              <a:rPr lang="en-US" dirty="0"/>
+              <a:t>Image</a:t>
+            </a:r>
+          </a:p>
+        </p:txBody>
+      </p:sp>
+      <p:sp>
+        <p:nvSpPr>
+          <p:cNvPr id="3" name="Content Placeholder 2">
+            <a:extLst>
+              <a:ext uri="{FF2B5EF4-FFF2-40B4-BE49-F238E27FC236}">
+                <a16:creationId xmlns:a16="http://schemas.microsoft.com/office/drawing/2014/main" id="{B76D5742-26E6-4D1B-D5EA-1CE799D525F1}"/>
+              </a:ext>
+            </a:extLst>
+          </p:cNvPr>
+          <p:cNvSpPr>
+            <a:spLocks noGrp="1"/>
+          </p:cNvSpPr>
+          <p:nvPr>
+            <p:ph idx="1"/>
+          </p:nvPr>
+        </p:nvSpPr>
+        <p:spPr/>
+        <p:txBody>
+          <a:bodyPr/>
+          <a:lstStyle/>
+          <a:p>
+            <a:r>
+              <a:rPr lang="en-US" dirty="0" err="1"/>
+              <a:t>Src</a:t>
+            </a:r>
+            <a:r>
+              <a:rPr lang="en-US" dirty="0"/>
+              <a:t>-source</a:t>
+            </a:r>
+          </a:p>
+          <a:p>
+            <a:r>
+              <a:rPr lang="en-US" dirty="0"/>
+              <a:t>Height</a:t>
+            </a:r>
+          </a:p>
+          <a:p>
+            <a:r>
+              <a:rPr lang="en-US" dirty="0"/>
+              <a:t>Weight</a:t>
+            </a:r>
+          </a:p>
+          <a:p>
+            <a:r>
+              <a:rPr lang="en-US" dirty="0"/>
+              <a:t>Alt</a:t>
+            </a:r>
+          </a:p>
+          <a:p>
+            <a:r>
+              <a:rPr lang="en-US" dirty="0"/>
+              <a:t>title</a:t>
+            </a:r>
+          </a:p>
+        </p:txBody>
+      </p:sp>
+    </p:spTree>
+    <p:extLst>
+      <p:ext uri="{BB962C8B-B14F-4D97-AF65-F5344CB8AC3E}">
+        <p14:creationId xmlns:p14="http://schemas.microsoft.com/office/powerpoint/2010/main" val="1121152012"/>
+      </p:ext>
+    </p:extLst>
+  </p:cSld>
+  <p:clrMapOvr>
+    <a:masterClrMapping/>
+  </p:clrMapOvr>
+</p:sld>
+</file>
+
+<file path=ppt/slides/slide15.xml><?xml version="1.0" encoding="utf-8"?>
+<p:sld xmlns:a="http://schemas.openxmlformats.org/drawingml/2006/main" xmlns:r="http://schemas.openxmlformats.org/officeDocument/2006/relationships" xmlns:p="http://schemas.openxmlformats.org/presentationml/2006/main">
+  <p:cSld>
+    <p:spTree>
+      <p:nvGrpSpPr>
+        <p:cNvPr id="1" name=""/>
+        <p:cNvGrpSpPr/>
+        <p:nvPr/>
+      </p:nvGrpSpPr>
+      <p:grpSpPr>
+        <a:xfrm>
+          <a:off x="0" y="0"/>
+          <a:ext cx="0" cy="0"/>
+          <a:chOff x="0" y="0"/>
+          <a:chExt cx="0" cy="0"/>
+        </a:xfrm>
+      </p:grpSpPr>
+      <p:sp>
+        <p:nvSpPr>
+          <p:cNvPr id="2" name="Title 1">
+            <a:extLst>
+              <a:ext uri="{FF2B5EF4-FFF2-40B4-BE49-F238E27FC236}">
+                <a16:creationId xmlns:a16="http://schemas.microsoft.com/office/drawing/2014/main" id="{431E9038-690E-9BE7-C022-41C9BECB00BD}"/>
+              </a:ext>
+            </a:extLst>
+          </p:cNvPr>
+          <p:cNvSpPr>
+            <a:spLocks noGrp="1"/>
+          </p:cNvSpPr>
+          <p:nvPr>
+            <p:ph type="title"/>
+          </p:nvPr>
+        </p:nvSpPr>
+        <p:spPr/>
+        <p:txBody>
+          <a:bodyPr/>
+          <a:lstStyle/>
+          <a:p>
+            <a:r>
+              <a:rPr lang="en-US" dirty="0"/>
+              <a:t>Anchor Tag</a:t>
+            </a:r>
+          </a:p>
+        </p:txBody>
+      </p:sp>
+      <p:sp>
+        <p:nvSpPr>
+          <p:cNvPr id="3" name="Content Placeholder 2">
+            <a:extLst>
+              <a:ext uri="{FF2B5EF4-FFF2-40B4-BE49-F238E27FC236}">
+                <a16:creationId xmlns:a16="http://schemas.microsoft.com/office/drawing/2014/main" id="{E56855D2-B1CF-B1CE-4E39-1B9D79BA1F7F}"/>
+              </a:ext>
+            </a:extLst>
+          </p:cNvPr>
+          <p:cNvSpPr>
+            <a:spLocks noGrp="1"/>
+          </p:cNvSpPr>
+          <p:nvPr>
+            <p:ph idx="1"/>
+          </p:nvPr>
+        </p:nvSpPr>
+        <p:spPr/>
+        <p:txBody>
+          <a:bodyPr/>
+          <a:lstStyle/>
+          <a:p>
+            <a:r>
+              <a:rPr lang="en-US" dirty="0"/>
+              <a:t>External Page Link or Other site Link</a:t>
+            </a:r>
+          </a:p>
+          <a:p>
+            <a:r>
+              <a:rPr lang="en-US" dirty="0"/>
+              <a:t>Internal Page Link</a:t>
+            </a:r>
+          </a:p>
+          <a:p>
+            <a:r>
+              <a:rPr lang="en-US" dirty="0" err="1"/>
+              <a:t>Mailto</a:t>
+            </a:r>
+            <a:r>
+              <a:rPr lang="en-US" dirty="0"/>
+              <a:t> link</a:t>
+            </a:r>
+          </a:p>
+        </p:txBody>
+      </p:sp>
+    </p:spTree>
+    <p:extLst>
+      <p:ext uri="{BB962C8B-B14F-4D97-AF65-F5344CB8AC3E}">
+        <p14:creationId xmlns:p14="http://schemas.microsoft.com/office/powerpoint/2010/main" val="2234179369"/>
+      </p:ext>
+    </p:extLst>
+  </p:cSld>
+  <p:clrMapOvr>
+    <a:masterClrMapping/>
+  </p:clrMapOvr>
+</p:sld>
+</file>
+
 <file path=ppt/slides/slide2.xml><?xml version="1.0" encoding="utf-8"?>
 <p:sld xmlns:a="http://schemas.openxmlformats.org/drawingml/2006/main" xmlns:r="http://schemas.openxmlformats.org/officeDocument/2006/relationships" xmlns:p="http://schemas.openxmlformats.org/presentationml/2006/main">
   <p:cSld>

--- a/HTML.pptx
+++ b/HTML.pptx
@@ -20,6 +20,7 @@
     <p:sldId id="268" r:id="rId14"/>
     <p:sldId id="269" r:id="rId15"/>
     <p:sldId id="270" r:id="rId16"/>
+    <p:sldId id="271" r:id="rId17"/>
   </p:sldIdLst>
   <p:sldSz cx="12192000" cy="6858000"/>
   <p:notesSz cx="6858000" cy="9144000"/>
@@ -273,7 +274,7 @@
           <a:p>
             <a:fld id="{52E34F83-CBF4-4BD8-AE97-253003458AA3}" type="datetimeFigureOut">
               <a:rPr lang="en-US" smtClean="0"/>
-              <a:t>11/18/2022</a:t>
+              <a:t>11/21/2022</a:t>
             </a:fld>
             <a:endParaRPr lang="en-US"/>
           </a:p>
@@ -471,7 +472,7 @@
           <a:p>
             <a:fld id="{52E34F83-CBF4-4BD8-AE97-253003458AA3}" type="datetimeFigureOut">
               <a:rPr lang="en-US" smtClean="0"/>
-              <a:t>11/18/2022</a:t>
+              <a:t>11/21/2022</a:t>
             </a:fld>
             <a:endParaRPr lang="en-US"/>
           </a:p>
@@ -679,7 +680,7 @@
           <a:p>
             <a:fld id="{52E34F83-CBF4-4BD8-AE97-253003458AA3}" type="datetimeFigureOut">
               <a:rPr lang="en-US" smtClean="0"/>
-              <a:t>11/18/2022</a:t>
+              <a:t>11/21/2022</a:t>
             </a:fld>
             <a:endParaRPr lang="en-US"/>
           </a:p>
@@ -877,7 +878,7 @@
           <a:p>
             <a:fld id="{52E34F83-CBF4-4BD8-AE97-253003458AA3}" type="datetimeFigureOut">
               <a:rPr lang="en-US" smtClean="0"/>
-              <a:t>11/18/2022</a:t>
+              <a:t>11/21/2022</a:t>
             </a:fld>
             <a:endParaRPr lang="en-US"/>
           </a:p>
@@ -1152,7 +1153,7 @@
           <a:p>
             <a:fld id="{52E34F83-CBF4-4BD8-AE97-253003458AA3}" type="datetimeFigureOut">
               <a:rPr lang="en-US" smtClean="0"/>
-              <a:t>11/18/2022</a:t>
+              <a:t>11/21/2022</a:t>
             </a:fld>
             <a:endParaRPr lang="en-US"/>
           </a:p>
@@ -1417,7 +1418,7 @@
           <a:p>
             <a:fld id="{52E34F83-CBF4-4BD8-AE97-253003458AA3}" type="datetimeFigureOut">
               <a:rPr lang="en-US" smtClean="0"/>
-              <a:t>11/18/2022</a:t>
+              <a:t>11/21/2022</a:t>
             </a:fld>
             <a:endParaRPr lang="en-US"/>
           </a:p>
@@ -1829,7 +1830,7 @@
           <a:p>
             <a:fld id="{52E34F83-CBF4-4BD8-AE97-253003458AA3}" type="datetimeFigureOut">
               <a:rPr lang="en-US" smtClean="0"/>
-              <a:t>11/18/2022</a:t>
+              <a:t>11/21/2022</a:t>
             </a:fld>
             <a:endParaRPr lang="en-US"/>
           </a:p>
@@ -1970,7 +1971,7 @@
           <a:p>
             <a:fld id="{52E34F83-CBF4-4BD8-AE97-253003458AA3}" type="datetimeFigureOut">
               <a:rPr lang="en-US" smtClean="0"/>
-              <a:t>11/18/2022</a:t>
+              <a:t>11/21/2022</a:t>
             </a:fld>
             <a:endParaRPr lang="en-US"/>
           </a:p>
@@ -2083,7 +2084,7 @@
           <a:p>
             <a:fld id="{52E34F83-CBF4-4BD8-AE97-253003458AA3}" type="datetimeFigureOut">
               <a:rPr lang="en-US" smtClean="0"/>
-              <a:t>11/18/2022</a:t>
+              <a:t>11/21/2022</a:t>
             </a:fld>
             <a:endParaRPr lang="en-US"/>
           </a:p>
@@ -2394,7 +2395,7 @@
           <a:p>
             <a:fld id="{52E34F83-CBF4-4BD8-AE97-253003458AA3}" type="datetimeFigureOut">
               <a:rPr lang="en-US" smtClean="0"/>
-              <a:t>11/18/2022</a:t>
+              <a:t>11/21/2022</a:t>
             </a:fld>
             <a:endParaRPr lang="en-US"/>
           </a:p>
@@ -2682,7 +2683,7 @@
           <a:p>
             <a:fld id="{52E34F83-CBF4-4BD8-AE97-253003458AA3}" type="datetimeFigureOut">
               <a:rPr lang="en-US" smtClean="0"/>
-              <a:t>11/18/2022</a:t>
+              <a:t>11/21/2022</a:t>
             </a:fld>
             <a:endParaRPr lang="en-US"/>
           </a:p>
@@ -2923,7 +2924,7 @@
           <a:p>
             <a:fld id="{52E34F83-CBF4-4BD8-AE97-253003458AA3}" type="datetimeFigureOut">
               <a:rPr lang="en-US" smtClean="0"/>
-              <a:t>11/18/2022</a:t>
+              <a:t>11/21/2022</a:t>
             </a:fld>
             <a:endParaRPr lang="en-US"/>
           </a:p>
@@ -4407,7 +4408,12 @@
             <p:ph idx="1"/>
           </p:nvPr>
         </p:nvSpPr>
-        <p:spPr/>
+        <p:spPr>
+          <a:xfrm>
+            <a:off x="838200" y="1825625"/>
+            <a:ext cx="5808260" cy="1968453"/>
+          </a:xfrm>
+        </p:spPr>
         <p:txBody>
           <a:bodyPr/>
           <a:lstStyle/>
@@ -4439,6 +4445,214 @@
     <p:extLst>
       <p:ext uri="{BB962C8B-B14F-4D97-AF65-F5344CB8AC3E}">
         <p14:creationId xmlns:p14="http://schemas.microsoft.com/office/powerpoint/2010/main" val="2234179369"/>
+      </p:ext>
+    </p:extLst>
+  </p:cSld>
+  <p:clrMapOvr>
+    <a:masterClrMapping/>
+  </p:clrMapOvr>
+</p:sld>
+</file>
+
+<file path=ppt/slides/slide16.xml><?xml version="1.0" encoding="utf-8"?>
+<p:sld xmlns:a="http://schemas.openxmlformats.org/drawingml/2006/main" xmlns:r="http://schemas.openxmlformats.org/officeDocument/2006/relationships" xmlns:p="http://schemas.openxmlformats.org/presentationml/2006/main">
+  <p:cSld>
+    <p:spTree>
+      <p:nvGrpSpPr>
+        <p:cNvPr id="1" name=""/>
+        <p:cNvGrpSpPr/>
+        <p:nvPr/>
+      </p:nvGrpSpPr>
+      <p:grpSpPr>
+        <a:xfrm>
+          <a:off x="0" y="0"/>
+          <a:ext cx="0" cy="0"/>
+          <a:chOff x="0" y="0"/>
+          <a:chExt cx="0" cy="0"/>
+        </a:xfrm>
+      </p:grpSpPr>
+      <p:sp>
+        <p:nvSpPr>
+          <p:cNvPr id="2" name="Title 1">
+            <a:extLst>
+              <a:ext uri="{FF2B5EF4-FFF2-40B4-BE49-F238E27FC236}">
+                <a16:creationId xmlns:a16="http://schemas.microsoft.com/office/drawing/2014/main" id="{9B8DA3F6-54F2-E14D-4B75-0AD9CD3F36DF}"/>
+              </a:ext>
+            </a:extLst>
+          </p:cNvPr>
+          <p:cNvSpPr>
+            <a:spLocks noGrp="1"/>
+          </p:cNvSpPr>
+          <p:nvPr>
+            <p:ph type="title"/>
+          </p:nvPr>
+        </p:nvSpPr>
+        <p:spPr/>
+        <p:txBody>
+          <a:bodyPr/>
+          <a:lstStyle/>
+          <a:p>
+            <a:r>
+              <a:rPr lang="en-US" dirty="0"/>
+              <a:t>Table Tag</a:t>
+            </a:r>
+          </a:p>
+        </p:txBody>
+      </p:sp>
+      <p:graphicFrame>
+        <p:nvGraphicFramePr>
+          <p:cNvPr id="4" name="Table 4">
+            <a:extLst>
+              <a:ext uri="{FF2B5EF4-FFF2-40B4-BE49-F238E27FC236}">
+                <a16:creationId xmlns:a16="http://schemas.microsoft.com/office/drawing/2014/main" id="{6B1E6AAC-56E9-B577-1BF0-CB0303C2C578}"/>
+              </a:ext>
+            </a:extLst>
+          </p:cNvPr>
+          <p:cNvGraphicFramePr>
+            <a:graphicFrameLocks noGrp="1"/>
+          </p:cNvGraphicFramePr>
+          <p:nvPr>
+            <p:ph idx="1"/>
+            <p:extLst>
+              <p:ext uri="{D42A27DB-BD31-4B8C-83A1-F6EECF244321}">
+                <p14:modId xmlns:p14="http://schemas.microsoft.com/office/powerpoint/2010/main" val="106582490"/>
+              </p:ext>
+            </p:extLst>
+          </p:nvPr>
+        </p:nvGraphicFramePr>
+        <p:xfrm>
+          <a:off x="838200" y="1825625"/>
+          <a:ext cx="10515600" cy="1112520"/>
+        </p:xfrm>
+        <a:graphic>
+          <a:graphicData uri="http://schemas.openxmlformats.org/drawingml/2006/table">
+            <a:tbl>
+              <a:tblPr firstRow="1" bandRow="1">
+                <a:tableStyleId>{5C22544A-7EE6-4342-B048-85BDC9FD1C3A}</a:tableStyleId>
+              </a:tblPr>
+              <a:tblGrid>
+                <a:gridCol w="5257800">
+                  <a:extLst>
+                    <a:ext uri="{9D8B030D-6E8A-4147-A177-3AD203B41FA5}">
+                      <a16:colId xmlns:a16="http://schemas.microsoft.com/office/drawing/2014/main" val="737840432"/>
+                    </a:ext>
+                  </a:extLst>
+                </a:gridCol>
+                <a:gridCol w="5257800">
+                  <a:extLst>
+                    <a:ext uri="{9D8B030D-6E8A-4147-A177-3AD203B41FA5}">
+                      <a16:colId xmlns:a16="http://schemas.microsoft.com/office/drawing/2014/main" val="2573636940"/>
+                    </a:ext>
+                  </a:extLst>
+                </a:gridCol>
+              </a:tblGrid>
+              <a:tr h="370840">
+                <a:tc>
+                  <a:txBody>
+                    <a:bodyPr/>
+                    <a:lstStyle/>
+                    <a:p>
+                      <a:r>
+                        <a:rPr lang="en-US" dirty="0"/>
+                        <a:t>Name</a:t>
+                      </a:r>
+                    </a:p>
+                  </a:txBody>
+                  <a:tcPr/>
+                </a:tc>
+                <a:tc>
+                  <a:txBody>
+                    <a:bodyPr/>
+                    <a:lstStyle/>
+                    <a:p>
+                      <a:r>
+                        <a:rPr lang="en-US" dirty="0"/>
+                        <a:t>Class</a:t>
+                      </a:r>
+                    </a:p>
+                  </a:txBody>
+                  <a:tcPr/>
+                </a:tc>
+                <a:extLst>
+                  <a:ext uri="{0D108BD9-81ED-4DB2-BD59-A6C34878D82A}">
+                    <a16:rowId xmlns:a16="http://schemas.microsoft.com/office/drawing/2014/main" val="3085651947"/>
+                  </a:ext>
+                </a:extLst>
+              </a:tr>
+              <a:tr h="370840">
+                <a:tc>
+                  <a:txBody>
+                    <a:bodyPr/>
+                    <a:lstStyle/>
+                    <a:p>
+                      <a:r>
+                        <a:rPr lang="en-US" dirty="0"/>
+                        <a:t>John</a:t>
+                      </a:r>
+                    </a:p>
+                  </a:txBody>
+                  <a:tcPr/>
+                </a:tc>
+                <a:tc>
+                  <a:txBody>
+                    <a:bodyPr/>
+                    <a:lstStyle/>
+                    <a:p>
+                      <a:r>
+                        <a:rPr lang="en-US" dirty="0"/>
+                        <a:t>12</a:t>
+                      </a:r>
+                    </a:p>
+                  </a:txBody>
+                  <a:tcPr/>
+                </a:tc>
+                <a:extLst>
+                  <a:ext uri="{0D108BD9-81ED-4DB2-BD59-A6C34878D82A}">
+                    <a16:rowId xmlns:a16="http://schemas.microsoft.com/office/drawing/2014/main" val="3152695353"/>
+                  </a:ext>
+                </a:extLst>
+              </a:tr>
+              <a:tr h="370840">
+                <a:tc>
+                  <a:txBody>
+                    <a:bodyPr/>
+                    <a:lstStyle/>
+                    <a:p>
+                      <a:r>
+                        <a:rPr lang="en-US" dirty="0"/>
+                        <a:t>Steve</a:t>
+                      </a:r>
+                    </a:p>
+                  </a:txBody>
+                  <a:tcPr/>
+                </a:tc>
+                <a:tc>
+                  <a:txBody>
+                    <a:bodyPr/>
+                    <a:lstStyle/>
+                    <a:p>
+                      <a:r>
+                        <a:rPr lang="en-US" dirty="0"/>
+                        <a:t>12</a:t>
+                      </a:r>
+                    </a:p>
+                  </a:txBody>
+                  <a:tcPr/>
+                </a:tc>
+                <a:extLst>
+                  <a:ext uri="{0D108BD9-81ED-4DB2-BD59-A6C34878D82A}">
+                    <a16:rowId xmlns:a16="http://schemas.microsoft.com/office/drawing/2014/main" val="755659262"/>
+                  </a:ext>
+                </a:extLst>
+              </a:tr>
+            </a:tbl>
+          </a:graphicData>
+        </a:graphic>
+      </p:graphicFrame>
+    </p:spTree>
+    <p:extLst>
+      <p:ext uri="{BB962C8B-B14F-4D97-AF65-F5344CB8AC3E}">
+        <p14:creationId xmlns:p14="http://schemas.microsoft.com/office/powerpoint/2010/main" val="3257121864"/>
       </p:ext>
     </p:extLst>
   </p:cSld>

--- a/HTML.pptx
+++ b/HTML.pptx
@@ -21,6 +21,8 @@
     <p:sldId id="269" r:id="rId15"/>
     <p:sldId id="270" r:id="rId16"/>
     <p:sldId id="271" r:id="rId17"/>
+    <p:sldId id="272" r:id="rId18"/>
+    <p:sldId id="273" r:id="rId19"/>
   </p:sldIdLst>
   <p:sldSz cx="12192000" cy="6858000"/>
   <p:notesSz cx="6858000" cy="9144000"/>
@@ -274,7 +276,7 @@
           <a:p>
             <a:fld id="{52E34F83-CBF4-4BD8-AE97-253003458AA3}" type="datetimeFigureOut">
               <a:rPr lang="en-US" smtClean="0"/>
-              <a:t>11/21/2022</a:t>
+              <a:t>11/22/2022</a:t>
             </a:fld>
             <a:endParaRPr lang="en-US"/>
           </a:p>
@@ -472,7 +474,7 @@
           <a:p>
             <a:fld id="{52E34F83-CBF4-4BD8-AE97-253003458AA3}" type="datetimeFigureOut">
               <a:rPr lang="en-US" smtClean="0"/>
-              <a:t>11/21/2022</a:t>
+              <a:t>11/22/2022</a:t>
             </a:fld>
             <a:endParaRPr lang="en-US"/>
           </a:p>
@@ -680,7 +682,7 @@
           <a:p>
             <a:fld id="{52E34F83-CBF4-4BD8-AE97-253003458AA3}" type="datetimeFigureOut">
               <a:rPr lang="en-US" smtClean="0"/>
-              <a:t>11/21/2022</a:t>
+              <a:t>11/22/2022</a:t>
             </a:fld>
             <a:endParaRPr lang="en-US"/>
           </a:p>
@@ -878,7 +880,7 @@
           <a:p>
             <a:fld id="{52E34F83-CBF4-4BD8-AE97-253003458AA3}" type="datetimeFigureOut">
               <a:rPr lang="en-US" smtClean="0"/>
-              <a:t>11/21/2022</a:t>
+              <a:t>11/22/2022</a:t>
             </a:fld>
             <a:endParaRPr lang="en-US"/>
           </a:p>
@@ -1153,7 +1155,7 @@
           <a:p>
             <a:fld id="{52E34F83-CBF4-4BD8-AE97-253003458AA3}" type="datetimeFigureOut">
               <a:rPr lang="en-US" smtClean="0"/>
-              <a:t>11/21/2022</a:t>
+              <a:t>11/22/2022</a:t>
             </a:fld>
             <a:endParaRPr lang="en-US"/>
           </a:p>
@@ -1418,7 +1420,7 @@
           <a:p>
             <a:fld id="{52E34F83-CBF4-4BD8-AE97-253003458AA3}" type="datetimeFigureOut">
               <a:rPr lang="en-US" smtClean="0"/>
-              <a:t>11/21/2022</a:t>
+              <a:t>11/22/2022</a:t>
             </a:fld>
             <a:endParaRPr lang="en-US"/>
           </a:p>
@@ -1830,7 +1832,7 @@
           <a:p>
             <a:fld id="{52E34F83-CBF4-4BD8-AE97-253003458AA3}" type="datetimeFigureOut">
               <a:rPr lang="en-US" smtClean="0"/>
-              <a:t>11/21/2022</a:t>
+              <a:t>11/22/2022</a:t>
             </a:fld>
             <a:endParaRPr lang="en-US"/>
           </a:p>
@@ -1971,7 +1973,7 @@
           <a:p>
             <a:fld id="{52E34F83-CBF4-4BD8-AE97-253003458AA3}" type="datetimeFigureOut">
               <a:rPr lang="en-US" smtClean="0"/>
-              <a:t>11/21/2022</a:t>
+              <a:t>11/22/2022</a:t>
             </a:fld>
             <a:endParaRPr lang="en-US"/>
           </a:p>
@@ -2084,7 +2086,7 @@
           <a:p>
             <a:fld id="{52E34F83-CBF4-4BD8-AE97-253003458AA3}" type="datetimeFigureOut">
               <a:rPr lang="en-US" smtClean="0"/>
-              <a:t>11/21/2022</a:t>
+              <a:t>11/22/2022</a:t>
             </a:fld>
             <a:endParaRPr lang="en-US"/>
           </a:p>
@@ -2395,7 +2397,7 @@
           <a:p>
             <a:fld id="{52E34F83-CBF4-4BD8-AE97-253003458AA3}" type="datetimeFigureOut">
               <a:rPr lang="en-US" smtClean="0"/>
-              <a:t>11/21/2022</a:t>
+              <a:t>11/22/2022</a:t>
             </a:fld>
             <a:endParaRPr lang="en-US"/>
           </a:p>
@@ -2683,7 +2685,7 @@
           <a:p>
             <a:fld id="{52E34F83-CBF4-4BD8-AE97-253003458AA3}" type="datetimeFigureOut">
               <a:rPr lang="en-US" smtClean="0"/>
-              <a:t>11/21/2022</a:t>
+              <a:t>11/22/2022</a:t>
             </a:fld>
             <a:endParaRPr lang="en-US"/>
           </a:p>
@@ -2924,7 +2926,7 @@
           <a:p>
             <a:fld id="{52E34F83-CBF4-4BD8-AE97-253003458AA3}" type="datetimeFigureOut">
               <a:rPr lang="en-US" smtClean="0"/>
-              <a:t>11/21/2022</a:t>
+              <a:t>11/22/2022</a:t>
             </a:fld>
             <a:endParaRPr lang="en-US"/>
           </a:p>
@@ -4515,14 +4517,14 @@
             <p:ph idx="1"/>
             <p:extLst>
               <p:ext uri="{D42A27DB-BD31-4B8C-83A1-F6EECF244321}">
-                <p14:modId xmlns:p14="http://schemas.microsoft.com/office/powerpoint/2010/main" val="106582490"/>
+                <p14:modId xmlns:p14="http://schemas.microsoft.com/office/powerpoint/2010/main" val="2720405071"/>
               </p:ext>
             </p:extLst>
           </p:nvPr>
         </p:nvGraphicFramePr>
         <p:xfrm>
           <a:off x="838200" y="1825625"/>
-          <a:ext cx="10515600" cy="1112520"/>
+          <a:ext cx="10515600" cy="1483360"/>
         </p:xfrm>
         <a:graphic>
           <a:graphicData uri="http://schemas.openxmlformats.org/drawingml/2006/table">
@@ -4645,6 +4647,37 @@
                   </a:ext>
                 </a:extLst>
               </a:tr>
+              <a:tr h="370840">
+                <a:tc>
+                  <a:txBody>
+                    <a:bodyPr/>
+                    <a:lstStyle/>
+                    <a:p>
+                      <a:r>
+                        <a:rPr lang="en-US" dirty="0" err="1"/>
+                        <a:t>dsds</a:t>
+                      </a:r>
+                      <a:endParaRPr lang="en-US" dirty="0"/>
+                    </a:p>
+                  </a:txBody>
+                  <a:tcPr/>
+                </a:tc>
+                <a:tc>
+                  <a:txBody>
+                    <a:bodyPr/>
+                    <a:lstStyle/>
+                    <a:p>
+                      <a:endParaRPr lang="en-US" dirty="0"/>
+                    </a:p>
+                  </a:txBody>
+                  <a:tcPr/>
+                </a:tc>
+                <a:extLst>
+                  <a:ext uri="{0D108BD9-81ED-4DB2-BD59-A6C34878D82A}">
+                    <a16:rowId xmlns:a16="http://schemas.microsoft.com/office/drawing/2014/main" val="3851605863"/>
+                  </a:ext>
+                </a:extLst>
+              </a:tr>
             </a:tbl>
           </a:graphicData>
         </a:graphic>
@@ -4653,6 +4686,1483 @@
     <p:extLst>
       <p:ext uri="{BB962C8B-B14F-4D97-AF65-F5344CB8AC3E}">
         <p14:creationId xmlns:p14="http://schemas.microsoft.com/office/powerpoint/2010/main" val="3257121864"/>
+      </p:ext>
+    </p:extLst>
+  </p:cSld>
+  <p:clrMapOvr>
+    <a:masterClrMapping/>
+  </p:clrMapOvr>
+</p:sld>
+</file>
+
+<file path=ppt/slides/slide17.xml><?xml version="1.0" encoding="utf-8"?>
+<p:sld xmlns:a="http://schemas.openxmlformats.org/drawingml/2006/main" xmlns:r="http://schemas.openxmlformats.org/officeDocument/2006/relationships" xmlns:p="http://schemas.openxmlformats.org/presentationml/2006/main">
+  <p:cSld>
+    <p:spTree>
+      <p:nvGrpSpPr>
+        <p:cNvPr id="1" name=""/>
+        <p:cNvGrpSpPr/>
+        <p:nvPr/>
+      </p:nvGrpSpPr>
+      <p:grpSpPr>
+        <a:xfrm>
+          <a:off x="0" y="0"/>
+          <a:ext cx="0" cy="0"/>
+          <a:chOff x="0" y="0"/>
+          <a:chExt cx="0" cy="0"/>
+        </a:xfrm>
+      </p:grpSpPr>
+      <p:sp>
+        <p:nvSpPr>
+          <p:cNvPr id="2" name="Title 1">
+            <a:extLst>
+              <a:ext uri="{FF2B5EF4-FFF2-40B4-BE49-F238E27FC236}">
+                <a16:creationId xmlns:a16="http://schemas.microsoft.com/office/drawing/2014/main" id="{9B8DA3F6-54F2-E14D-4B75-0AD9CD3F36DF}"/>
+              </a:ext>
+            </a:extLst>
+          </p:cNvPr>
+          <p:cNvSpPr>
+            <a:spLocks noGrp="1"/>
+          </p:cNvSpPr>
+          <p:nvPr>
+            <p:ph type="title"/>
+          </p:nvPr>
+        </p:nvSpPr>
+        <p:spPr/>
+        <p:txBody>
+          <a:bodyPr/>
+          <a:lstStyle/>
+          <a:p>
+            <a:r>
+              <a:rPr lang="en-US" dirty="0"/>
+              <a:t>Table Tag</a:t>
+            </a:r>
+          </a:p>
+        </p:txBody>
+      </p:sp>
+      <p:graphicFrame>
+        <p:nvGraphicFramePr>
+          <p:cNvPr id="4" name="Table 4">
+            <a:extLst>
+              <a:ext uri="{FF2B5EF4-FFF2-40B4-BE49-F238E27FC236}">
+                <a16:creationId xmlns:a16="http://schemas.microsoft.com/office/drawing/2014/main" id="{6B1E6AAC-56E9-B577-1BF0-CB0303C2C578}"/>
+              </a:ext>
+            </a:extLst>
+          </p:cNvPr>
+          <p:cNvGraphicFramePr>
+            <a:graphicFrameLocks noGrp="1"/>
+          </p:cNvGraphicFramePr>
+          <p:nvPr>
+            <p:ph idx="1"/>
+            <p:extLst>
+              <p:ext uri="{D42A27DB-BD31-4B8C-83A1-F6EECF244321}">
+                <p14:modId xmlns:p14="http://schemas.microsoft.com/office/powerpoint/2010/main" val="2355950"/>
+              </p:ext>
+            </p:extLst>
+          </p:nvPr>
+        </p:nvGraphicFramePr>
+        <p:xfrm>
+          <a:off x="838200" y="1825625"/>
+          <a:ext cx="10515600" cy="1908554"/>
+        </p:xfrm>
+        <a:graphic>
+          <a:graphicData uri="http://schemas.openxmlformats.org/drawingml/2006/table">
+            <a:tbl>
+              <a:tblPr firstRow="1" bandRow="1">
+                <a:tableStyleId>{5C22544A-7EE6-4342-B048-85BDC9FD1C3A}</a:tableStyleId>
+              </a:tblPr>
+              <a:tblGrid>
+                <a:gridCol w="10515600">
+                  <a:extLst>
+                    <a:ext uri="{9D8B030D-6E8A-4147-A177-3AD203B41FA5}">
+                      <a16:colId xmlns:a16="http://schemas.microsoft.com/office/drawing/2014/main" val="737840432"/>
+                    </a:ext>
+                  </a:extLst>
+                </a:gridCol>
+              </a:tblGrid>
+              <a:tr h="724234">
+                <a:tc>
+                  <a:txBody>
+                    <a:bodyPr/>
+                    <a:lstStyle/>
+                    <a:p>
+                      <a:pPr algn="ctr"/>
+                      <a:endParaRPr lang="en-US" dirty="0"/>
+                    </a:p>
+                  </a:txBody>
+                  <a:tcPr>
+                    <a:lnL w="38100" cap="flat" cmpd="sng" algn="ctr">
+                      <a:solidFill>
+                        <a:schemeClr val="tx1"/>
+                      </a:solidFill>
+                      <a:prstDash val="solid"/>
+                      <a:round/>
+                      <a:headEnd type="none" w="med" len="med"/>
+                      <a:tailEnd type="none" w="med" len="med"/>
+                    </a:lnL>
+                    <a:lnR w="38100" cap="flat" cmpd="sng" algn="ctr">
+                      <a:solidFill>
+                        <a:schemeClr val="tx1"/>
+                      </a:solidFill>
+                      <a:prstDash val="solid"/>
+                      <a:round/>
+                      <a:headEnd type="none" w="med" len="med"/>
+                      <a:tailEnd type="none" w="med" len="med"/>
+                    </a:lnR>
+                    <a:lnT w="38100" cap="flat" cmpd="sng" algn="ctr">
+                      <a:solidFill>
+                        <a:schemeClr val="tx1"/>
+                      </a:solidFill>
+                      <a:prstDash val="solid"/>
+                      <a:round/>
+                      <a:headEnd type="none" w="med" len="med"/>
+                      <a:tailEnd type="none" w="med" len="med"/>
+                    </a:lnT>
+                    <a:lnB w="38100" cap="flat" cmpd="sng" algn="ctr">
+                      <a:solidFill>
+                        <a:schemeClr val="tx1"/>
+                      </a:solidFill>
+                      <a:prstDash val="solid"/>
+                      <a:round/>
+                      <a:headEnd type="none" w="med" len="med"/>
+                      <a:tailEnd type="none" w="med" len="med"/>
+                    </a:lnB>
+                    <a:lnTlToBr w="12700" cmpd="sng">
+                      <a:noFill/>
+                      <a:prstDash val="solid"/>
+                    </a:lnTlToBr>
+                    <a:lnBlToTr w="12700" cmpd="sng">
+                      <a:noFill/>
+                      <a:prstDash val="solid"/>
+                    </a:lnBlToTr>
+                    <a:solidFill>
+                      <a:srgbClr val="FF0000"/>
+                    </a:solidFill>
+                  </a:tcPr>
+                </a:tc>
+                <a:extLst>
+                  <a:ext uri="{0D108BD9-81ED-4DB2-BD59-A6C34878D82A}">
+                    <a16:rowId xmlns:a16="http://schemas.microsoft.com/office/drawing/2014/main" val="3085651947"/>
+                  </a:ext>
+                </a:extLst>
+              </a:tr>
+              <a:tr h="592160">
+                <a:tc>
+                  <a:txBody>
+                    <a:bodyPr/>
+                    <a:lstStyle/>
+                    <a:p>
+                      <a:pPr algn="ctr"/>
+                      <a:endParaRPr lang="en-US" dirty="0"/>
+                    </a:p>
+                  </a:txBody>
+                  <a:tcPr>
+                    <a:lnL w="38100" cap="flat" cmpd="sng" algn="ctr">
+                      <a:solidFill>
+                        <a:schemeClr val="tx1"/>
+                      </a:solidFill>
+                      <a:prstDash val="solid"/>
+                      <a:round/>
+                      <a:headEnd type="none" w="med" len="med"/>
+                      <a:tailEnd type="none" w="med" len="med"/>
+                    </a:lnL>
+                    <a:lnR w="38100" cap="flat" cmpd="sng" algn="ctr">
+                      <a:solidFill>
+                        <a:schemeClr val="tx1"/>
+                      </a:solidFill>
+                      <a:prstDash val="solid"/>
+                      <a:round/>
+                      <a:headEnd type="none" w="med" len="med"/>
+                      <a:tailEnd type="none" w="med" len="med"/>
+                    </a:lnR>
+                    <a:lnT w="38100" cap="flat" cmpd="sng" algn="ctr">
+                      <a:solidFill>
+                        <a:schemeClr val="tx1"/>
+                      </a:solidFill>
+                      <a:prstDash val="solid"/>
+                      <a:round/>
+                      <a:headEnd type="none" w="med" len="med"/>
+                      <a:tailEnd type="none" w="med" len="med"/>
+                    </a:lnT>
+                    <a:lnB w="38100" cap="flat" cmpd="sng" algn="ctr">
+                      <a:solidFill>
+                        <a:schemeClr val="tx1"/>
+                      </a:solidFill>
+                      <a:prstDash val="solid"/>
+                      <a:round/>
+                      <a:headEnd type="none" w="med" len="med"/>
+                      <a:tailEnd type="none" w="med" len="med"/>
+                    </a:lnB>
+                    <a:lnTlToBr w="12700" cmpd="sng">
+                      <a:noFill/>
+                      <a:prstDash val="solid"/>
+                    </a:lnTlToBr>
+                    <a:lnBlToTr w="12700" cmpd="sng">
+                      <a:noFill/>
+                      <a:prstDash val="solid"/>
+                    </a:lnBlToTr>
+                    <a:solidFill>
+                      <a:schemeClr val="accent3">
+                        <a:lumMod val="60000"/>
+                        <a:lumOff val="40000"/>
+                      </a:schemeClr>
+                    </a:solidFill>
+                  </a:tcPr>
+                </a:tc>
+                <a:extLst>
+                  <a:ext uri="{0D108BD9-81ED-4DB2-BD59-A6C34878D82A}">
+                    <a16:rowId xmlns:a16="http://schemas.microsoft.com/office/drawing/2014/main" val="3152695353"/>
+                  </a:ext>
+                </a:extLst>
+              </a:tr>
+              <a:tr h="592160">
+                <a:tc>
+                  <a:txBody>
+                    <a:bodyPr/>
+                    <a:lstStyle/>
+                    <a:p>
+                      <a:pPr algn="ctr"/>
+                      <a:endParaRPr lang="en-US" dirty="0"/>
+                    </a:p>
+                  </a:txBody>
+                  <a:tcPr>
+                    <a:lnL w="38100" cap="flat" cmpd="sng" algn="ctr">
+                      <a:solidFill>
+                        <a:schemeClr val="tx1"/>
+                      </a:solidFill>
+                      <a:prstDash val="solid"/>
+                      <a:round/>
+                      <a:headEnd type="none" w="med" len="med"/>
+                      <a:tailEnd type="none" w="med" len="med"/>
+                    </a:lnL>
+                    <a:lnR w="38100" cap="flat" cmpd="sng" algn="ctr">
+                      <a:solidFill>
+                        <a:schemeClr val="tx1"/>
+                      </a:solidFill>
+                      <a:prstDash val="solid"/>
+                      <a:round/>
+                      <a:headEnd type="none" w="med" len="med"/>
+                      <a:tailEnd type="none" w="med" len="med"/>
+                    </a:lnR>
+                    <a:lnT w="38100" cap="flat" cmpd="sng" algn="ctr">
+                      <a:solidFill>
+                        <a:schemeClr val="tx1"/>
+                      </a:solidFill>
+                      <a:prstDash val="solid"/>
+                      <a:round/>
+                      <a:headEnd type="none" w="med" len="med"/>
+                      <a:tailEnd type="none" w="med" len="med"/>
+                    </a:lnT>
+                    <a:lnB w="38100" cap="flat" cmpd="sng" algn="ctr">
+                      <a:solidFill>
+                        <a:schemeClr val="tx1"/>
+                      </a:solidFill>
+                      <a:prstDash val="solid"/>
+                      <a:round/>
+                      <a:headEnd type="none" w="med" len="med"/>
+                      <a:tailEnd type="none" w="med" len="med"/>
+                    </a:lnB>
+                    <a:lnTlToBr w="12700" cmpd="sng">
+                      <a:noFill/>
+                      <a:prstDash val="solid"/>
+                    </a:lnTlToBr>
+                    <a:lnBlToTr w="12700" cmpd="sng">
+                      <a:noFill/>
+                      <a:prstDash val="solid"/>
+                    </a:lnBlToTr>
+                    <a:solidFill>
+                      <a:schemeClr val="accent5">
+                        <a:lumMod val="50000"/>
+                      </a:schemeClr>
+                    </a:solidFill>
+                  </a:tcPr>
+                </a:tc>
+                <a:extLst>
+                  <a:ext uri="{0D108BD9-81ED-4DB2-BD59-A6C34878D82A}">
+                    <a16:rowId xmlns:a16="http://schemas.microsoft.com/office/drawing/2014/main" val="755659262"/>
+                  </a:ext>
+                </a:extLst>
+              </a:tr>
+            </a:tbl>
+          </a:graphicData>
+        </a:graphic>
+      </p:graphicFrame>
+    </p:spTree>
+    <p:extLst>
+      <p:ext uri="{BB962C8B-B14F-4D97-AF65-F5344CB8AC3E}">
+        <p14:creationId xmlns:p14="http://schemas.microsoft.com/office/powerpoint/2010/main" val="1169447143"/>
+      </p:ext>
+    </p:extLst>
+  </p:cSld>
+  <p:clrMapOvr>
+    <a:masterClrMapping/>
+  </p:clrMapOvr>
+</p:sld>
+</file>
+
+<file path=ppt/slides/slide18.xml><?xml version="1.0" encoding="utf-8"?>
+<p:sld xmlns:a="http://schemas.openxmlformats.org/drawingml/2006/main" xmlns:r="http://schemas.openxmlformats.org/officeDocument/2006/relationships" xmlns:p="http://schemas.openxmlformats.org/presentationml/2006/main">
+  <p:cSld>
+    <p:spTree>
+      <p:nvGrpSpPr>
+        <p:cNvPr id="1" name=""/>
+        <p:cNvGrpSpPr/>
+        <p:nvPr/>
+      </p:nvGrpSpPr>
+      <p:grpSpPr>
+        <a:xfrm>
+          <a:off x="0" y="0"/>
+          <a:ext cx="0" cy="0"/>
+          <a:chOff x="0" y="0"/>
+          <a:chExt cx="0" cy="0"/>
+        </a:xfrm>
+      </p:grpSpPr>
+      <p:grpSp>
+        <p:nvGrpSpPr>
+          <p:cNvPr id="18" name="Group 17">
+            <a:extLst>
+              <a:ext uri="{FF2B5EF4-FFF2-40B4-BE49-F238E27FC236}">
+                <a16:creationId xmlns:a16="http://schemas.microsoft.com/office/drawing/2014/main" id="{E73796E5-C9FB-0361-B0F4-4DDD84D3E473}"/>
+              </a:ext>
+            </a:extLst>
+          </p:cNvPr>
+          <p:cNvGrpSpPr/>
+          <p:nvPr/>
+        </p:nvGrpSpPr>
+        <p:grpSpPr>
+          <a:xfrm>
+            <a:off x="668740" y="382137"/>
+            <a:ext cx="10235821" cy="5801863"/>
+            <a:chOff x="668740" y="382137"/>
+            <a:chExt cx="10235821" cy="5801863"/>
+          </a:xfrm>
+        </p:grpSpPr>
+        <p:sp>
+          <p:nvSpPr>
+            <p:cNvPr id="4" name="Rectangle 3">
+              <a:extLst>
+                <a:ext uri="{FF2B5EF4-FFF2-40B4-BE49-F238E27FC236}">
+                  <a16:creationId xmlns:a16="http://schemas.microsoft.com/office/drawing/2014/main" id="{0406720D-9337-B32A-A86E-9A75A4D6419F}"/>
+                </a:ext>
+              </a:extLst>
+            </p:cNvPr>
+            <p:cNvSpPr/>
+            <p:nvPr/>
+          </p:nvSpPr>
+          <p:spPr>
+            <a:xfrm>
+              <a:off x="668740" y="382137"/>
+              <a:ext cx="10235821" cy="5527344"/>
+            </a:xfrm>
+            <a:prstGeom prst="rect">
+              <a:avLst/>
+            </a:prstGeom>
+            <a:noFill/>
+          </p:spPr>
+          <p:style>
+            <a:lnRef idx="2">
+              <a:schemeClr val="accent1">
+                <a:shade val="50000"/>
+              </a:schemeClr>
+            </a:lnRef>
+            <a:fillRef idx="1">
+              <a:schemeClr val="accent1"/>
+            </a:fillRef>
+            <a:effectRef idx="0">
+              <a:schemeClr val="accent1"/>
+            </a:effectRef>
+            <a:fontRef idx="minor">
+              <a:schemeClr val="lt1"/>
+            </a:fontRef>
+          </p:style>
+          <p:txBody>
+            <a:bodyPr rtlCol="0" anchor="ctr"/>
+            <a:lstStyle/>
+            <a:p>
+              <a:pPr algn="ctr"/>
+              <a:endParaRPr lang="en-US"/>
+            </a:p>
+          </p:txBody>
+        </p:sp>
+        <p:cxnSp>
+          <p:nvCxnSpPr>
+            <p:cNvPr id="6" name="Straight Connector 5">
+              <a:extLst>
+                <a:ext uri="{FF2B5EF4-FFF2-40B4-BE49-F238E27FC236}">
+                  <a16:creationId xmlns:a16="http://schemas.microsoft.com/office/drawing/2014/main" id="{A6CDF347-355F-7EB2-CFE6-BD7723AAA40E}"/>
+                </a:ext>
+              </a:extLst>
+            </p:cNvPr>
+            <p:cNvCxnSpPr/>
+            <p:nvPr/>
+          </p:nvCxnSpPr>
+          <p:spPr>
+            <a:xfrm>
+              <a:off x="668740" y="1364776"/>
+              <a:ext cx="10235821" cy="0"/>
+            </a:xfrm>
+            <a:prstGeom prst="line">
+              <a:avLst/>
+            </a:prstGeom>
+          </p:spPr>
+          <p:style>
+            <a:lnRef idx="1">
+              <a:schemeClr val="accent1"/>
+            </a:lnRef>
+            <a:fillRef idx="0">
+              <a:schemeClr val="accent1"/>
+            </a:fillRef>
+            <a:effectRef idx="0">
+              <a:schemeClr val="accent1"/>
+            </a:effectRef>
+            <a:fontRef idx="minor">
+              <a:schemeClr val="tx1"/>
+            </a:fontRef>
+          </p:style>
+        </p:cxnSp>
+        <p:cxnSp>
+          <p:nvCxnSpPr>
+            <p:cNvPr id="8" name="Straight Connector 7">
+              <a:extLst>
+                <a:ext uri="{FF2B5EF4-FFF2-40B4-BE49-F238E27FC236}">
+                  <a16:creationId xmlns:a16="http://schemas.microsoft.com/office/drawing/2014/main" id="{6B4E7DCB-CF83-342B-4D8F-6A44DEA94B5D}"/>
+                </a:ext>
+              </a:extLst>
+            </p:cNvPr>
+            <p:cNvCxnSpPr/>
+            <p:nvPr/>
+          </p:nvCxnSpPr>
+          <p:spPr>
+            <a:xfrm>
+              <a:off x="668740" y="1856096"/>
+              <a:ext cx="10235821" cy="0"/>
+            </a:xfrm>
+            <a:prstGeom prst="line">
+              <a:avLst/>
+            </a:prstGeom>
+          </p:spPr>
+          <p:style>
+            <a:lnRef idx="1">
+              <a:schemeClr val="dk1"/>
+            </a:lnRef>
+            <a:fillRef idx="0">
+              <a:schemeClr val="dk1"/>
+            </a:fillRef>
+            <a:effectRef idx="0">
+              <a:schemeClr val="dk1"/>
+            </a:effectRef>
+            <a:fontRef idx="minor">
+              <a:schemeClr val="tx1"/>
+            </a:fontRef>
+          </p:style>
+        </p:cxnSp>
+        <p:cxnSp>
+          <p:nvCxnSpPr>
+            <p:cNvPr id="10" name="Straight Connector 9">
+              <a:extLst>
+                <a:ext uri="{FF2B5EF4-FFF2-40B4-BE49-F238E27FC236}">
+                  <a16:creationId xmlns:a16="http://schemas.microsoft.com/office/drawing/2014/main" id="{A692965F-76A3-F623-D1CC-3F9FF9CBC2CE}"/>
+                </a:ext>
+              </a:extLst>
+            </p:cNvPr>
+            <p:cNvCxnSpPr/>
+            <p:nvPr/>
+          </p:nvCxnSpPr>
+          <p:spPr>
+            <a:xfrm>
+              <a:off x="8529851" y="1856096"/>
+              <a:ext cx="0" cy="3562065"/>
+            </a:xfrm>
+            <a:prstGeom prst="line">
+              <a:avLst/>
+            </a:prstGeom>
+          </p:spPr>
+          <p:style>
+            <a:lnRef idx="1">
+              <a:schemeClr val="dk1"/>
+            </a:lnRef>
+            <a:fillRef idx="0">
+              <a:schemeClr val="dk1"/>
+            </a:fillRef>
+            <a:effectRef idx="0">
+              <a:schemeClr val="dk1"/>
+            </a:effectRef>
+            <a:fontRef idx="minor">
+              <a:schemeClr val="tx1"/>
+            </a:fontRef>
+          </p:style>
+        </p:cxnSp>
+        <p:cxnSp>
+          <p:nvCxnSpPr>
+            <p:cNvPr id="12" name="Straight Connector 11">
+              <a:extLst>
+                <a:ext uri="{FF2B5EF4-FFF2-40B4-BE49-F238E27FC236}">
+                  <a16:creationId xmlns:a16="http://schemas.microsoft.com/office/drawing/2014/main" id="{DC628D52-A651-AA14-2779-35C2A70AF406}"/>
+                </a:ext>
+              </a:extLst>
+            </p:cNvPr>
+            <p:cNvCxnSpPr/>
+            <p:nvPr/>
+          </p:nvCxnSpPr>
+          <p:spPr>
+            <a:xfrm>
+              <a:off x="668740" y="5540991"/>
+              <a:ext cx="10235821" cy="0"/>
+            </a:xfrm>
+            <a:prstGeom prst="line">
+              <a:avLst/>
+            </a:prstGeom>
+          </p:spPr>
+          <p:style>
+            <a:lnRef idx="1">
+              <a:schemeClr val="accent1"/>
+            </a:lnRef>
+            <a:fillRef idx="0">
+              <a:schemeClr val="accent1"/>
+            </a:fillRef>
+            <a:effectRef idx="0">
+              <a:schemeClr val="accent1"/>
+            </a:effectRef>
+            <a:fontRef idx="minor">
+              <a:schemeClr val="tx1"/>
+            </a:fontRef>
+          </p:style>
+        </p:cxnSp>
+        <p:sp>
+          <p:nvSpPr>
+            <p:cNvPr id="13" name="TextBox 12">
+              <a:extLst>
+                <a:ext uri="{FF2B5EF4-FFF2-40B4-BE49-F238E27FC236}">
+                  <a16:creationId xmlns:a16="http://schemas.microsoft.com/office/drawing/2014/main" id="{287EF626-73D1-3E7F-0395-799341C748E9}"/>
+                </a:ext>
+              </a:extLst>
+            </p:cNvPr>
+            <p:cNvSpPr txBox="1"/>
+            <p:nvPr/>
+          </p:nvSpPr>
+          <p:spPr>
+            <a:xfrm>
+              <a:off x="1119116" y="873457"/>
+              <a:ext cx="1145570" cy="369332"/>
+            </a:xfrm>
+            <a:prstGeom prst="rect">
+              <a:avLst/>
+            </a:prstGeom>
+            <a:noFill/>
+          </p:spPr>
+          <p:txBody>
+            <a:bodyPr wrap="none" rtlCol="0">
+              <a:spAutoFit/>
+            </a:bodyPr>
+            <a:lstStyle/>
+            <a:p>
+              <a:r>
+                <a:rPr lang="en-US" dirty="0"/>
+                <a:t>Site Name</a:t>
+              </a:r>
+            </a:p>
+          </p:txBody>
+        </p:sp>
+        <p:sp>
+          <p:nvSpPr>
+            <p:cNvPr id="14" name="TextBox 13">
+              <a:extLst>
+                <a:ext uri="{FF2B5EF4-FFF2-40B4-BE49-F238E27FC236}">
+                  <a16:creationId xmlns:a16="http://schemas.microsoft.com/office/drawing/2014/main" id="{7AA48208-1CC7-8428-D802-FE02092C7079}"/>
+                </a:ext>
+              </a:extLst>
+            </p:cNvPr>
+            <p:cNvSpPr txBox="1"/>
+            <p:nvPr/>
+          </p:nvSpPr>
+          <p:spPr>
+            <a:xfrm>
+              <a:off x="1119116" y="1406141"/>
+              <a:ext cx="4519122" cy="369332"/>
+            </a:xfrm>
+            <a:prstGeom prst="rect">
+              <a:avLst/>
+            </a:prstGeom>
+            <a:noFill/>
+          </p:spPr>
+          <p:txBody>
+            <a:bodyPr wrap="none" rtlCol="0">
+              <a:spAutoFit/>
+            </a:bodyPr>
+            <a:lstStyle/>
+            <a:p>
+              <a:r>
+                <a:rPr lang="en-US" dirty="0"/>
+                <a:t>Home | About Us | Gallery | FAQ | Contact Us</a:t>
+              </a:r>
+            </a:p>
+          </p:txBody>
+        </p:sp>
+        <p:sp>
+          <p:nvSpPr>
+            <p:cNvPr id="15" name="TextBox 14">
+              <a:extLst>
+                <a:ext uri="{FF2B5EF4-FFF2-40B4-BE49-F238E27FC236}">
+                  <a16:creationId xmlns:a16="http://schemas.microsoft.com/office/drawing/2014/main" id="{5B70965D-0A96-1DF7-64E9-796F20FDC036}"/>
+                </a:ext>
+              </a:extLst>
+            </p:cNvPr>
+            <p:cNvSpPr txBox="1"/>
+            <p:nvPr/>
+          </p:nvSpPr>
+          <p:spPr>
+            <a:xfrm>
+              <a:off x="974660" y="1998239"/>
+              <a:ext cx="7156464" cy="4185761"/>
+            </a:xfrm>
+            <a:prstGeom prst="rect">
+              <a:avLst/>
+            </a:prstGeom>
+            <a:noFill/>
+          </p:spPr>
+          <p:txBody>
+            <a:bodyPr wrap="square" rtlCol="0">
+              <a:spAutoFit/>
+            </a:bodyPr>
+            <a:lstStyle/>
+            <a:p>
+              <a:r>
+                <a:rPr lang="en-US" sz="2000" dirty="0"/>
+                <a:t>Welcome to our Website</a:t>
+              </a:r>
+            </a:p>
+            <a:p>
+              <a:pPr lvl="1" algn="just"/>
+              <a:r>
+                <a:rPr lang="en-US" b="0" dirty="0" err="1">
+                  <a:solidFill>
+                    <a:srgbClr val="ABB2BF"/>
+                  </a:solidFill>
+                  <a:effectLst/>
+                  <a:latin typeface="cascadia code" pitchFamily="1" charset="0"/>
+                </a:rPr>
+                <a:t>voluptate</a:t>
+              </a:r>
+              <a:r>
+                <a:rPr lang="en-US" b="0" dirty="0">
+                  <a:solidFill>
+                    <a:srgbClr val="ABB2BF"/>
+                  </a:solidFill>
+                  <a:effectLst/>
+                  <a:latin typeface="cascadia code" pitchFamily="1" charset="0"/>
+                </a:rPr>
+                <a:t> </a:t>
+              </a:r>
+              <a:r>
+                <a:rPr lang="en-US" b="0" dirty="0" err="1">
+                  <a:solidFill>
+                    <a:srgbClr val="ABB2BF"/>
+                  </a:solidFill>
+                  <a:effectLst/>
+                  <a:latin typeface="cascadia code" pitchFamily="1" charset="0"/>
+                </a:rPr>
+                <a:t>mollit</a:t>
+              </a:r>
+              <a:r>
+                <a:rPr lang="en-US" b="0" dirty="0">
+                  <a:solidFill>
+                    <a:srgbClr val="ABB2BF"/>
+                  </a:solidFill>
+                  <a:effectLst/>
+                  <a:latin typeface="cascadia code" pitchFamily="1" charset="0"/>
+                </a:rPr>
+                <a:t> id sit </a:t>
+              </a:r>
+              <a:r>
+                <a:rPr lang="en-US" b="0" dirty="0" err="1">
+                  <a:solidFill>
+                    <a:srgbClr val="ABB2BF"/>
+                  </a:solidFill>
+                  <a:effectLst/>
+                  <a:latin typeface="cascadia code" pitchFamily="1" charset="0"/>
+                </a:rPr>
+                <a:t>aliquip</a:t>
+              </a:r>
+              <a:r>
+                <a:rPr lang="en-US" b="0" dirty="0">
+                  <a:solidFill>
+                    <a:srgbClr val="ABB2BF"/>
+                  </a:solidFill>
+                  <a:effectLst/>
+                  <a:latin typeface="cascadia code" pitchFamily="1" charset="0"/>
+                </a:rPr>
+                <a:t>. Magna qui a</a:t>
+              </a:r>
+            </a:p>
+            <a:p>
+              <a:pPr lvl="1" algn="just"/>
+              <a:r>
+                <a:rPr lang="en-US" b="0" dirty="0" err="1">
+                  <a:solidFill>
+                    <a:srgbClr val="ABB2BF"/>
+                  </a:solidFill>
+                  <a:effectLst/>
+                  <a:latin typeface="cascadia code" pitchFamily="1" charset="0"/>
+                </a:rPr>
+                <a:t>ute</a:t>
+              </a:r>
+              <a:r>
+                <a:rPr lang="en-US" b="0" dirty="0">
+                  <a:solidFill>
+                    <a:srgbClr val="ABB2BF"/>
+                  </a:solidFill>
+                  <a:effectLst/>
+                  <a:latin typeface="cascadia code" pitchFamily="1" charset="0"/>
+                </a:rPr>
+                <a:t> </a:t>
+              </a:r>
+              <a:r>
+                <a:rPr lang="en-US" b="0" dirty="0" err="1">
+                  <a:solidFill>
+                    <a:srgbClr val="ABB2BF"/>
+                  </a:solidFill>
+                  <a:effectLst/>
+                  <a:latin typeface="cascadia code" pitchFamily="1" charset="0"/>
+                </a:rPr>
+                <a:t>ullamco</a:t>
+              </a:r>
+              <a:r>
+                <a:rPr lang="en-US" b="0" dirty="0">
+                  <a:solidFill>
+                    <a:srgbClr val="ABB2BF"/>
+                  </a:solidFill>
+                  <a:effectLst/>
+                  <a:latin typeface="cascadia code" pitchFamily="1" charset="0"/>
+                </a:rPr>
+                <a:t> </a:t>
+              </a:r>
+              <a:r>
+                <a:rPr lang="en-US" b="0" dirty="0" err="1">
+                  <a:solidFill>
+                    <a:srgbClr val="ABB2BF"/>
+                  </a:solidFill>
+                  <a:effectLst/>
+                  <a:latin typeface="cascadia code" pitchFamily="1" charset="0"/>
+                </a:rPr>
+                <a:t>nostrud</a:t>
+              </a:r>
+              <a:r>
+                <a:rPr lang="en-US" b="0" dirty="0">
+                  <a:solidFill>
+                    <a:srgbClr val="ABB2BF"/>
+                  </a:solidFill>
+                  <a:effectLst/>
+                  <a:latin typeface="cascadia code" pitchFamily="1" charset="0"/>
+                </a:rPr>
+                <a:t> </a:t>
+              </a:r>
+              <a:r>
+                <a:rPr lang="en-US" b="0" dirty="0" err="1">
+                  <a:solidFill>
+                    <a:srgbClr val="ABB2BF"/>
+                  </a:solidFill>
+                  <a:effectLst/>
+                  <a:latin typeface="cascadia code" pitchFamily="1" charset="0"/>
+                </a:rPr>
+                <a:t>ut</a:t>
+              </a:r>
+              <a:r>
+                <a:rPr lang="en-US" b="0" dirty="0">
+                  <a:solidFill>
+                    <a:srgbClr val="ABB2BF"/>
+                  </a:solidFill>
+                  <a:effectLst/>
+                  <a:latin typeface="cascadia code" pitchFamily="1" charset="0"/>
+                </a:rPr>
+                <a:t> </a:t>
+              </a:r>
+              <a:r>
+                <a:rPr lang="en-US" b="0" dirty="0" err="1">
+                  <a:solidFill>
+                    <a:srgbClr val="ABB2BF"/>
+                  </a:solidFill>
+                  <a:effectLst/>
+                  <a:latin typeface="cascadia code" pitchFamily="1" charset="0"/>
+                </a:rPr>
+                <a:t>deserunt</a:t>
+              </a:r>
+              <a:r>
+                <a:rPr lang="en-US" b="0" dirty="0">
+                  <a:solidFill>
+                    <a:srgbClr val="ABB2BF"/>
+                  </a:solidFill>
+                  <a:effectLst/>
+                  <a:latin typeface="cascadia code" pitchFamily="1" charset="0"/>
+                </a:rPr>
+                <a:t> ipsum </a:t>
+              </a:r>
+              <a:r>
+                <a:rPr lang="en-US" b="0" dirty="0" err="1">
+                  <a:solidFill>
+                    <a:srgbClr val="ABB2BF"/>
+                  </a:solidFill>
+                  <a:effectLst/>
+                  <a:latin typeface="cascadia code" pitchFamily="1" charset="0"/>
+                </a:rPr>
+                <a:t>ullam</a:t>
+              </a:r>
+              <a:endParaRPr lang="en-US" b="0" dirty="0">
+                <a:solidFill>
+                  <a:srgbClr val="ABB2BF"/>
+                </a:solidFill>
+                <a:effectLst/>
+                <a:latin typeface="cascadia code" pitchFamily="1" charset="0"/>
+              </a:endParaRPr>
+            </a:p>
+            <a:p>
+              <a:pPr lvl="1" algn="just"/>
+              <a:r>
+                <a:rPr lang="en-US" b="0" dirty="0">
+                  <a:solidFill>
+                    <a:srgbClr val="ABB2BF"/>
+                  </a:solidFill>
+                  <a:effectLst/>
+                  <a:latin typeface="cascadia code" pitchFamily="1" charset="0"/>
+                </a:rPr>
+                <a:t>co magna </a:t>
+              </a:r>
+            </a:p>
+            <a:p>
+              <a:pPr lvl="1" algn="just"/>
+              <a:r>
+                <a:rPr lang="en-US" b="0" dirty="0">
+                  <a:solidFill>
+                    <a:srgbClr val="ABB2BF"/>
+                  </a:solidFill>
+                  <a:effectLst/>
+                  <a:latin typeface="cascadia code" pitchFamily="1" charset="0"/>
+                </a:rPr>
+                <a:t>labore </a:t>
+              </a:r>
+              <a:r>
+                <a:rPr lang="en-US" b="0" dirty="0" err="1">
+                  <a:solidFill>
+                    <a:srgbClr val="ABB2BF"/>
+                  </a:solidFill>
+                  <a:effectLst/>
+                  <a:latin typeface="cascadia code" pitchFamily="1" charset="0"/>
+                </a:rPr>
+                <a:t>eiusmod</a:t>
+              </a:r>
+              <a:r>
+                <a:rPr lang="en-US" b="0" dirty="0">
+                  <a:solidFill>
+                    <a:srgbClr val="ABB2BF"/>
+                  </a:solidFill>
+                  <a:effectLst/>
+                  <a:latin typeface="cascadia code" pitchFamily="1" charset="0"/>
+                </a:rPr>
+                <a:t>. </a:t>
+              </a:r>
+              <a:r>
+                <a:rPr lang="en-US" b="0" dirty="0" err="1">
+                  <a:solidFill>
+                    <a:srgbClr val="ABB2BF"/>
+                  </a:solidFill>
+                  <a:effectLst/>
+                  <a:latin typeface="cascadia code" pitchFamily="1" charset="0"/>
+                </a:rPr>
+                <a:t>Nostrud</a:t>
+              </a:r>
+              <a:r>
+                <a:rPr lang="en-US" b="0" dirty="0">
+                  <a:solidFill>
+                    <a:srgbClr val="ABB2BF"/>
+                  </a:solidFill>
+                  <a:effectLst/>
+                  <a:latin typeface="cascadia code" pitchFamily="1" charset="0"/>
+                </a:rPr>
+                <a:t> qui </a:t>
+              </a:r>
+              <a:r>
+                <a:rPr lang="en-US" b="0" dirty="0" err="1">
+                  <a:solidFill>
+                    <a:srgbClr val="ABB2BF"/>
+                  </a:solidFill>
+                  <a:effectLst/>
+                  <a:latin typeface="cascadia code" pitchFamily="1" charset="0"/>
+                </a:rPr>
+                <a:t>ut</a:t>
+              </a:r>
+              <a:r>
+                <a:rPr lang="en-US" b="0" dirty="0">
+                  <a:solidFill>
+                    <a:srgbClr val="ABB2BF"/>
+                  </a:solidFill>
+                  <a:effectLst/>
+                  <a:latin typeface="cascadia code" pitchFamily="1" charset="0"/>
+                </a:rPr>
+                <a:t> </a:t>
+              </a:r>
+              <a:r>
+                <a:rPr lang="en-US" b="0" dirty="0" err="1">
+                  <a:solidFill>
+                    <a:srgbClr val="ABB2BF"/>
+                  </a:solidFill>
+                  <a:effectLst/>
+                  <a:latin typeface="cascadia code" pitchFamily="1" charset="0"/>
+                </a:rPr>
+                <a:t>laborum</a:t>
+              </a:r>
+              <a:r>
+                <a:rPr lang="en-US" b="0" dirty="0">
+                  <a:solidFill>
+                    <a:srgbClr val="ABB2BF"/>
+                  </a:solidFill>
+                  <a:effectLst/>
+                  <a:latin typeface="cascadia code" pitchFamily="1" charset="0"/>
+                </a:rPr>
+                <a:t> do </a:t>
+              </a:r>
+              <a:r>
+                <a:rPr lang="en-US" b="0" dirty="0" err="1">
+                  <a:solidFill>
+                    <a:srgbClr val="ABB2BF"/>
+                  </a:solidFill>
+                  <a:effectLst/>
+                  <a:latin typeface="cascadia code" pitchFamily="1" charset="0"/>
+                </a:rPr>
+                <a:t>eu</a:t>
+              </a:r>
+              <a:endParaRPr lang="en-US" b="0" dirty="0">
+                <a:solidFill>
+                  <a:srgbClr val="ABB2BF"/>
+                </a:solidFill>
+                <a:effectLst/>
+                <a:latin typeface="cascadia code" pitchFamily="1" charset="0"/>
+              </a:endParaRPr>
+            </a:p>
+            <a:p>
+              <a:pPr lvl="1" algn="just"/>
+              <a:r>
+                <a:rPr lang="en-US" b="0" dirty="0">
+                  <a:solidFill>
+                    <a:srgbClr val="ABB2BF"/>
+                  </a:solidFill>
+                  <a:effectLst/>
+                  <a:latin typeface="cascadia code" pitchFamily="1" charset="0"/>
+                </a:rPr>
+                <a:t> culpa </a:t>
+              </a:r>
+              <a:r>
+                <a:rPr lang="en-US" b="0" dirty="0" err="1">
+                  <a:solidFill>
+                    <a:srgbClr val="ABB2BF"/>
+                  </a:solidFill>
+                  <a:effectLst/>
+                  <a:latin typeface="cascadia code" pitchFamily="1" charset="0"/>
+                </a:rPr>
+                <a:t>culpa</a:t>
+              </a:r>
+              <a:r>
+                <a:rPr lang="en-US" b="0" dirty="0">
+                  <a:solidFill>
+                    <a:srgbClr val="ABB2BF"/>
+                  </a:solidFill>
+                  <a:effectLst/>
+                  <a:latin typeface="cascadia code" pitchFamily="1" charset="0"/>
+                </a:rPr>
+                <a:t> </a:t>
+              </a:r>
+              <a:r>
+                <a:rPr lang="en-US" b="0" dirty="0" err="1">
+                  <a:solidFill>
+                    <a:srgbClr val="ABB2BF"/>
+                  </a:solidFill>
+                  <a:effectLst/>
+                  <a:latin typeface="cascadia code" pitchFamily="1" charset="0"/>
+                </a:rPr>
+                <a:t>nostrud</a:t>
+              </a:r>
+              <a:r>
+                <a:rPr lang="en-US" b="0" dirty="0">
+                  <a:solidFill>
+                    <a:srgbClr val="ABB2BF"/>
+                  </a:solidFill>
+                  <a:effectLst/>
+                  <a:latin typeface="cascadia code" pitchFamily="1" charset="0"/>
+                </a:rPr>
+                <a:t> </a:t>
+              </a:r>
+              <a:r>
+                <a:rPr lang="en-US" b="0" dirty="0" err="1">
+                  <a:solidFill>
+                    <a:srgbClr val="ABB2BF"/>
+                  </a:solidFill>
+                  <a:effectLst/>
+                  <a:latin typeface="cascadia code" pitchFamily="1" charset="0"/>
+                </a:rPr>
+                <a:t>mollit</a:t>
+              </a:r>
+              <a:r>
+                <a:rPr lang="en-US" b="0" dirty="0">
+                  <a:solidFill>
+                    <a:srgbClr val="ABB2BF"/>
+                  </a:solidFill>
+                  <a:effectLst/>
+                  <a:latin typeface="cascadia code" pitchFamily="1" charset="0"/>
+                </a:rPr>
+                <a:t> qui </a:t>
+              </a:r>
+              <a:r>
+                <a:rPr lang="en-US" b="0" dirty="0" err="1">
+                  <a:solidFill>
+                    <a:srgbClr val="ABB2BF"/>
+                  </a:solidFill>
+                  <a:effectLst/>
+                  <a:latin typeface="cascadia code" pitchFamily="1" charset="0"/>
+                </a:rPr>
+                <a:t>officia</a:t>
+              </a:r>
+              <a:r>
+                <a:rPr lang="en-US" b="0" dirty="0">
+                  <a:solidFill>
+                    <a:srgbClr val="ABB2BF"/>
+                  </a:solidFill>
+                  <a:effectLst/>
+                  <a:latin typeface="cascadia code" pitchFamily="1" charset="0"/>
+                </a:rPr>
+                <a:t> </a:t>
+              </a:r>
+              <a:r>
+                <a:rPr lang="en-US" b="0" dirty="0" err="1">
+                  <a:solidFill>
+                    <a:srgbClr val="ABB2BF"/>
+                  </a:solidFill>
+                  <a:effectLst/>
+                  <a:latin typeface="cascadia code" pitchFamily="1" charset="0"/>
+                </a:rPr>
+                <a:t>pariatur</a:t>
+              </a:r>
+              <a:r>
+                <a:rPr lang="en-US" b="0" dirty="0">
+                  <a:solidFill>
+                    <a:srgbClr val="ABB2BF"/>
+                  </a:solidFill>
+                  <a:effectLst/>
+                  <a:latin typeface="cascadia code" pitchFamily="1" charset="0"/>
+                </a:rPr>
+                <a:t> </a:t>
+              </a:r>
+              <a:r>
+                <a:rPr lang="en-US" b="0" dirty="0" err="1">
+                  <a:solidFill>
+                    <a:srgbClr val="ABB2BF"/>
+                  </a:solidFill>
+                  <a:effectLst/>
+                  <a:latin typeface="cascadia code" pitchFamily="1" charset="0"/>
+                </a:rPr>
+                <a:t>aute</a:t>
+              </a:r>
+              <a:r>
+                <a:rPr lang="en-US" b="0" dirty="0">
+                  <a:solidFill>
+                    <a:srgbClr val="ABB2BF"/>
+                  </a:solidFill>
+                  <a:effectLst/>
+                  <a:latin typeface="cascadia code" pitchFamily="1" charset="0"/>
+                </a:rPr>
+                <a:t> </a:t>
+              </a:r>
+            </a:p>
+            <a:p>
+              <a:pPr lvl="1" algn="just"/>
+              <a:r>
+                <a:rPr lang="en-US" b="0" dirty="0" err="1">
+                  <a:solidFill>
+                    <a:srgbClr val="ABB2BF"/>
+                  </a:solidFill>
+                  <a:effectLst/>
+                  <a:latin typeface="cascadia code" pitchFamily="1" charset="0"/>
+                </a:rPr>
+                <a:t>tempor</a:t>
+              </a:r>
+              <a:r>
+                <a:rPr lang="en-US" b="0" dirty="0">
+                  <a:solidFill>
+                    <a:srgbClr val="ABB2BF"/>
+                  </a:solidFill>
+                  <a:effectLst/>
+                  <a:latin typeface="cascadia code" pitchFamily="1" charset="0"/>
+                </a:rPr>
+                <a:t>. </a:t>
+              </a:r>
+              <a:r>
+                <a:rPr lang="en-US" b="0" dirty="0" err="1">
+                  <a:solidFill>
+                    <a:srgbClr val="ABB2BF"/>
+                  </a:solidFill>
+                  <a:effectLst/>
+                  <a:latin typeface="cascadia code" pitchFamily="1" charset="0"/>
+                </a:rPr>
+                <a:t>Deserunt</a:t>
+              </a:r>
+              <a:r>
+                <a:rPr lang="en-US" b="0" dirty="0">
+                  <a:solidFill>
+                    <a:srgbClr val="ABB2BF"/>
+                  </a:solidFill>
+                  <a:effectLst/>
+                  <a:latin typeface="cascadia code" pitchFamily="1" charset="0"/>
+                </a:rPr>
+                <a:t> </a:t>
+              </a:r>
+              <a:r>
+                <a:rPr lang="en-US" b="0" dirty="0" err="1">
+                  <a:solidFill>
+                    <a:srgbClr val="ABB2BF"/>
+                  </a:solidFill>
+                  <a:effectLst/>
+                  <a:latin typeface="cascadia code" pitchFamily="1" charset="0"/>
+                </a:rPr>
+                <a:t>quis</a:t>
+              </a:r>
+              <a:r>
+                <a:rPr lang="en-US" b="0" dirty="0">
+                  <a:solidFill>
+                    <a:srgbClr val="ABB2BF"/>
+                  </a:solidFill>
+                  <a:effectLst/>
+                  <a:latin typeface="cascadia code" pitchFamily="1" charset="0"/>
+                </a:rPr>
+                <a:t> Lorem </a:t>
+              </a:r>
+              <a:r>
+                <a:rPr lang="en-US" b="0" dirty="0" err="1">
+                  <a:solidFill>
+                    <a:srgbClr val="ABB2BF"/>
+                  </a:solidFill>
+                  <a:effectLst/>
+                  <a:latin typeface="cascadia code" pitchFamily="1" charset="0"/>
+                </a:rPr>
+                <a:t>est</a:t>
+              </a:r>
+              <a:r>
+                <a:rPr lang="en-US" b="0" dirty="0">
+                  <a:solidFill>
+                    <a:srgbClr val="ABB2BF"/>
+                  </a:solidFill>
+                  <a:effectLst/>
+                  <a:latin typeface="cascadia code" pitchFamily="1" charset="0"/>
+                </a:rPr>
+                <a:t> </a:t>
+              </a:r>
+              <a:r>
+                <a:rPr lang="en-US" b="0" dirty="0" err="1">
+                  <a:solidFill>
+                    <a:srgbClr val="ABB2BF"/>
+                  </a:solidFill>
+                  <a:effectLst/>
+                  <a:latin typeface="cascadia code" pitchFamily="1" charset="0"/>
+                </a:rPr>
+                <a:t>deserunt</a:t>
+              </a:r>
+              <a:r>
+                <a:rPr lang="en-US" b="0" dirty="0">
+                  <a:solidFill>
+                    <a:srgbClr val="ABB2BF"/>
+                  </a:solidFill>
+                  <a:effectLst/>
+                  <a:latin typeface="cascadia code" pitchFamily="1" charset="0"/>
+                </a:rPr>
+                <a:t> nisi </a:t>
+              </a:r>
+            </a:p>
+            <a:p>
+              <a:pPr lvl="1" algn="just"/>
+              <a:r>
+                <a:rPr lang="en-US" b="0" dirty="0" err="1">
+                  <a:solidFill>
+                    <a:srgbClr val="ABB2BF"/>
+                  </a:solidFill>
+                  <a:effectLst/>
+                  <a:latin typeface="cascadia code" pitchFamily="1" charset="0"/>
+                </a:rPr>
+                <a:t>voluptate</a:t>
+              </a:r>
+              <a:r>
+                <a:rPr lang="en-US" b="0" dirty="0">
+                  <a:solidFill>
+                    <a:srgbClr val="ABB2BF"/>
+                  </a:solidFill>
+                  <a:effectLst/>
+                  <a:latin typeface="cascadia code" pitchFamily="1" charset="0"/>
+                </a:rPr>
+                <a:t> </a:t>
+              </a:r>
+              <a:r>
+                <a:rPr lang="en-US" b="0" dirty="0" err="1">
+                  <a:solidFill>
+                    <a:srgbClr val="ABB2BF"/>
+                  </a:solidFill>
+                  <a:effectLst/>
+                  <a:latin typeface="cascadia code" pitchFamily="1" charset="0"/>
+                </a:rPr>
+                <a:t>consequat</a:t>
+              </a:r>
+              <a:r>
+                <a:rPr lang="en-US" b="0" dirty="0">
+                  <a:solidFill>
+                    <a:srgbClr val="ABB2BF"/>
+                  </a:solidFill>
+                  <a:effectLst/>
+                  <a:latin typeface="cascadia code" pitchFamily="1" charset="0"/>
+                </a:rPr>
+                <a:t> </a:t>
+              </a:r>
+              <a:r>
+                <a:rPr lang="en-US" b="0" dirty="0" err="1">
+                  <a:solidFill>
+                    <a:srgbClr val="ABB2BF"/>
+                  </a:solidFill>
+                  <a:effectLst/>
+                  <a:latin typeface="cascadia code" pitchFamily="1" charset="0"/>
+                </a:rPr>
+                <a:t>mollit</a:t>
+              </a:r>
+              <a:r>
+                <a:rPr lang="en-US" b="0" dirty="0">
+                  <a:solidFill>
+                    <a:srgbClr val="ABB2BF"/>
+                  </a:solidFill>
+                  <a:effectLst/>
+                  <a:latin typeface="cascadia code" pitchFamily="1" charset="0"/>
+                </a:rPr>
+                <a:t> </a:t>
+              </a:r>
+              <a:r>
+                <a:rPr lang="en-US" b="0" dirty="0" err="1">
+                  <a:solidFill>
+                    <a:srgbClr val="ABB2BF"/>
+                  </a:solidFill>
+                  <a:effectLst/>
+                  <a:latin typeface="cascadia code" pitchFamily="1" charset="0"/>
+                </a:rPr>
+                <a:t>esse</a:t>
+              </a:r>
+              <a:r>
+                <a:rPr lang="en-US" b="0" dirty="0">
+                  <a:solidFill>
+                    <a:srgbClr val="ABB2BF"/>
+                  </a:solidFill>
+                  <a:effectLst/>
+                  <a:latin typeface="cascadia code" pitchFamily="1" charset="0"/>
+                </a:rPr>
+                <a:t> </a:t>
+              </a:r>
+              <a:r>
+                <a:rPr lang="en-US" b="0" dirty="0" err="1">
+                  <a:solidFill>
+                    <a:srgbClr val="ABB2BF"/>
+                  </a:solidFill>
+                  <a:effectLst/>
+                  <a:latin typeface="cascadia code" pitchFamily="1" charset="0"/>
+                </a:rPr>
+                <a:t>voluptate</a:t>
+              </a:r>
+              <a:r>
+                <a:rPr lang="en-US" b="0" dirty="0">
+                  <a:solidFill>
+                    <a:srgbClr val="ABB2BF"/>
+                  </a:solidFill>
+                  <a:effectLst/>
+                  <a:latin typeface="cascadia code" pitchFamily="1" charset="0"/>
+                </a:rPr>
+                <a:t> minim id. </a:t>
+              </a:r>
+            </a:p>
+            <a:p>
+              <a:pPr lvl="1" algn="just"/>
+              <a:r>
+                <a:rPr lang="en-US" b="0" dirty="0" err="1">
+                  <a:solidFill>
+                    <a:srgbClr val="ABB2BF"/>
+                  </a:solidFill>
+                  <a:effectLst/>
+                  <a:latin typeface="cascadia code" pitchFamily="1" charset="0"/>
+                </a:rPr>
+                <a:t>Ea</a:t>
+              </a:r>
+              <a:r>
+                <a:rPr lang="en-US" b="0" dirty="0">
+                  <a:solidFill>
+                    <a:srgbClr val="ABB2BF"/>
+                  </a:solidFill>
+                  <a:effectLst/>
+                  <a:latin typeface="cascadia code" pitchFamily="1" charset="0"/>
+                </a:rPr>
+                <a:t> </a:t>
+              </a:r>
+              <a:r>
+                <a:rPr lang="en-US" b="0" dirty="0" err="1">
+                  <a:solidFill>
+                    <a:srgbClr val="ABB2BF"/>
+                  </a:solidFill>
+                  <a:effectLst/>
+                  <a:latin typeface="cascadia code" pitchFamily="1" charset="0"/>
+                </a:rPr>
+                <a:t>aute</a:t>
+              </a:r>
+              <a:r>
+                <a:rPr lang="en-US" b="0" dirty="0">
+                  <a:solidFill>
+                    <a:srgbClr val="ABB2BF"/>
+                  </a:solidFill>
+                  <a:effectLst/>
+                  <a:latin typeface="cascadia code" pitchFamily="1" charset="0"/>
+                </a:rPr>
+                <a:t> sit non </a:t>
+              </a:r>
+              <a:r>
+                <a:rPr lang="en-US" b="0" dirty="0" err="1">
+                  <a:solidFill>
+                    <a:srgbClr val="ABB2BF"/>
+                  </a:solidFill>
+                  <a:effectLst/>
+                  <a:latin typeface="cascadia code" pitchFamily="1" charset="0"/>
+                </a:rPr>
+                <a:t>consectetur</a:t>
+              </a:r>
+              <a:r>
+                <a:rPr lang="en-US" b="0" dirty="0">
+                  <a:solidFill>
+                    <a:srgbClr val="ABB2BF"/>
+                  </a:solidFill>
+                  <a:effectLst/>
+                  <a:latin typeface="cascadia code" pitchFamily="1" charset="0"/>
+                </a:rPr>
+                <a:t> e</a:t>
+              </a:r>
+            </a:p>
+            <a:p>
+              <a:endParaRPr lang="en-US" sz="6600" dirty="0"/>
+            </a:p>
+          </p:txBody>
+        </p:sp>
+        <p:sp>
+          <p:nvSpPr>
+            <p:cNvPr id="16" name="TextBox 15">
+              <a:extLst>
+                <a:ext uri="{FF2B5EF4-FFF2-40B4-BE49-F238E27FC236}">
+                  <a16:creationId xmlns:a16="http://schemas.microsoft.com/office/drawing/2014/main" id="{B8C6C634-DC9F-DB07-AFC5-72FDB4552B3C}"/>
+                </a:ext>
+              </a:extLst>
+            </p:cNvPr>
+            <p:cNvSpPr txBox="1"/>
+            <p:nvPr/>
+          </p:nvSpPr>
+          <p:spPr>
+            <a:xfrm>
+              <a:off x="9073662" y="2433711"/>
+              <a:ext cx="1487780" cy="1477328"/>
+            </a:xfrm>
+            <a:prstGeom prst="rect">
+              <a:avLst/>
+            </a:prstGeom>
+            <a:noFill/>
+          </p:spPr>
+          <p:txBody>
+            <a:bodyPr wrap="none" rtlCol="0">
+              <a:spAutoFit/>
+            </a:bodyPr>
+            <a:lstStyle/>
+            <a:p>
+              <a:pPr marL="285750" indent="-285750">
+                <a:buFont typeface="Arial" panose="020B0604020202020204" pitchFamily="34" charset="0"/>
+                <a:buChar char="•"/>
+              </a:pPr>
+              <a:r>
+                <a:rPr lang="en-US" dirty="0"/>
+                <a:t>Home</a:t>
+              </a:r>
+            </a:p>
+            <a:p>
+              <a:pPr marL="285750" indent="-285750">
+                <a:buFont typeface="Arial" panose="020B0604020202020204" pitchFamily="34" charset="0"/>
+                <a:buChar char="•"/>
+              </a:pPr>
+              <a:r>
+                <a:rPr lang="en-US" dirty="0"/>
+                <a:t>About Us</a:t>
+              </a:r>
+            </a:p>
+            <a:p>
+              <a:pPr marL="285750" indent="-285750">
+                <a:buFont typeface="Arial" panose="020B0604020202020204" pitchFamily="34" charset="0"/>
+                <a:buChar char="•"/>
+              </a:pPr>
+              <a:r>
+                <a:rPr lang="en-US" dirty="0"/>
+                <a:t>Gallery</a:t>
+              </a:r>
+            </a:p>
+            <a:p>
+              <a:pPr marL="285750" indent="-285750">
+                <a:buFont typeface="Arial" panose="020B0604020202020204" pitchFamily="34" charset="0"/>
+                <a:buChar char="•"/>
+              </a:pPr>
+              <a:r>
+                <a:rPr lang="en-US" dirty="0"/>
+                <a:t>FAQ</a:t>
+              </a:r>
+            </a:p>
+            <a:p>
+              <a:pPr marL="285750" indent="-285750">
+                <a:buFont typeface="Arial" panose="020B0604020202020204" pitchFamily="34" charset="0"/>
+                <a:buChar char="•"/>
+              </a:pPr>
+              <a:r>
+                <a:rPr lang="en-US" dirty="0"/>
+                <a:t>Contact Us</a:t>
+              </a:r>
+            </a:p>
+          </p:txBody>
+        </p:sp>
+        <p:sp>
+          <p:nvSpPr>
+            <p:cNvPr id="17" name="TextBox 16">
+              <a:extLst>
+                <a:ext uri="{FF2B5EF4-FFF2-40B4-BE49-F238E27FC236}">
+                  <a16:creationId xmlns:a16="http://schemas.microsoft.com/office/drawing/2014/main" id="{56B98317-FC45-9F4A-3D08-57539959F53D}"/>
+                </a:ext>
+              </a:extLst>
+            </p:cNvPr>
+            <p:cNvSpPr txBox="1"/>
+            <p:nvPr/>
+          </p:nvSpPr>
+          <p:spPr>
+            <a:xfrm>
+              <a:off x="974660" y="5556737"/>
+              <a:ext cx="2685992" cy="369332"/>
+            </a:xfrm>
+            <a:prstGeom prst="rect">
+              <a:avLst/>
+            </a:prstGeom>
+            <a:noFill/>
+          </p:spPr>
+          <p:txBody>
+            <a:bodyPr wrap="none" rtlCol="0">
+              <a:spAutoFit/>
+            </a:bodyPr>
+            <a:lstStyle/>
+            <a:p>
+              <a:r>
+                <a:rPr lang="en-US" dirty="0"/>
+                <a:t>Copyright sitename@2022</a:t>
+              </a:r>
+            </a:p>
+          </p:txBody>
+        </p:sp>
+      </p:grpSp>
+    </p:spTree>
+    <p:extLst>
+      <p:ext uri="{BB962C8B-B14F-4D97-AF65-F5344CB8AC3E}">
+        <p14:creationId xmlns:p14="http://schemas.microsoft.com/office/powerpoint/2010/main" val="3752903672"/>
       </p:ext>
     </p:extLst>
   </p:cSld>

--- a/HTML.pptx
+++ b/HTML.pptx
@@ -23,6 +23,10 @@
     <p:sldId id="271" r:id="rId17"/>
     <p:sldId id="272" r:id="rId18"/>
     <p:sldId id="273" r:id="rId19"/>
+    <p:sldId id="274" r:id="rId20"/>
+    <p:sldId id="275" r:id="rId21"/>
+    <p:sldId id="276" r:id="rId22"/>
+    <p:sldId id="277" r:id="rId23"/>
   </p:sldIdLst>
   <p:sldSz cx="12192000" cy="6858000"/>
   <p:notesSz cx="6858000" cy="9144000"/>
@@ -276,7 +280,7 @@
           <a:p>
             <a:fld id="{52E34F83-CBF4-4BD8-AE97-253003458AA3}" type="datetimeFigureOut">
               <a:rPr lang="en-US" smtClean="0"/>
-              <a:t>11/22/2022</a:t>
+              <a:t>11/23/2022</a:t>
             </a:fld>
             <a:endParaRPr lang="en-US"/>
           </a:p>
@@ -474,7 +478,7 @@
           <a:p>
             <a:fld id="{52E34F83-CBF4-4BD8-AE97-253003458AA3}" type="datetimeFigureOut">
               <a:rPr lang="en-US" smtClean="0"/>
-              <a:t>11/22/2022</a:t>
+              <a:t>11/23/2022</a:t>
             </a:fld>
             <a:endParaRPr lang="en-US"/>
           </a:p>
@@ -682,7 +686,7 @@
           <a:p>
             <a:fld id="{52E34F83-CBF4-4BD8-AE97-253003458AA3}" type="datetimeFigureOut">
               <a:rPr lang="en-US" smtClean="0"/>
-              <a:t>11/22/2022</a:t>
+              <a:t>11/23/2022</a:t>
             </a:fld>
             <a:endParaRPr lang="en-US"/>
           </a:p>
@@ -880,7 +884,7 @@
           <a:p>
             <a:fld id="{52E34F83-CBF4-4BD8-AE97-253003458AA3}" type="datetimeFigureOut">
               <a:rPr lang="en-US" smtClean="0"/>
-              <a:t>11/22/2022</a:t>
+              <a:t>11/23/2022</a:t>
             </a:fld>
             <a:endParaRPr lang="en-US"/>
           </a:p>
@@ -1155,7 +1159,7 @@
           <a:p>
             <a:fld id="{52E34F83-CBF4-4BD8-AE97-253003458AA3}" type="datetimeFigureOut">
               <a:rPr lang="en-US" smtClean="0"/>
-              <a:t>11/22/2022</a:t>
+              <a:t>11/23/2022</a:t>
             </a:fld>
             <a:endParaRPr lang="en-US"/>
           </a:p>
@@ -1420,7 +1424,7 @@
           <a:p>
             <a:fld id="{52E34F83-CBF4-4BD8-AE97-253003458AA3}" type="datetimeFigureOut">
               <a:rPr lang="en-US" smtClean="0"/>
-              <a:t>11/22/2022</a:t>
+              <a:t>11/23/2022</a:t>
             </a:fld>
             <a:endParaRPr lang="en-US"/>
           </a:p>
@@ -1832,7 +1836,7 @@
           <a:p>
             <a:fld id="{52E34F83-CBF4-4BD8-AE97-253003458AA3}" type="datetimeFigureOut">
               <a:rPr lang="en-US" smtClean="0"/>
-              <a:t>11/22/2022</a:t>
+              <a:t>11/23/2022</a:t>
             </a:fld>
             <a:endParaRPr lang="en-US"/>
           </a:p>
@@ -1973,7 +1977,7 @@
           <a:p>
             <a:fld id="{52E34F83-CBF4-4BD8-AE97-253003458AA3}" type="datetimeFigureOut">
               <a:rPr lang="en-US" smtClean="0"/>
-              <a:t>11/22/2022</a:t>
+              <a:t>11/23/2022</a:t>
             </a:fld>
             <a:endParaRPr lang="en-US"/>
           </a:p>
@@ -2086,7 +2090,7 @@
           <a:p>
             <a:fld id="{52E34F83-CBF4-4BD8-AE97-253003458AA3}" type="datetimeFigureOut">
               <a:rPr lang="en-US" smtClean="0"/>
-              <a:t>11/22/2022</a:t>
+              <a:t>11/23/2022</a:t>
             </a:fld>
             <a:endParaRPr lang="en-US"/>
           </a:p>
@@ -2397,7 +2401,7 @@
           <a:p>
             <a:fld id="{52E34F83-CBF4-4BD8-AE97-253003458AA3}" type="datetimeFigureOut">
               <a:rPr lang="en-US" smtClean="0"/>
-              <a:t>11/22/2022</a:t>
+              <a:t>11/23/2022</a:t>
             </a:fld>
             <a:endParaRPr lang="en-US"/>
           </a:p>
@@ -2685,7 +2689,7 @@
           <a:p>
             <a:fld id="{52E34F83-CBF4-4BD8-AE97-253003458AA3}" type="datetimeFigureOut">
               <a:rPr lang="en-US" smtClean="0"/>
-              <a:t>11/22/2022</a:t>
+              <a:t>11/23/2022</a:t>
             </a:fld>
             <a:endParaRPr lang="en-US"/>
           </a:p>
@@ -2926,7 +2930,7 @@
           <a:p>
             <a:fld id="{52E34F83-CBF4-4BD8-AE97-253003458AA3}" type="datetimeFigureOut">
               <a:rPr lang="en-US" smtClean="0"/>
-              <a:t>11/22/2022</a:t>
+              <a:t>11/23/2022</a:t>
             </a:fld>
             <a:endParaRPr lang="en-US"/>
           </a:p>
@@ -6172,6 +6176,121 @@
 </p:sld>
 </file>
 
+<file path=ppt/slides/slide19.xml><?xml version="1.0" encoding="utf-8"?>
+<p:sld xmlns:a="http://schemas.openxmlformats.org/drawingml/2006/main" xmlns:r="http://schemas.openxmlformats.org/officeDocument/2006/relationships" xmlns:p="http://schemas.openxmlformats.org/presentationml/2006/main">
+  <p:cSld>
+    <p:spTree>
+      <p:nvGrpSpPr>
+        <p:cNvPr id="1" name=""/>
+        <p:cNvGrpSpPr/>
+        <p:nvPr/>
+      </p:nvGrpSpPr>
+      <p:grpSpPr>
+        <a:xfrm>
+          <a:off x="0" y="0"/>
+          <a:ext cx="0" cy="0"/>
+          <a:chOff x="0" y="0"/>
+          <a:chExt cx="0" cy="0"/>
+        </a:xfrm>
+      </p:grpSpPr>
+      <p:sp>
+        <p:nvSpPr>
+          <p:cNvPr id="2" name="Title 1">
+            <a:extLst>
+              <a:ext uri="{FF2B5EF4-FFF2-40B4-BE49-F238E27FC236}">
+                <a16:creationId xmlns:a16="http://schemas.microsoft.com/office/drawing/2014/main" id="{C1BAC228-1A37-D66E-3FB7-05A4FE422271}"/>
+              </a:ext>
+            </a:extLst>
+          </p:cNvPr>
+          <p:cNvSpPr>
+            <a:spLocks noGrp="1"/>
+          </p:cNvSpPr>
+          <p:nvPr>
+            <p:ph type="title"/>
+          </p:nvPr>
+        </p:nvSpPr>
+        <p:spPr/>
+        <p:txBody>
+          <a:bodyPr/>
+          <a:lstStyle/>
+          <a:p>
+            <a:r>
+              <a:rPr lang="en-US" dirty="0"/>
+              <a:t>Table tag-III</a:t>
+            </a:r>
+          </a:p>
+        </p:txBody>
+      </p:sp>
+      <p:sp>
+        <p:nvSpPr>
+          <p:cNvPr id="3" name="Content Placeholder 2">
+            <a:extLst>
+              <a:ext uri="{FF2B5EF4-FFF2-40B4-BE49-F238E27FC236}">
+                <a16:creationId xmlns:a16="http://schemas.microsoft.com/office/drawing/2014/main" id="{4DC11FB4-CF9E-A888-FB66-E72F0ECA70FD}"/>
+              </a:ext>
+            </a:extLst>
+          </p:cNvPr>
+          <p:cNvSpPr>
+            <a:spLocks noGrp="1"/>
+          </p:cNvSpPr>
+          <p:nvPr>
+            <p:ph idx="1"/>
+          </p:nvPr>
+        </p:nvSpPr>
+        <p:spPr>
+          <a:xfrm>
+            <a:off x="838200" y="1825625"/>
+            <a:ext cx="2573740" cy="4351338"/>
+          </a:xfrm>
+        </p:spPr>
+        <p:txBody>
+          <a:bodyPr/>
+          <a:lstStyle/>
+          <a:p>
+            <a:r>
+              <a:rPr lang="en-US" dirty="0"/>
+              <a:t>Th</a:t>
+            </a:r>
+          </a:p>
+          <a:p>
+            <a:r>
+              <a:rPr lang="en-US" dirty="0" err="1"/>
+              <a:t>Thead</a:t>
+            </a:r>
+            <a:endParaRPr lang="en-US" dirty="0"/>
+          </a:p>
+          <a:p>
+            <a:r>
+              <a:rPr lang="en-US" dirty="0" err="1"/>
+              <a:t>Tbody</a:t>
+            </a:r>
+            <a:endParaRPr lang="en-US" dirty="0"/>
+          </a:p>
+          <a:p>
+            <a:r>
+              <a:rPr lang="en-US" dirty="0" err="1"/>
+              <a:t>Tfoot</a:t>
+            </a:r>
+            <a:r>
+              <a:rPr lang="en-US" dirty="0"/>
+              <a:t> </a:t>
+            </a:r>
+          </a:p>
+        </p:txBody>
+      </p:sp>
+    </p:spTree>
+    <p:extLst>
+      <p:ext uri="{BB962C8B-B14F-4D97-AF65-F5344CB8AC3E}">
+        <p14:creationId xmlns:p14="http://schemas.microsoft.com/office/powerpoint/2010/main" val="1607212165"/>
+      </p:ext>
+    </p:extLst>
+  </p:cSld>
+  <p:clrMapOvr>
+    <a:masterClrMapping/>
+  </p:clrMapOvr>
+</p:sld>
+</file>
+
 <file path=ppt/slides/slide2.xml><?xml version="1.0" encoding="utf-8"?>
 <p:sld xmlns:a="http://schemas.openxmlformats.org/drawingml/2006/main" xmlns:r="http://schemas.openxmlformats.org/officeDocument/2006/relationships" xmlns:p="http://schemas.openxmlformats.org/presentationml/2006/main">
   <p:cSld>
@@ -6252,6 +6371,297 @@
     <p:extLst>
       <p:ext uri="{BB962C8B-B14F-4D97-AF65-F5344CB8AC3E}">
         <p14:creationId xmlns:p14="http://schemas.microsoft.com/office/powerpoint/2010/main" val="4026068764"/>
+      </p:ext>
+    </p:extLst>
+  </p:cSld>
+  <p:clrMapOvr>
+    <a:masterClrMapping/>
+  </p:clrMapOvr>
+</p:sld>
+</file>
+
+<file path=ppt/slides/slide20.xml><?xml version="1.0" encoding="utf-8"?>
+<p:sld xmlns:a="http://schemas.openxmlformats.org/drawingml/2006/main" xmlns:r="http://schemas.openxmlformats.org/officeDocument/2006/relationships" xmlns:p="http://schemas.openxmlformats.org/presentationml/2006/main">
+  <p:cSld>
+    <p:spTree>
+      <p:nvGrpSpPr>
+        <p:cNvPr id="1" name=""/>
+        <p:cNvGrpSpPr/>
+        <p:nvPr/>
+      </p:nvGrpSpPr>
+      <p:grpSpPr>
+        <a:xfrm>
+          <a:off x="0" y="0"/>
+          <a:ext cx="0" cy="0"/>
+          <a:chOff x="0" y="0"/>
+          <a:chExt cx="0" cy="0"/>
+        </a:xfrm>
+      </p:grpSpPr>
+      <p:sp>
+        <p:nvSpPr>
+          <p:cNvPr id="2" name="Title 1">
+            <a:extLst>
+              <a:ext uri="{FF2B5EF4-FFF2-40B4-BE49-F238E27FC236}">
+                <a16:creationId xmlns:a16="http://schemas.microsoft.com/office/drawing/2014/main" id="{199F831B-5942-6AB3-EE48-4D1E3F888F0A}"/>
+              </a:ext>
+            </a:extLst>
+          </p:cNvPr>
+          <p:cNvSpPr>
+            <a:spLocks noGrp="1"/>
+          </p:cNvSpPr>
+          <p:nvPr>
+            <p:ph type="title"/>
+          </p:nvPr>
+        </p:nvSpPr>
+        <p:spPr/>
+        <p:txBody>
+          <a:bodyPr/>
+          <a:lstStyle/>
+          <a:p>
+            <a:r>
+              <a:rPr lang="en-US" dirty="0" err="1"/>
+              <a:t>Iframe</a:t>
+            </a:r>
+            <a:r>
+              <a:rPr lang="en-US" dirty="0"/>
+              <a:t> Tag</a:t>
+            </a:r>
+          </a:p>
+        </p:txBody>
+      </p:sp>
+      <p:sp>
+        <p:nvSpPr>
+          <p:cNvPr id="3" name="Content Placeholder 2">
+            <a:extLst>
+              <a:ext uri="{FF2B5EF4-FFF2-40B4-BE49-F238E27FC236}">
+                <a16:creationId xmlns:a16="http://schemas.microsoft.com/office/drawing/2014/main" id="{0B06EFD1-EBBE-A644-638D-40DEBEDD9632}"/>
+              </a:ext>
+            </a:extLst>
+          </p:cNvPr>
+          <p:cNvSpPr>
+            <a:spLocks noGrp="1"/>
+          </p:cNvSpPr>
+          <p:nvPr>
+            <p:ph idx="1"/>
+          </p:nvPr>
+        </p:nvSpPr>
+        <p:spPr/>
+        <p:txBody>
+          <a:bodyPr/>
+          <a:lstStyle/>
+          <a:p>
+            <a:endParaRPr lang="en-US"/>
+          </a:p>
+        </p:txBody>
+      </p:sp>
+    </p:spTree>
+    <p:extLst>
+      <p:ext uri="{BB962C8B-B14F-4D97-AF65-F5344CB8AC3E}">
+        <p14:creationId xmlns:p14="http://schemas.microsoft.com/office/powerpoint/2010/main" val="3913311562"/>
+      </p:ext>
+    </p:extLst>
+  </p:cSld>
+  <p:clrMapOvr>
+    <a:masterClrMapping/>
+  </p:clrMapOvr>
+</p:sld>
+</file>
+
+<file path=ppt/slides/slide21.xml><?xml version="1.0" encoding="utf-8"?>
+<p:sld xmlns:a="http://schemas.openxmlformats.org/drawingml/2006/main" xmlns:r="http://schemas.openxmlformats.org/officeDocument/2006/relationships" xmlns:p="http://schemas.openxmlformats.org/presentationml/2006/main">
+  <p:cSld>
+    <p:spTree>
+      <p:nvGrpSpPr>
+        <p:cNvPr id="1" name=""/>
+        <p:cNvGrpSpPr/>
+        <p:nvPr/>
+      </p:nvGrpSpPr>
+      <p:grpSpPr>
+        <a:xfrm>
+          <a:off x="0" y="0"/>
+          <a:ext cx="0" cy="0"/>
+          <a:chOff x="0" y="0"/>
+          <a:chExt cx="0" cy="0"/>
+        </a:xfrm>
+      </p:grpSpPr>
+      <p:sp>
+        <p:nvSpPr>
+          <p:cNvPr id="2" name="Title 1">
+            <a:extLst>
+              <a:ext uri="{FF2B5EF4-FFF2-40B4-BE49-F238E27FC236}">
+                <a16:creationId xmlns:a16="http://schemas.microsoft.com/office/drawing/2014/main" id="{B4FEBE3C-4670-FFFF-81A3-D930E5A0644B}"/>
+              </a:ext>
+            </a:extLst>
+          </p:cNvPr>
+          <p:cNvSpPr>
+            <a:spLocks noGrp="1"/>
+          </p:cNvSpPr>
+          <p:nvPr>
+            <p:ph type="title"/>
+          </p:nvPr>
+        </p:nvSpPr>
+        <p:spPr/>
+        <p:txBody>
+          <a:bodyPr/>
+          <a:lstStyle/>
+          <a:p>
+            <a:r>
+              <a:rPr lang="en-US" dirty="0"/>
+              <a:t>Type of Audio Formats</a:t>
+            </a:r>
+          </a:p>
+        </p:txBody>
+      </p:sp>
+      <p:sp>
+        <p:nvSpPr>
+          <p:cNvPr id="3" name="Content Placeholder 2">
+            <a:extLst>
+              <a:ext uri="{FF2B5EF4-FFF2-40B4-BE49-F238E27FC236}">
+                <a16:creationId xmlns:a16="http://schemas.microsoft.com/office/drawing/2014/main" id="{7D5C818A-93AE-790F-B627-384CA90AD728}"/>
+              </a:ext>
+            </a:extLst>
+          </p:cNvPr>
+          <p:cNvSpPr>
+            <a:spLocks noGrp="1"/>
+          </p:cNvSpPr>
+          <p:nvPr>
+            <p:ph idx="1"/>
+          </p:nvPr>
+        </p:nvSpPr>
+        <p:spPr>
+          <a:xfrm>
+            <a:off x="838200" y="1825625"/>
+            <a:ext cx="1918648" cy="4351338"/>
+          </a:xfrm>
+        </p:spPr>
+        <p:txBody>
+          <a:bodyPr/>
+          <a:lstStyle/>
+          <a:p>
+            <a:r>
+              <a:rPr lang="en-US" dirty="0"/>
+              <a:t>MP3</a:t>
+            </a:r>
+          </a:p>
+          <a:p>
+            <a:r>
+              <a:rPr lang="en-US" dirty="0" err="1"/>
+              <a:t>Ogg</a:t>
+            </a:r>
+            <a:endParaRPr lang="en-US" dirty="0"/>
+          </a:p>
+          <a:p>
+            <a:r>
+              <a:rPr lang="en-US" dirty="0"/>
+              <a:t>Wav</a:t>
+            </a:r>
+          </a:p>
+        </p:txBody>
+      </p:sp>
+    </p:spTree>
+    <p:extLst>
+      <p:ext uri="{BB962C8B-B14F-4D97-AF65-F5344CB8AC3E}">
+        <p14:creationId xmlns:p14="http://schemas.microsoft.com/office/powerpoint/2010/main" val="1940119148"/>
+      </p:ext>
+    </p:extLst>
+  </p:cSld>
+  <p:clrMapOvr>
+    <a:masterClrMapping/>
+  </p:clrMapOvr>
+</p:sld>
+</file>
+
+<file path=ppt/slides/slide22.xml><?xml version="1.0" encoding="utf-8"?>
+<p:sld xmlns:a="http://schemas.openxmlformats.org/drawingml/2006/main" xmlns:r="http://schemas.openxmlformats.org/officeDocument/2006/relationships" xmlns:p="http://schemas.openxmlformats.org/presentationml/2006/main">
+  <p:cSld>
+    <p:spTree>
+      <p:nvGrpSpPr>
+        <p:cNvPr id="1" name=""/>
+        <p:cNvGrpSpPr/>
+        <p:nvPr/>
+      </p:nvGrpSpPr>
+      <p:grpSpPr>
+        <a:xfrm>
+          <a:off x="0" y="0"/>
+          <a:ext cx="0" cy="0"/>
+          <a:chOff x="0" y="0"/>
+          <a:chExt cx="0" cy="0"/>
+        </a:xfrm>
+      </p:grpSpPr>
+      <p:sp>
+        <p:nvSpPr>
+          <p:cNvPr id="2" name="Title 1">
+            <a:extLst>
+              <a:ext uri="{FF2B5EF4-FFF2-40B4-BE49-F238E27FC236}">
+                <a16:creationId xmlns:a16="http://schemas.microsoft.com/office/drawing/2014/main" id="{3382C5FD-38B7-6CE3-9A59-8AB59142CFC0}"/>
+              </a:ext>
+            </a:extLst>
+          </p:cNvPr>
+          <p:cNvSpPr>
+            <a:spLocks noGrp="1"/>
+          </p:cNvSpPr>
+          <p:nvPr>
+            <p:ph type="title"/>
+          </p:nvPr>
+        </p:nvSpPr>
+        <p:spPr/>
+        <p:txBody>
+          <a:bodyPr/>
+          <a:lstStyle/>
+          <a:p>
+            <a:r>
+              <a:rPr lang="en-US" dirty="0"/>
+              <a:t>Type of Video Formats</a:t>
+            </a:r>
+          </a:p>
+        </p:txBody>
+      </p:sp>
+      <p:sp>
+        <p:nvSpPr>
+          <p:cNvPr id="3" name="Content Placeholder 2">
+            <a:extLst>
+              <a:ext uri="{FF2B5EF4-FFF2-40B4-BE49-F238E27FC236}">
+                <a16:creationId xmlns:a16="http://schemas.microsoft.com/office/drawing/2014/main" id="{E412666A-F1E7-581D-7F84-455BD9841DC4}"/>
+              </a:ext>
+            </a:extLst>
+          </p:cNvPr>
+          <p:cNvSpPr>
+            <a:spLocks noGrp="1"/>
+          </p:cNvSpPr>
+          <p:nvPr>
+            <p:ph idx="1"/>
+          </p:nvPr>
+        </p:nvSpPr>
+        <p:spPr/>
+        <p:txBody>
+          <a:bodyPr/>
+          <a:lstStyle/>
+          <a:p>
+            <a:r>
+              <a:rPr lang="en-US" dirty="0"/>
+              <a:t>MP4</a:t>
+            </a:r>
+          </a:p>
+          <a:p>
+            <a:r>
+              <a:rPr lang="en-US" dirty="0" err="1"/>
+              <a:t>WebM</a:t>
+            </a:r>
+            <a:endParaRPr lang="en-US" dirty="0"/>
+          </a:p>
+          <a:p>
+            <a:r>
+              <a:rPr lang="en-US" dirty="0" err="1"/>
+              <a:t>Ogg</a:t>
+            </a:r>
+            <a:endParaRPr lang="en-US" dirty="0"/>
+          </a:p>
+        </p:txBody>
+      </p:sp>
+    </p:spTree>
+    <p:extLst>
+      <p:ext uri="{BB962C8B-B14F-4D97-AF65-F5344CB8AC3E}">
+        <p14:creationId xmlns:p14="http://schemas.microsoft.com/office/powerpoint/2010/main" val="1758539011"/>
       </p:ext>
     </p:extLst>
   </p:cSld>

--- a/HTML.pptx
+++ b/HTML.pptx
@@ -27,6 +27,8 @@
     <p:sldId id="275" r:id="rId21"/>
     <p:sldId id="276" r:id="rId22"/>
     <p:sldId id="277" r:id="rId23"/>
+    <p:sldId id="278" r:id="rId24"/>
+    <p:sldId id="279" r:id="rId25"/>
   </p:sldIdLst>
   <p:sldSz cx="12192000" cy="6858000"/>
   <p:notesSz cx="6858000" cy="9144000"/>
@@ -280,7 +282,7 @@
           <a:p>
             <a:fld id="{52E34F83-CBF4-4BD8-AE97-253003458AA3}" type="datetimeFigureOut">
               <a:rPr lang="en-US" smtClean="0"/>
-              <a:t>11/23/2022</a:t>
+              <a:t>11/24/2022</a:t>
             </a:fld>
             <a:endParaRPr lang="en-US"/>
           </a:p>
@@ -478,7 +480,7 @@
           <a:p>
             <a:fld id="{52E34F83-CBF4-4BD8-AE97-253003458AA3}" type="datetimeFigureOut">
               <a:rPr lang="en-US" smtClean="0"/>
-              <a:t>11/23/2022</a:t>
+              <a:t>11/24/2022</a:t>
             </a:fld>
             <a:endParaRPr lang="en-US"/>
           </a:p>
@@ -686,7 +688,7 @@
           <a:p>
             <a:fld id="{52E34F83-CBF4-4BD8-AE97-253003458AA3}" type="datetimeFigureOut">
               <a:rPr lang="en-US" smtClean="0"/>
-              <a:t>11/23/2022</a:t>
+              <a:t>11/24/2022</a:t>
             </a:fld>
             <a:endParaRPr lang="en-US"/>
           </a:p>
@@ -884,7 +886,7 @@
           <a:p>
             <a:fld id="{52E34F83-CBF4-4BD8-AE97-253003458AA3}" type="datetimeFigureOut">
               <a:rPr lang="en-US" smtClean="0"/>
-              <a:t>11/23/2022</a:t>
+              <a:t>11/24/2022</a:t>
             </a:fld>
             <a:endParaRPr lang="en-US"/>
           </a:p>
@@ -1159,7 +1161,7 @@
           <a:p>
             <a:fld id="{52E34F83-CBF4-4BD8-AE97-253003458AA3}" type="datetimeFigureOut">
               <a:rPr lang="en-US" smtClean="0"/>
-              <a:t>11/23/2022</a:t>
+              <a:t>11/24/2022</a:t>
             </a:fld>
             <a:endParaRPr lang="en-US"/>
           </a:p>
@@ -1424,7 +1426,7 @@
           <a:p>
             <a:fld id="{52E34F83-CBF4-4BD8-AE97-253003458AA3}" type="datetimeFigureOut">
               <a:rPr lang="en-US" smtClean="0"/>
-              <a:t>11/23/2022</a:t>
+              <a:t>11/24/2022</a:t>
             </a:fld>
             <a:endParaRPr lang="en-US"/>
           </a:p>
@@ -1836,7 +1838,7 @@
           <a:p>
             <a:fld id="{52E34F83-CBF4-4BD8-AE97-253003458AA3}" type="datetimeFigureOut">
               <a:rPr lang="en-US" smtClean="0"/>
-              <a:t>11/23/2022</a:t>
+              <a:t>11/24/2022</a:t>
             </a:fld>
             <a:endParaRPr lang="en-US"/>
           </a:p>
@@ -1977,7 +1979,7 @@
           <a:p>
             <a:fld id="{52E34F83-CBF4-4BD8-AE97-253003458AA3}" type="datetimeFigureOut">
               <a:rPr lang="en-US" smtClean="0"/>
-              <a:t>11/23/2022</a:t>
+              <a:t>11/24/2022</a:t>
             </a:fld>
             <a:endParaRPr lang="en-US"/>
           </a:p>
@@ -2090,7 +2092,7 @@
           <a:p>
             <a:fld id="{52E34F83-CBF4-4BD8-AE97-253003458AA3}" type="datetimeFigureOut">
               <a:rPr lang="en-US" smtClean="0"/>
-              <a:t>11/23/2022</a:t>
+              <a:t>11/24/2022</a:t>
             </a:fld>
             <a:endParaRPr lang="en-US"/>
           </a:p>
@@ -2401,7 +2403,7 @@
           <a:p>
             <a:fld id="{52E34F83-CBF4-4BD8-AE97-253003458AA3}" type="datetimeFigureOut">
               <a:rPr lang="en-US" smtClean="0"/>
-              <a:t>11/23/2022</a:t>
+              <a:t>11/24/2022</a:t>
             </a:fld>
             <a:endParaRPr lang="en-US"/>
           </a:p>
@@ -2689,7 +2691,7 @@
           <a:p>
             <a:fld id="{52E34F83-CBF4-4BD8-AE97-253003458AA3}" type="datetimeFigureOut">
               <a:rPr lang="en-US" smtClean="0"/>
-              <a:t>11/23/2022</a:t>
+              <a:t>11/24/2022</a:t>
             </a:fld>
             <a:endParaRPr lang="en-US"/>
           </a:p>
@@ -2930,7 +2932,7 @@
           <a:p>
             <a:fld id="{52E34F83-CBF4-4BD8-AE97-253003458AA3}" type="datetimeFigureOut">
               <a:rPr lang="en-US" smtClean="0"/>
-              <a:t>11/23/2022</a:t>
+              <a:t>11/24/2022</a:t>
             </a:fld>
             <a:endParaRPr lang="en-US"/>
           </a:p>
@@ -6671,6 +6673,1813 @@
 </p:sld>
 </file>
 
+<file path=ppt/slides/slide23.xml><?xml version="1.0" encoding="utf-8"?>
+<p:sld xmlns:a="http://schemas.openxmlformats.org/drawingml/2006/main" xmlns:r="http://schemas.openxmlformats.org/officeDocument/2006/relationships" xmlns:p="http://schemas.openxmlformats.org/presentationml/2006/main">
+  <p:cSld>
+    <p:spTree>
+      <p:nvGrpSpPr>
+        <p:cNvPr id="1" name=""/>
+        <p:cNvGrpSpPr/>
+        <p:nvPr/>
+      </p:nvGrpSpPr>
+      <p:grpSpPr>
+        <a:xfrm>
+          <a:off x="0" y="0"/>
+          <a:ext cx="0" cy="0"/>
+          <a:chOff x="0" y="0"/>
+          <a:chExt cx="0" cy="0"/>
+        </a:xfrm>
+      </p:grpSpPr>
+      <p:sp>
+        <p:nvSpPr>
+          <p:cNvPr id="4" name="TextBox 3">
+            <a:extLst>
+              <a:ext uri="{FF2B5EF4-FFF2-40B4-BE49-F238E27FC236}">
+                <a16:creationId xmlns:a16="http://schemas.microsoft.com/office/drawing/2014/main" id="{41279A01-AC0C-E99C-F9D4-35662478F4BB}"/>
+              </a:ext>
+            </a:extLst>
+          </p:cNvPr>
+          <p:cNvSpPr txBox="1"/>
+          <p:nvPr/>
+        </p:nvSpPr>
+        <p:spPr>
+          <a:xfrm>
+            <a:off x="1078173" y="791570"/>
+            <a:ext cx="744114" cy="369332"/>
+          </a:xfrm>
+          <a:prstGeom prst="rect">
+            <a:avLst/>
+          </a:prstGeom>
+          <a:noFill/>
+        </p:spPr>
+        <p:txBody>
+          <a:bodyPr wrap="none" rtlCol="0">
+            <a:spAutoFit/>
+          </a:bodyPr>
+          <a:lstStyle/>
+          <a:p>
+            <a:r>
+              <a:rPr lang="en-US" dirty="0"/>
+              <a:t>Name</a:t>
+            </a:r>
+          </a:p>
+        </p:txBody>
+      </p:sp>
+      <p:sp>
+        <p:nvSpPr>
+          <p:cNvPr id="5" name="TextBox 4">
+            <a:extLst>
+              <a:ext uri="{FF2B5EF4-FFF2-40B4-BE49-F238E27FC236}">
+                <a16:creationId xmlns:a16="http://schemas.microsoft.com/office/drawing/2014/main" id="{406D8419-DA59-DF7A-E7F5-6B49FA0B3C51}"/>
+              </a:ext>
+            </a:extLst>
+          </p:cNvPr>
+          <p:cNvSpPr txBox="1"/>
+          <p:nvPr/>
+        </p:nvSpPr>
+        <p:spPr>
+          <a:xfrm>
+            <a:off x="1078173" y="1446662"/>
+            <a:ext cx="1070999" cy="369332"/>
+          </a:xfrm>
+          <a:prstGeom prst="rect">
+            <a:avLst/>
+          </a:prstGeom>
+          <a:noFill/>
+        </p:spPr>
+        <p:txBody>
+          <a:bodyPr wrap="none" rtlCol="0">
+            <a:spAutoFit/>
+          </a:bodyPr>
+          <a:lstStyle/>
+          <a:p>
+            <a:r>
+              <a:rPr lang="en-US" dirty="0"/>
+              <a:t>Password</a:t>
+            </a:r>
+          </a:p>
+        </p:txBody>
+      </p:sp>
+      <p:sp>
+        <p:nvSpPr>
+          <p:cNvPr id="6" name="TextBox 5">
+            <a:extLst>
+              <a:ext uri="{FF2B5EF4-FFF2-40B4-BE49-F238E27FC236}">
+                <a16:creationId xmlns:a16="http://schemas.microsoft.com/office/drawing/2014/main" id="{D491B5EB-B3E6-B693-08C2-4A700030D5D0}"/>
+              </a:ext>
+            </a:extLst>
+          </p:cNvPr>
+          <p:cNvSpPr txBox="1"/>
+          <p:nvPr/>
+        </p:nvSpPr>
+        <p:spPr>
+          <a:xfrm>
+            <a:off x="1078173" y="2102596"/>
+            <a:ext cx="885179" cy="369332"/>
+          </a:xfrm>
+          <a:prstGeom prst="rect">
+            <a:avLst/>
+          </a:prstGeom>
+          <a:noFill/>
+        </p:spPr>
+        <p:txBody>
+          <a:bodyPr wrap="none" rtlCol="0">
+            <a:spAutoFit/>
+          </a:bodyPr>
+          <a:lstStyle/>
+          <a:p>
+            <a:r>
+              <a:rPr lang="en-US" dirty="0"/>
+              <a:t>Gender</a:t>
+            </a:r>
+          </a:p>
+        </p:txBody>
+      </p:sp>
+      <p:sp>
+        <p:nvSpPr>
+          <p:cNvPr id="7" name="TextBox 6">
+            <a:extLst>
+              <a:ext uri="{FF2B5EF4-FFF2-40B4-BE49-F238E27FC236}">
+                <a16:creationId xmlns:a16="http://schemas.microsoft.com/office/drawing/2014/main" id="{D870B52C-7D88-43A7-64F5-7F5572ABE8CE}"/>
+              </a:ext>
+            </a:extLst>
+          </p:cNvPr>
+          <p:cNvSpPr txBox="1"/>
+          <p:nvPr/>
+        </p:nvSpPr>
+        <p:spPr>
+          <a:xfrm>
+            <a:off x="1078173" y="2757688"/>
+            <a:ext cx="952505" cy="369332"/>
+          </a:xfrm>
+          <a:prstGeom prst="rect">
+            <a:avLst/>
+          </a:prstGeom>
+          <a:noFill/>
+        </p:spPr>
+        <p:txBody>
+          <a:bodyPr wrap="none" rtlCol="0">
+            <a:spAutoFit/>
+          </a:bodyPr>
+          <a:lstStyle/>
+          <a:p>
+            <a:r>
+              <a:rPr lang="en-US" dirty="0"/>
+              <a:t>Hobbies</a:t>
+            </a:r>
+          </a:p>
+        </p:txBody>
+      </p:sp>
+      <p:sp>
+        <p:nvSpPr>
+          <p:cNvPr id="8" name="TextBox 7">
+            <a:extLst>
+              <a:ext uri="{FF2B5EF4-FFF2-40B4-BE49-F238E27FC236}">
+                <a16:creationId xmlns:a16="http://schemas.microsoft.com/office/drawing/2014/main" id="{BEEB50D9-BA92-3ABA-9981-45DC768E1CC2}"/>
+              </a:ext>
+            </a:extLst>
+          </p:cNvPr>
+          <p:cNvSpPr txBox="1"/>
+          <p:nvPr/>
+        </p:nvSpPr>
+        <p:spPr>
+          <a:xfrm>
+            <a:off x="1078173" y="3487002"/>
+            <a:ext cx="933910" cy="369332"/>
+          </a:xfrm>
+          <a:prstGeom prst="rect">
+            <a:avLst/>
+          </a:prstGeom>
+          <a:noFill/>
+        </p:spPr>
+        <p:txBody>
+          <a:bodyPr wrap="none" rtlCol="0">
+            <a:spAutoFit/>
+          </a:bodyPr>
+          <a:lstStyle/>
+          <a:p>
+            <a:r>
+              <a:rPr lang="en-US" dirty="0"/>
+              <a:t>Country</a:t>
+            </a:r>
+          </a:p>
+        </p:txBody>
+      </p:sp>
+      <p:sp>
+        <p:nvSpPr>
+          <p:cNvPr id="9" name="TextBox 8">
+            <a:extLst>
+              <a:ext uri="{FF2B5EF4-FFF2-40B4-BE49-F238E27FC236}">
+                <a16:creationId xmlns:a16="http://schemas.microsoft.com/office/drawing/2014/main" id="{51849318-2A6C-2BAE-9C47-A4374696D9A7}"/>
+              </a:ext>
+            </a:extLst>
+          </p:cNvPr>
+          <p:cNvSpPr txBox="1"/>
+          <p:nvPr/>
+        </p:nvSpPr>
+        <p:spPr>
+          <a:xfrm>
+            <a:off x="1078173" y="4142094"/>
+            <a:ext cx="1009892" cy="369332"/>
+          </a:xfrm>
+          <a:prstGeom prst="rect">
+            <a:avLst/>
+          </a:prstGeom>
+          <a:noFill/>
+        </p:spPr>
+        <p:txBody>
+          <a:bodyPr wrap="none" rtlCol="0">
+            <a:spAutoFit/>
+          </a:bodyPr>
+          <a:lstStyle/>
+          <a:p>
+            <a:r>
+              <a:rPr lang="en-US" dirty="0"/>
+              <a:t>Message</a:t>
+            </a:r>
+          </a:p>
+        </p:txBody>
+      </p:sp>
+      <p:sp>
+        <p:nvSpPr>
+          <p:cNvPr id="10" name="Rectangle 9">
+            <a:extLst>
+              <a:ext uri="{FF2B5EF4-FFF2-40B4-BE49-F238E27FC236}">
+                <a16:creationId xmlns:a16="http://schemas.microsoft.com/office/drawing/2014/main" id="{1347A780-CAAB-3D26-3DF2-CA9EDC4D027D}"/>
+              </a:ext>
+            </a:extLst>
+          </p:cNvPr>
+          <p:cNvSpPr/>
+          <p:nvPr/>
+        </p:nvSpPr>
+        <p:spPr>
+          <a:xfrm>
+            <a:off x="2336043" y="853406"/>
+            <a:ext cx="2825086" cy="369332"/>
+          </a:xfrm>
+          <a:prstGeom prst="rect">
+            <a:avLst/>
+          </a:prstGeom>
+          <a:noFill/>
+        </p:spPr>
+        <p:style>
+          <a:lnRef idx="2">
+            <a:schemeClr val="accent1">
+              <a:shade val="50000"/>
+            </a:schemeClr>
+          </a:lnRef>
+          <a:fillRef idx="1">
+            <a:schemeClr val="accent1"/>
+          </a:fillRef>
+          <a:effectRef idx="0">
+            <a:schemeClr val="accent1"/>
+          </a:effectRef>
+          <a:fontRef idx="minor">
+            <a:schemeClr val="lt1"/>
+          </a:fontRef>
+        </p:style>
+        <p:txBody>
+          <a:bodyPr rtlCol="0" anchor="ctr"/>
+          <a:lstStyle/>
+          <a:p>
+            <a:pPr algn="ctr"/>
+            <a:endParaRPr lang="en-US"/>
+          </a:p>
+        </p:txBody>
+      </p:sp>
+      <p:sp>
+        <p:nvSpPr>
+          <p:cNvPr id="11" name="Rectangle 10">
+            <a:extLst>
+              <a:ext uri="{FF2B5EF4-FFF2-40B4-BE49-F238E27FC236}">
+                <a16:creationId xmlns:a16="http://schemas.microsoft.com/office/drawing/2014/main" id="{70404B76-0CDB-62FB-33F0-3078D8730120}"/>
+              </a:ext>
+            </a:extLst>
+          </p:cNvPr>
+          <p:cNvSpPr/>
+          <p:nvPr/>
+        </p:nvSpPr>
+        <p:spPr>
+          <a:xfrm>
+            <a:off x="2291158" y="1446662"/>
+            <a:ext cx="2825086" cy="369332"/>
+          </a:xfrm>
+          <a:prstGeom prst="rect">
+            <a:avLst/>
+          </a:prstGeom>
+          <a:noFill/>
+        </p:spPr>
+        <p:style>
+          <a:lnRef idx="2">
+            <a:schemeClr val="accent1">
+              <a:shade val="50000"/>
+            </a:schemeClr>
+          </a:lnRef>
+          <a:fillRef idx="1">
+            <a:schemeClr val="accent1"/>
+          </a:fillRef>
+          <a:effectRef idx="0">
+            <a:schemeClr val="accent1"/>
+          </a:effectRef>
+          <a:fontRef idx="minor">
+            <a:schemeClr val="lt1"/>
+          </a:fontRef>
+        </p:style>
+        <p:txBody>
+          <a:bodyPr rtlCol="0" anchor="ctr"/>
+          <a:lstStyle/>
+          <a:p>
+            <a:pPr algn="ctr"/>
+            <a:endParaRPr lang="en-US"/>
+          </a:p>
+        </p:txBody>
+      </p:sp>
+      <p:sp>
+        <p:nvSpPr>
+          <p:cNvPr id="12" name="Oval 11">
+            <a:extLst>
+              <a:ext uri="{FF2B5EF4-FFF2-40B4-BE49-F238E27FC236}">
+                <a16:creationId xmlns:a16="http://schemas.microsoft.com/office/drawing/2014/main" id="{848B183C-9E45-C9E1-7D7D-CCB9A3369868}"/>
+              </a:ext>
+            </a:extLst>
+          </p:cNvPr>
+          <p:cNvSpPr/>
+          <p:nvPr/>
+        </p:nvSpPr>
+        <p:spPr>
+          <a:xfrm>
+            <a:off x="2511188" y="2102596"/>
+            <a:ext cx="409433" cy="369332"/>
+          </a:xfrm>
+          <a:prstGeom prst="ellipse">
+            <a:avLst/>
+          </a:prstGeom>
+          <a:noFill/>
+        </p:spPr>
+        <p:style>
+          <a:lnRef idx="2">
+            <a:schemeClr val="accent1">
+              <a:shade val="50000"/>
+            </a:schemeClr>
+          </a:lnRef>
+          <a:fillRef idx="1">
+            <a:schemeClr val="accent1"/>
+          </a:fillRef>
+          <a:effectRef idx="0">
+            <a:schemeClr val="accent1"/>
+          </a:effectRef>
+          <a:fontRef idx="minor">
+            <a:schemeClr val="lt1"/>
+          </a:fontRef>
+        </p:style>
+        <p:txBody>
+          <a:bodyPr rtlCol="0" anchor="ctr"/>
+          <a:lstStyle/>
+          <a:p>
+            <a:pPr algn="ctr"/>
+            <a:endParaRPr lang="en-US"/>
+          </a:p>
+        </p:txBody>
+      </p:sp>
+      <p:sp>
+        <p:nvSpPr>
+          <p:cNvPr id="13" name="Oval 12">
+            <a:extLst>
+              <a:ext uri="{FF2B5EF4-FFF2-40B4-BE49-F238E27FC236}">
+                <a16:creationId xmlns:a16="http://schemas.microsoft.com/office/drawing/2014/main" id="{F3A6E5F4-D473-2399-7B2A-14FA42A60816}"/>
+              </a:ext>
+            </a:extLst>
+          </p:cNvPr>
+          <p:cNvSpPr/>
+          <p:nvPr/>
+        </p:nvSpPr>
+        <p:spPr>
+          <a:xfrm>
+            <a:off x="3946481" y="2102596"/>
+            <a:ext cx="409433" cy="369332"/>
+          </a:xfrm>
+          <a:prstGeom prst="ellipse">
+            <a:avLst/>
+          </a:prstGeom>
+          <a:noFill/>
+        </p:spPr>
+        <p:style>
+          <a:lnRef idx="2">
+            <a:schemeClr val="accent1">
+              <a:shade val="50000"/>
+            </a:schemeClr>
+          </a:lnRef>
+          <a:fillRef idx="1">
+            <a:schemeClr val="accent1"/>
+          </a:fillRef>
+          <a:effectRef idx="0">
+            <a:schemeClr val="accent1"/>
+          </a:effectRef>
+          <a:fontRef idx="minor">
+            <a:schemeClr val="lt1"/>
+          </a:fontRef>
+        </p:style>
+        <p:txBody>
+          <a:bodyPr rtlCol="0" anchor="ctr"/>
+          <a:lstStyle/>
+          <a:p>
+            <a:pPr algn="ctr"/>
+            <a:endParaRPr lang="en-US"/>
+          </a:p>
+        </p:txBody>
+      </p:sp>
+      <p:sp>
+        <p:nvSpPr>
+          <p:cNvPr id="14" name="TextBox 13">
+            <a:extLst>
+              <a:ext uri="{FF2B5EF4-FFF2-40B4-BE49-F238E27FC236}">
+                <a16:creationId xmlns:a16="http://schemas.microsoft.com/office/drawing/2014/main" id="{ED781F33-E325-9F8F-0AC9-98E8E4CB4431}"/>
+              </a:ext>
+            </a:extLst>
+          </p:cNvPr>
+          <p:cNvSpPr txBox="1"/>
+          <p:nvPr/>
+        </p:nvSpPr>
+        <p:spPr>
+          <a:xfrm>
+            <a:off x="2920621" y="2144380"/>
+            <a:ext cx="660758" cy="369332"/>
+          </a:xfrm>
+          <a:prstGeom prst="rect">
+            <a:avLst/>
+          </a:prstGeom>
+          <a:noFill/>
+        </p:spPr>
+        <p:txBody>
+          <a:bodyPr wrap="none" rtlCol="0">
+            <a:spAutoFit/>
+          </a:bodyPr>
+          <a:lstStyle/>
+          <a:p>
+            <a:r>
+              <a:rPr lang="en-US" dirty="0"/>
+              <a:t>Male</a:t>
+            </a:r>
+          </a:p>
+        </p:txBody>
+      </p:sp>
+      <p:sp>
+        <p:nvSpPr>
+          <p:cNvPr id="15" name="TextBox 14">
+            <a:extLst>
+              <a:ext uri="{FF2B5EF4-FFF2-40B4-BE49-F238E27FC236}">
+                <a16:creationId xmlns:a16="http://schemas.microsoft.com/office/drawing/2014/main" id="{75019B92-1980-DF08-D21E-EA4089E301B4}"/>
+              </a:ext>
+            </a:extLst>
+          </p:cNvPr>
+          <p:cNvSpPr txBox="1"/>
+          <p:nvPr/>
+        </p:nvSpPr>
+        <p:spPr>
+          <a:xfrm>
+            <a:off x="4390637" y="2102596"/>
+            <a:ext cx="865750" cy="369332"/>
+          </a:xfrm>
+          <a:prstGeom prst="rect">
+            <a:avLst/>
+          </a:prstGeom>
+          <a:noFill/>
+        </p:spPr>
+        <p:txBody>
+          <a:bodyPr wrap="none" rtlCol="0">
+            <a:spAutoFit/>
+          </a:bodyPr>
+          <a:lstStyle/>
+          <a:p>
+            <a:r>
+              <a:rPr lang="en-US" dirty="0"/>
+              <a:t>Female</a:t>
+            </a:r>
+          </a:p>
+        </p:txBody>
+      </p:sp>
+      <p:sp>
+        <p:nvSpPr>
+          <p:cNvPr id="16" name="Rectangle 15">
+            <a:extLst>
+              <a:ext uri="{FF2B5EF4-FFF2-40B4-BE49-F238E27FC236}">
+                <a16:creationId xmlns:a16="http://schemas.microsoft.com/office/drawing/2014/main" id="{F17E2552-9298-A04C-C7D6-CC76D89466EB}"/>
+              </a:ext>
+            </a:extLst>
+          </p:cNvPr>
+          <p:cNvSpPr/>
+          <p:nvPr/>
+        </p:nvSpPr>
+        <p:spPr>
+          <a:xfrm>
+            <a:off x="2336043" y="2757688"/>
+            <a:ext cx="584578" cy="490479"/>
+          </a:xfrm>
+          <a:prstGeom prst="rect">
+            <a:avLst/>
+          </a:prstGeom>
+          <a:noFill/>
+        </p:spPr>
+        <p:style>
+          <a:lnRef idx="2">
+            <a:schemeClr val="accent1">
+              <a:shade val="50000"/>
+            </a:schemeClr>
+          </a:lnRef>
+          <a:fillRef idx="1">
+            <a:schemeClr val="accent1"/>
+          </a:fillRef>
+          <a:effectRef idx="0">
+            <a:schemeClr val="accent1"/>
+          </a:effectRef>
+          <a:fontRef idx="minor">
+            <a:schemeClr val="lt1"/>
+          </a:fontRef>
+        </p:style>
+        <p:txBody>
+          <a:bodyPr rtlCol="0" anchor="ctr"/>
+          <a:lstStyle/>
+          <a:p>
+            <a:pPr algn="ctr"/>
+            <a:endParaRPr lang="en-US"/>
+          </a:p>
+        </p:txBody>
+      </p:sp>
+      <p:sp>
+        <p:nvSpPr>
+          <p:cNvPr id="17" name="Rectangle 16">
+            <a:extLst>
+              <a:ext uri="{FF2B5EF4-FFF2-40B4-BE49-F238E27FC236}">
+                <a16:creationId xmlns:a16="http://schemas.microsoft.com/office/drawing/2014/main" id="{0E463144-EA35-0594-ECFC-667563896130}"/>
+              </a:ext>
+            </a:extLst>
+          </p:cNvPr>
+          <p:cNvSpPr/>
+          <p:nvPr/>
+        </p:nvSpPr>
+        <p:spPr>
+          <a:xfrm>
+            <a:off x="4641397" y="2757687"/>
+            <a:ext cx="584578" cy="490479"/>
+          </a:xfrm>
+          <a:prstGeom prst="rect">
+            <a:avLst/>
+          </a:prstGeom>
+          <a:noFill/>
+        </p:spPr>
+        <p:style>
+          <a:lnRef idx="2">
+            <a:schemeClr val="accent1">
+              <a:shade val="50000"/>
+            </a:schemeClr>
+          </a:lnRef>
+          <a:fillRef idx="1">
+            <a:schemeClr val="accent1"/>
+          </a:fillRef>
+          <a:effectRef idx="0">
+            <a:schemeClr val="accent1"/>
+          </a:effectRef>
+          <a:fontRef idx="minor">
+            <a:schemeClr val="lt1"/>
+          </a:fontRef>
+        </p:style>
+        <p:txBody>
+          <a:bodyPr rtlCol="0" anchor="ctr"/>
+          <a:lstStyle/>
+          <a:p>
+            <a:pPr algn="ctr"/>
+            <a:endParaRPr lang="en-US"/>
+          </a:p>
+        </p:txBody>
+      </p:sp>
+      <p:sp>
+        <p:nvSpPr>
+          <p:cNvPr id="18" name="Rectangle 17">
+            <a:extLst>
+              <a:ext uri="{FF2B5EF4-FFF2-40B4-BE49-F238E27FC236}">
+                <a16:creationId xmlns:a16="http://schemas.microsoft.com/office/drawing/2014/main" id="{E4EC6C5A-25AC-0F42-F189-E2DDF7AC0467}"/>
+              </a:ext>
+            </a:extLst>
+          </p:cNvPr>
+          <p:cNvSpPr/>
+          <p:nvPr/>
+        </p:nvSpPr>
+        <p:spPr>
+          <a:xfrm>
+            <a:off x="6145692" y="2718422"/>
+            <a:ext cx="584578" cy="490479"/>
+          </a:xfrm>
+          <a:prstGeom prst="rect">
+            <a:avLst/>
+          </a:prstGeom>
+          <a:noFill/>
+        </p:spPr>
+        <p:style>
+          <a:lnRef idx="2">
+            <a:schemeClr val="accent1">
+              <a:shade val="50000"/>
+            </a:schemeClr>
+          </a:lnRef>
+          <a:fillRef idx="1">
+            <a:schemeClr val="accent1"/>
+          </a:fillRef>
+          <a:effectRef idx="0">
+            <a:schemeClr val="accent1"/>
+          </a:effectRef>
+          <a:fontRef idx="minor">
+            <a:schemeClr val="lt1"/>
+          </a:fontRef>
+        </p:style>
+        <p:txBody>
+          <a:bodyPr rtlCol="0" anchor="ctr"/>
+          <a:lstStyle/>
+          <a:p>
+            <a:pPr algn="ctr"/>
+            <a:endParaRPr lang="en-US"/>
+          </a:p>
+        </p:txBody>
+      </p:sp>
+      <p:sp>
+        <p:nvSpPr>
+          <p:cNvPr id="19" name="TextBox 18">
+            <a:extLst>
+              <a:ext uri="{FF2B5EF4-FFF2-40B4-BE49-F238E27FC236}">
+                <a16:creationId xmlns:a16="http://schemas.microsoft.com/office/drawing/2014/main" id="{CB360C00-9D59-4E44-B7C3-7DC193946C58}"/>
+              </a:ext>
+            </a:extLst>
+          </p:cNvPr>
+          <p:cNvSpPr txBox="1"/>
+          <p:nvPr/>
+        </p:nvSpPr>
+        <p:spPr>
+          <a:xfrm>
+            <a:off x="3028111" y="2839994"/>
+            <a:ext cx="1550681" cy="369332"/>
+          </a:xfrm>
+          <a:prstGeom prst="rect">
+            <a:avLst/>
+          </a:prstGeom>
+          <a:noFill/>
+        </p:spPr>
+        <p:txBody>
+          <a:bodyPr wrap="none" rtlCol="0">
+            <a:spAutoFit/>
+          </a:bodyPr>
+          <a:lstStyle/>
+          <a:p>
+            <a:r>
+              <a:rPr lang="en-US" dirty="0"/>
+              <a:t>Books Reading</a:t>
+            </a:r>
+          </a:p>
+        </p:txBody>
+      </p:sp>
+      <p:sp>
+        <p:nvSpPr>
+          <p:cNvPr id="20" name="TextBox 19">
+            <a:extLst>
+              <a:ext uri="{FF2B5EF4-FFF2-40B4-BE49-F238E27FC236}">
+                <a16:creationId xmlns:a16="http://schemas.microsoft.com/office/drawing/2014/main" id="{D16FCAF6-8123-694A-CB94-F446CC523AED}"/>
+              </a:ext>
+            </a:extLst>
+          </p:cNvPr>
+          <p:cNvSpPr txBox="1"/>
+          <p:nvPr/>
+        </p:nvSpPr>
+        <p:spPr>
+          <a:xfrm>
+            <a:off x="5312092" y="2818259"/>
+            <a:ext cx="744114" cy="369332"/>
+          </a:xfrm>
+          <a:prstGeom prst="rect">
+            <a:avLst/>
+          </a:prstGeom>
+          <a:noFill/>
+        </p:spPr>
+        <p:txBody>
+          <a:bodyPr wrap="none" rtlCol="0">
+            <a:spAutoFit/>
+          </a:bodyPr>
+          <a:lstStyle/>
+          <a:p>
+            <a:r>
+              <a:rPr lang="en-US" dirty="0"/>
+              <a:t>Music</a:t>
+            </a:r>
+          </a:p>
+        </p:txBody>
+      </p:sp>
+      <p:sp>
+        <p:nvSpPr>
+          <p:cNvPr id="21" name="TextBox 20">
+            <a:extLst>
+              <a:ext uri="{FF2B5EF4-FFF2-40B4-BE49-F238E27FC236}">
+                <a16:creationId xmlns:a16="http://schemas.microsoft.com/office/drawing/2014/main" id="{1CB4CE99-8E8A-2C59-087E-8AA095E08D7F}"/>
+              </a:ext>
+            </a:extLst>
+          </p:cNvPr>
+          <p:cNvSpPr txBox="1"/>
+          <p:nvPr/>
+        </p:nvSpPr>
+        <p:spPr>
+          <a:xfrm>
+            <a:off x="6730270" y="2839994"/>
+            <a:ext cx="1071640" cy="369332"/>
+          </a:xfrm>
+          <a:prstGeom prst="rect">
+            <a:avLst/>
+          </a:prstGeom>
+          <a:noFill/>
+        </p:spPr>
+        <p:txBody>
+          <a:bodyPr wrap="none" rtlCol="0">
+            <a:spAutoFit/>
+          </a:bodyPr>
+          <a:lstStyle/>
+          <a:p>
+            <a:r>
+              <a:rPr lang="en-US" dirty="0"/>
+              <a:t>Travelling</a:t>
+            </a:r>
+          </a:p>
+        </p:txBody>
+      </p:sp>
+      <p:sp>
+        <p:nvSpPr>
+          <p:cNvPr id="22" name="Rectangle 21">
+            <a:extLst>
+              <a:ext uri="{FF2B5EF4-FFF2-40B4-BE49-F238E27FC236}">
+                <a16:creationId xmlns:a16="http://schemas.microsoft.com/office/drawing/2014/main" id="{0329CDC9-DBB0-4AEF-5EFA-82C38A3AA71D}"/>
+              </a:ext>
+            </a:extLst>
+          </p:cNvPr>
+          <p:cNvSpPr/>
+          <p:nvPr/>
+        </p:nvSpPr>
+        <p:spPr>
+          <a:xfrm>
+            <a:off x="2336043" y="3495928"/>
+            <a:ext cx="2825086" cy="369332"/>
+          </a:xfrm>
+          <a:prstGeom prst="rect">
+            <a:avLst/>
+          </a:prstGeom>
+          <a:noFill/>
+        </p:spPr>
+        <p:style>
+          <a:lnRef idx="2">
+            <a:schemeClr val="accent1">
+              <a:shade val="50000"/>
+            </a:schemeClr>
+          </a:lnRef>
+          <a:fillRef idx="1">
+            <a:schemeClr val="accent1"/>
+          </a:fillRef>
+          <a:effectRef idx="0">
+            <a:schemeClr val="accent1"/>
+          </a:effectRef>
+          <a:fontRef idx="minor">
+            <a:schemeClr val="lt1"/>
+          </a:fontRef>
+        </p:style>
+        <p:txBody>
+          <a:bodyPr rtlCol="0" anchor="ctr"/>
+          <a:lstStyle/>
+          <a:p>
+            <a:pPr algn="ctr"/>
+            <a:endParaRPr lang="en-US"/>
+          </a:p>
+        </p:txBody>
+      </p:sp>
+      <p:grpSp>
+        <p:nvGrpSpPr>
+          <p:cNvPr id="25" name="Group 24">
+            <a:extLst>
+              <a:ext uri="{FF2B5EF4-FFF2-40B4-BE49-F238E27FC236}">
+                <a16:creationId xmlns:a16="http://schemas.microsoft.com/office/drawing/2014/main" id="{6C550654-532F-88CE-F6D9-277E5F78C012}"/>
+              </a:ext>
+            </a:extLst>
+          </p:cNvPr>
+          <p:cNvGrpSpPr/>
+          <p:nvPr/>
+        </p:nvGrpSpPr>
+        <p:grpSpPr>
+          <a:xfrm>
+            <a:off x="5191899" y="3409742"/>
+            <a:ext cx="584578" cy="490479"/>
+            <a:chOff x="5450089" y="3495928"/>
+            <a:chExt cx="584578" cy="490479"/>
+          </a:xfrm>
+        </p:grpSpPr>
+        <p:sp>
+          <p:nvSpPr>
+            <p:cNvPr id="23" name="Rectangle 22">
+              <a:extLst>
+                <a:ext uri="{FF2B5EF4-FFF2-40B4-BE49-F238E27FC236}">
+                  <a16:creationId xmlns:a16="http://schemas.microsoft.com/office/drawing/2014/main" id="{AB3A201E-ECB0-317E-59C6-3A7F658C5718}"/>
+                </a:ext>
+              </a:extLst>
+            </p:cNvPr>
+            <p:cNvSpPr/>
+            <p:nvPr/>
+          </p:nvSpPr>
+          <p:spPr>
+            <a:xfrm>
+              <a:off x="5450089" y="3495928"/>
+              <a:ext cx="584578" cy="490479"/>
+            </a:xfrm>
+            <a:prstGeom prst="rect">
+              <a:avLst/>
+            </a:prstGeom>
+          </p:spPr>
+          <p:style>
+            <a:lnRef idx="2">
+              <a:schemeClr val="accent1">
+                <a:shade val="50000"/>
+              </a:schemeClr>
+            </a:lnRef>
+            <a:fillRef idx="1">
+              <a:schemeClr val="accent1"/>
+            </a:fillRef>
+            <a:effectRef idx="0">
+              <a:schemeClr val="accent1"/>
+            </a:effectRef>
+            <a:fontRef idx="minor">
+              <a:schemeClr val="lt1"/>
+            </a:fontRef>
+          </p:style>
+          <p:txBody>
+            <a:bodyPr rtlCol="0" anchor="ctr"/>
+            <a:lstStyle/>
+            <a:p>
+              <a:pPr algn="ctr"/>
+              <a:endParaRPr lang="en-US"/>
+            </a:p>
+          </p:txBody>
+        </p:sp>
+        <p:sp>
+          <p:nvSpPr>
+            <p:cNvPr id="24" name="Isosceles Triangle 23">
+              <a:extLst>
+                <a:ext uri="{FF2B5EF4-FFF2-40B4-BE49-F238E27FC236}">
+                  <a16:creationId xmlns:a16="http://schemas.microsoft.com/office/drawing/2014/main" id="{42708A7A-7E3D-DF83-33D2-9DCFE71929B6}"/>
+                </a:ext>
+              </a:extLst>
+            </p:cNvPr>
+            <p:cNvSpPr/>
+            <p:nvPr/>
+          </p:nvSpPr>
+          <p:spPr>
+            <a:xfrm rot="10800000">
+              <a:off x="5538780" y="3616656"/>
+              <a:ext cx="384575" cy="328807"/>
+            </a:xfrm>
+            <a:prstGeom prst="triangle">
+              <a:avLst/>
+            </a:prstGeom>
+          </p:spPr>
+          <p:style>
+            <a:lnRef idx="2">
+              <a:schemeClr val="accent1">
+                <a:shade val="50000"/>
+              </a:schemeClr>
+            </a:lnRef>
+            <a:fillRef idx="1">
+              <a:schemeClr val="accent1"/>
+            </a:fillRef>
+            <a:effectRef idx="0">
+              <a:schemeClr val="accent1"/>
+            </a:effectRef>
+            <a:fontRef idx="minor">
+              <a:schemeClr val="lt1"/>
+            </a:fontRef>
+          </p:style>
+          <p:txBody>
+            <a:bodyPr rtlCol="0" anchor="ctr"/>
+            <a:lstStyle/>
+            <a:p>
+              <a:pPr algn="ctr"/>
+              <a:endParaRPr lang="en-US"/>
+            </a:p>
+          </p:txBody>
+        </p:sp>
+      </p:grpSp>
+      <p:sp>
+        <p:nvSpPr>
+          <p:cNvPr id="26" name="Rectangle 25">
+            <a:extLst>
+              <a:ext uri="{FF2B5EF4-FFF2-40B4-BE49-F238E27FC236}">
+                <a16:creationId xmlns:a16="http://schemas.microsoft.com/office/drawing/2014/main" id="{7C4F7FC1-8EB8-DD20-85AF-3EB552AAB326}"/>
+              </a:ext>
+            </a:extLst>
+          </p:cNvPr>
+          <p:cNvSpPr/>
+          <p:nvPr/>
+        </p:nvSpPr>
+        <p:spPr>
+          <a:xfrm>
+            <a:off x="2336043" y="4142094"/>
+            <a:ext cx="3655324" cy="1603613"/>
+          </a:xfrm>
+          <a:prstGeom prst="rect">
+            <a:avLst/>
+          </a:prstGeom>
+          <a:noFill/>
+        </p:spPr>
+        <p:style>
+          <a:lnRef idx="2">
+            <a:schemeClr val="accent1">
+              <a:shade val="50000"/>
+            </a:schemeClr>
+          </a:lnRef>
+          <a:fillRef idx="1">
+            <a:schemeClr val="accent1"/>
+          </a:fillRef>
+          <a:effectRef idx="0">
+            <a:schemeClr val="accent1"/>
+          </a:effectRef>
+          <a:fontRef idx="minor">
+            <a:schemeClr val="lt1"/>
+          </a:fontRef>
+        </p:style>
+        <p:txBody>
+          <a:bodyPr rtlCol="0" anchor="ctr"/>
+          <a:lstStyle/>
+          <a:p>
+            <a:pPr algn="ctr"/>
+            <a:endParaRPr lang="en-US"/>
+          </a:p>
+        </p:txBody>
+      </p:sp>
+      <p:sp>
+        <p:nvSpPr>
+          <p:cNvPr id="27" name="Rectangle: Rounded Corners 26">
+            <a:extLst>
+              <a:ext uri="{FF2B5EF4-FFF2-40B4-BE49-F238E27FC236}">
+                <a16:creationId xmlns:a16="http://schemas.microsoft.com/office/drawing/2014/main" id="{12B63FC9-0198-983C-04EE-0B0A2183EA4E}"/>
+              </a:ext>
+            </a:extLst>
+          </p:cNvPr>
+          <p:cNvSpPr/>
+          <p:nvPr/>
+        </p:nvSpPr>
+        <p:spPr>
+          <a:xfrm>
+            <a:off x="2511188" y="6032310"/>
+            <a:ext cx="1435293" cy="368490"/>
+          </a:xfrm>
+          <a:prstGeom prst="roundRect">
+            <a:avLst/>
+          </a:prstGeom>
+        </p:spPr>
+        <p:style>
+          <a:lnRef idx="2">
+            <a:schemeClr val="accent1">
+              <a:shade val="50000"/>
+            </a:schemeClr>
+          </a:lnRef>
+          <a:fillRef idx="1">
+            <a:schemeClr val="accent1"/>
+          </a:fillRef>
+          <a:effectRef idx="0">
+            <a:schemeClr val="accent1"/>
+          </a:effectRef>
+          <a:fontRef idx="minor">
+            <a:schemeClr val="lt1"/>
+          </a:fontRef>
+        </p:style>
+        <p:txBody>
+          <a:bodyPr rtlCol="0" anchor="ctr"/>
+          <a:lstStyle/>
+          <a:p>
+            <a:pPr algn="ctr"/>
+            <a:r>
+              <a:rPr lang="en-US" dirty="0"/>
+              <a:t>Save</a:t>
+            </a:r>
+          </a:p>
+        </p:txBody>
+      </p:sp>
+      <p:sp>
+        <p:nvSpPr>
+          <p:cNvPr id="28" name="Rectangle: Rounded Corners 27">
+            <a:extLst>
+              <a:ext uri="{FF2B5EF4-FFF2-40B4-BE49-F238E27FC236}">
+                <a16:creationId xmlns:a16="http://schemas.microsoft.com/office/drawing/2014/main" id="{DF346437-D789-C743-7481-FBF7BF291E63}"/>
+              </a:ext>
+            </a:extLst>
+          </p:cNvPr>
+          <p:cNvSpPr/>
+          <p:nvPr/>
+        </p:nvSpPr>
+        <p:spPr>
+          <a:xfrm>
+            <a:off x="4556074" y="6032310"/>
+            <a:ext cx="1435293" cy="368490"/>
+          </a:xfrm>
+          <a:prstGeom prst="roundRect">
+            <a:avLst/>
+          </a:prstGeom>
+        </p:spPr>
+        <p:style>
+          <a:lnRef idx="2">
+            <a:schemeClr val="accent1">
+              <a:shade val="50000"/>
+            </a:schemeClr>
+          </a:lnRef>
+          <a:fillRef idx="1">
+            <a:schemeClr val="accent1"/>
+          </a:fillRef>
+          <a:effectRef idx="0">
+            <a:schemeClr val="accent1"/>
+          </a:effectRef>
+          <a:fontRef idx="minor">
+            <a:schemeClr val="lt1"/>
+          </a:fontRef>
+        </p:style>
+        <p:txBody>
+          <a:bodyPr rtlCol="0" anchor="ctr"/>
+          <a:lstStyle/>
+          <a:p>
+            <a:pPr algn="ctr"/>
+            <a:r>
+              <a:rPr lang="en-US" dirty="0"/>
+              <a:t>Reset</a:t>
+            </a:r>
+          </a:p>
+        </p:txBody>
+      </p:sp>
+      <p:cxnSp>
+        <p:nvCxnSpPr>
+          <p:cNvPr id="30" name="Straight Arrow Connector 29">
+            <a:extLst>
+              <a:ext uri="{FF2B5EF4-FFF2-40B4-BE49-F238E27FC236}">
+                <a16:creationId xmlns:a16="http://schemas.microsoft.com/office/drawing/2014/main" id="{E5FF718D-7D81-1124-DC1E-DD7174C975F9}"/>
+              </a:ext>
+            </a:extLst>
+          </p:cNvPr>
+          <p:cNvCxnSpPr>
+            <a:cxnSpLocks/>
+          </p:cNvCxnSpPr>
+          <p:nvPr/>
+        </p:nvCxnSpPr>
+        <p:spPr>
+          <a:xfrm flipH="1">
+            <a:off x="5484188" y="976236"/>
+            <a:ext cx="1905197" cy="0"/>
+          </a:xfrm>
+          <a:prstGeom prst="straightConnector1">
+            <a:avLst/>
+          </a:prstGeom>
+          <a:ln>
+            <a:tailEnd type="triangle"/>
+          </a:ln>
+        </p:spPr>
+        <p:style>
+          <a:lnRef idx="1">
+            <a:schemeClr val="accent1"/>
+          </a:lnRef>
+          <a:fillRef idx="0">
+            <a:schemeClr val="accent1"/>
+          </a:fillRef>
+          <a:effectRef idx="0">
+            <a:schemeClr val="accent1"/>
+          </a:effectRef>
+          <a:fontRef idx="minor">
+            <a:schemeClr val="tx1"/>
+          </a:fontRef>
+        </p:style>
+      </p:cxnSp>
+      <p:sp>
+        <p:nvSpPr>
+          <p:cNvPr id="33" name="TextBox 32">
+            <a:extLst>
+              <a:ext uri="{FF2B5EF4-FFF2-40B4-BE49-F238E27FC236}">
+                <a16:creationId xmlns:a16="http://schemas.microsoft.com/office/drawing/2014/main" id="{A2CED635-3EC5-92F6-4EEA-83E8BA9387BD}"/>
+              </a:ext>
+            </a:extLst>
+          </p:cNvPr>
+          <p:cNvSpPr txBox="1"/>
+          <p:nvPr/>
+        </p:nvSpPr>
+        <p:spPr>
+          <a:xfrm>
+            <a:off x="9483900" y="852985"/>
+            <a:ext cx="1513043" cy="369332"/>
+          </a:xfrm>
+          <a:prstGeom prst="rect">
+            <a:avLst/>
+          </a:prstGeom>
+          <a:noFill/>
+        </p:spPr>
+        <p:txBody>
+          <a:bodyPr wrap="none" rtlCol="0">
+            <a:spAutoFit/>
+          </a:bodyPr>
+          <a:lstStyle/>
+          <a:p>
+            <a:r>
+              <a:rPr lang="en-US" dirty="0"/>
+              <a:t>Input Text Box</a:t>
+            </a:r>
+          </a:p>
+        </p:txBody>
+      </p:sp>
+      <p:cxnSp>
+        <p:nvCxnSpPr>
+          <p:cNvPr id="34" name="Straight Arrow Connector 33">
+            <a:extLst>
+              <a:ext uri="{FF2B5EF4-FFF2-40B4-BE49-F238E27FC236}">
+                <a16:creationId xmlns:a16="http://schemas.microsoft.com/office/drawing/2014/main" id="{9B9072FC-CED3-F668-915B-F9165F23E399}"/>
+              </a:ext>
+            </a:extLst>
+          </p:cNvPr>
+          <p:cNvCxnSpPr>
+            <a:cxnSpLocks/>
+          </p:cNvCxnSpPr>
+          <p:nvPr/>
+        </p:nvCxnSpPr>
+        <p:spPr>
+          <a:xfrm flipH="1">
+            <a:off x="5500108" y="1619957"/>
+            <a:ext cx="1905197" cy="0"/>
+          </a:xfrm>
+          <a:prstGeom prst="straightConnector1">
+            <a:avLst/>
+          </a:prstGeom>
+          <a:ln>
+            <a:tailEnd type="triangle"/>
+          </a:ln>
+        </p:spPr>
+        <p:style>
+          <a:lnRef idx="1">
+            <a:schemeClr val="accent1"/>
+          </a:lnRef>
+          <a:fillRef idx="0">
+            <a:schemeClr val="accent1"/>
+          </a:fillRef>
+          <a:effectRef idx="0">
+            <a:schemeClr val="accent1"/>
+          </a:effectRef>
+          <a:fontRef idx="minor">
+            <a:schemeClr val="tx1"/>
+          </a:fontRef>
+        </p:style>
+      </p:cxnSp>
+      <p:sp>
+        <p:nvSpPr>
+          <p:cNvPr id="35" name="TextBox 34">
+            <a:extLst>
+              <a:ext uri="{FF2B5EF4-FFF2-40B4-BE49-F238E27FC236}">
+                <a16:creationId xmlns:a16="http://schemas.microsoft.com/office/drawing/2014/main" id="{B9FC94F7-C66E-540B-D752-E14FAD49E4D0}"/>
+              </a:ext>
+            </a:extLst>
+          </p:cNvPr>
+          <p:cNvSpPr txBox="1"/>
+          <p:nvPr/>
+        </p:nvSpPr>
+        <p:spPr>
+          <a:xfrm>
+            <a:off x="9499820" y="1496706"/>
+            <a:ext cx="2018694" cy="369332"/>
+          </a:xfrm>
+          <a:prstGeom prst="rect">
+            <a:avLst/>
+          </a:prstGeom>
+          <a:noFill/>
+        </p:spPr>
+        <p:txBody>
+          <a:bodyPr wrap="none" rtlCol="0">
+            <a:spAutoFit/>
+          </a:bodyPr>
+          <a:lstStyle/>
+          <a:p>
+            <a:r>
+              <a:rPr lang="en-US" dirty="0"/>
+              <a:t>Input Password Box</a:t>
+            </a:r>
+          </a:p>
+        </p:txBody>
+      </p:sp>
+      <p:sp>
+        <p:nvSpPr>
+          <p:cNvPr id="36" name="TextBox 35">
+            <a:extLst>
+              <a:ext uri="{FF2B5EF4-FFF2-40B4-BE49-F238E27FC236}">
+                <a16:creationId xmlns:a16="http://schemas.microsoft.com/office/drawing/2014/main" id="{46301F31-9827-9863-CF1D-4E696CF996E5}"/>
+              </a:ext>
+            </a:extLst>
+          </p:cNvPr>
+          <p:cNvSpPr txBox="1"/>
+          <p:nvPr/>
+        </p:nvSpPr>
+        <p:spPr>
+          <a:xfrm>
+            <a:off x="9513468" y="1969656"/>
+            <a:ext cx="1961691" cy="369332"/>
+          </a:xfrm>
+          <a:prstGeom prst="rect">
+            <a:avLst/>
+          </a:prstGeom>
+          <a:noFill/>
+        </p:spPr>
+        <p:txBody>
+          <a:bodyPr wrap="none" rtlCol="0">
+            <a:spAutoFit/>
+          </a:bodyPr>
+          <a:lstStyle/>
+          <a:p>
+            <a:r>
+              <a:rPr lang="en-US" dirty="0"/>
+              <a:t>Input Radio Button</a:t>
+            </a:r>
+          </a:p>
+        </p:txBody>
+      </p:sp>
+      <p:sp>
+        <p:nvSpPr>
+          <p:cNvPr id="37" name="TextBox 36">
+            <a:extLst>
+              <a:ext uri="{FF2B5EF4-FFF2-40B4-BE49-F238E27FC236}">
+                <a16:creationId xmlns:a16="http://schemas.microsoft.com/office/drawing/2014/main" id="{9B9B918C-0CFF-C7E9-A290-D918F7066872}"/>
+              </a:ext>
+            </a:extLst>
+          </p:cNvPr>
+          <p:cNvSpPr txBox="1"/>
+          <p:nvPr/>
+        </p:nvSpPr>
+        <p:spPr>
+          <a:xfrm>
+            <a:off x="9604410" y="2655328"/>
+            <a:ext cx="1638910" cy="369332"/>
+          </a:xfrm>
+          <a:prstGeom prst="rect">
+            <a:avLst/>
+          </a:prstGeom>
+          <a:noFill/>
+        </p:spPr>
+        <p:txBody>
+          <a:bodyPr wrap="none" rtlCol="0">
+            <a:spAutoFit/>
+          </a:bodyPr>
+          <a:lstStyle/>
+          <a:p>
+            <a:r>
+              <a:rPr lang="en-US" dirty="0"/>
+              <a:t>Input Checkbox</a:t>
+            </a:r>
+          </a:p>
+        </p:txBody>
+      </p:sp>
+      <p:sp>
+        <p:nvSpPr>
+          <p:cNvPr id="38" name="TextBox 37">
+            <a:extLst>
+              <a:ext uri="{FF2B5EF4-FFF2-40B4-BE49-F238E27FC236}">
+                <a16:creationId xmlns:a16="http://schemas.microsoft.com/office/drawing/2014/main" id="{B29955DB-9D77-A0A5-8AD7-E9D7BE9F618A}"/>
+              </a:ext>
+            </a:extLst>
+          </p:cNvPr>
+          <p:cNvSpPr txBox="1"/>
+          <p:nvPr/>
+        </p:nvSpPr>
+        <p:spPr>
+          <a:xfrm>
+            <a:off x="9689712" y="3470315"/>
+            <a:ext cx="1143583" cy="369332"/>
+          </a:xfrm>
+          <a:prstGeom prst="rect">
+            <a:avLst/>
+          </a:prstGeom>
+          <a:noFill/>
+        </p:spPr>
+        <p:txBody>
+          <a:bodyPr wrap="none" rtlCol="0">
+            <a:spAutoFit/>
+          </a:bodyPr>
+          <a:lstStyle/>
+          <a:p>
+            <a:r>
+              <a:rPr lang="en-US" dirty="0"/>
+              <a:t>Select Box</a:t>
+            </a:r>
+          </a:p>
+        </p:txBody>
+      </p:sp>
+      <p:sp>
+        <p:nvSpPr>
+          <p:cNvPr id="39" name="TextBox 38">
+            <a:extLst>
+              <a:ext uri="{FF2B5EF4-FFF2-40B4-BE49-F238E27FC236}">
+                <a16:creationId xmlns:a16="http://schemas.microsoft.com/office/drawing/2014/main" id="{A3CD26AF-5D3D-8A80-3E4F-5698004C55F2}"/>
+              </a:ext>
+            </a:extLst>
+          </p:cNvPr>
+          <p:cNvSpPr txBox="1"/>
+          <p:nvPr/>
+        </p:nvSpPr>
+        <p:spPr>
+          <a:xfrm>
+            <a:off x="9937375" y="4574568"/>
+            <a:ext cx="1001556" cy="369332"/>
+          </a:xfrm>
+          <a:prstGeom prst="rect">
+            <a:avLst/>
+          </a:prstGeom>
+          <a:noFill/>
+        </p:spPr>
+        <p:txBody>
+          <a:bodyPr wrap="none" rtlCol="0">
+            <a:spAutoFit/>
+          </a:bodyPr>
+          <a:lstStyle/>
+          <a:p>
+            <a:r>
+              <a:rPr lang="en-US" dirty="0" err="1"/>
+              <a:t>TextArea</a:t>
+            </a:r>
+            <a:endParaRPr lang="en-US" dirty="0"/>
+          </a:p>
+        </p:txBody>
+      </p:sp>
+      <p:sp>
+        <p:nvSpPr>
+          <p:cNvPr id="40" name="TextBox 39">
+            <a:extLst>
+              <a:ext uri="{FF2B5EF4-FFF2-40B4-BE49-F238E27FC236}">
+                <a16:creationId xmlns:a16="http://schemas.microsoft.com/office/drawing/2014/main" id="{DDEF93D2-39A5-B265-7A70-C73FCD689A26}"/>
+              </a:ext>
+            </a:extLst>
+          </p:cNvPr>
+          <p:cNvSpPr txBox="1"/>
+          <p:nvPr/>
+        </p:nvSpPr>
+        <p:spPr>
+          <a:xfrm>
+            <a:off x="300251" y="6216555"/>
+            <a:ext cx="2093137" cy="369332"/>
+          </a:xfrm>
+          <a:prstGeom prst="rect">
+            <a:avLst/>
+          </a:prstGeom>
+          <a:noFill/>
+        </p:spPr>
+        <p:txBody>
+          <a:bodyPr wrap="none" rtlCol="0">
+            <a:spAutoFit/>
+          </a:bodyPr>
+          <a:lstStyle/>
+          <a:p>
+            <a:r>
+              <a:rPr lang="en-US" dirty="0"/>
+              <a:t>Input Submit Button</a:t>
+            </a:r>
+          </a:p>
+        </p:txBody>
+      </p:sp>
+      <p:sp>
+        <p:nvSpPr>
+          <p:cNvPr id="41" name="TextBox 40">
+            <a:extLst>
+              <a:ext uri="{FF2B5EF4-FFF2-40B4-BE49-F238E27FC236}">
+                <a16:creationId xmlns:a16="http://schemas.microsoft.com/office/drawing/2014/main" id="{4A2AE029-DCFD-5A17-8EA3-8FF90387440A}"/>
+              </a:ext>
+            </a:extLst>
+          </p:cNvPr>
+          <p:cNvSpPr txBox="1"/>
+          <p:nvPr/>
+        </p:nvSpPr>
+        <p:spPr>
+          <a:xfrm>
+            <a:off x="7272113" y="5881764"/>
+            <a:ext cx="1946815" cy="369332"/>
+          </a:xfrm>
+          <a:prstGeom prst="rect">
+            <a:avLst/>
+          </a:prstGeom>
+          <a:noFill/>
+        </p:spPr>
+        <p:txBody>
+          <a:bodyPr wrap="none" rtlCol="0">
+            <a:spAutoFit/>
+          </a:bodyPr>
+          <a:lstStyle/>
+          <a:p>
+            <a:r>
+              <a:rPr lang="en-US" dirty="0"/>
+              <a:t>Input Reset Button</a:t>
+            </a:r>
+          </a:p>
+        </p:txBody>
+      </p:sp>
+      <p:cxnSp>
+        <p:nvCxnSpPr>
+          <p:cNvPr id="43" name="Straight Arrow Connector 42">
+            <a:extLst>
+              <a:ext uri="{FF2B5EF4-FFF2-40B4-BE49-F238E27FC236}">
+                <a16:creationId xmlns:a16="http://schemas.microsoft.com/office/drawing/2014/main" id="{3CF2B2AA-8DFF-47E8-D9CE-D3E2C90A4423}"/>
+              </a:ext>
+            </a:extLst>
+          </p:cNvPr>
+          <p:cNvCxnSpPr>
+            <a:stCxn id="36" idx="1"/>
+          </p:cNvCxnSpPr>
+          <p:nvPr/>
+        </p:nvCxnSpPr>
+        <p:spPr>
+          <a:xfrm flipH="1">
+            <a:off x="5500108" y="2154322"/>
+            <a:ext cx="4013360" cy="0"/>
+          </a:xfrm>
+          <a:prstGeom prst="straightConnector1">
+            <a:avLst/>
+          </a:prstGeom>
+          <a:ln>
+            <a:tailEnd type="triangle"/>
+          </a:ln>
+        </p:spPr>
+        <p:style>
+          <a:lnRef idx="1">
+            <a:schemeClr val="accent1"/>
+          </a:lnRef>
+          <a:fillRef idx="0">
+            <a:schemeClr val="accent1"/>
+          </a:fillRef>
+          <a:effectRef idx="0">
+            <a:schemeClr val="accent1"/>
+          </a:effectRef>
+          <a:fontRef idx="minor">
+            <a:schemeClr val="tx1"/>
+          </a:fontRef>
+        </p:style>
+      </p:cxnSp>
+      <p:cxnSp>
+        <p:nvCxnSpPr>
+          <p:cNvPr id="45" name="Straight Arrow Connector 44">
+            <a:extLst>
+              <a:ext uri="{FF2B5EF4-FFF2-40B4-BE49-F238E27FC236}">
+                <a16:creationId xmlns:a16="http://schemas.microsoft.com/office/drawing/2014/main" id="{060153AB-C812-7CE3-DD02-79AC6FD72244}"/>
+              </a:ext>
+            </a:extLst>
+          </p:cNvPr>
+          <p:cNvCxnSpPr>
+            <a:stCxn id="37" idx="1"/>
+          </p:cNvCxnSpPr>
+          <p:nvPr/>
+        </p:nvCxnSpPr>
+        <p:spPr>
+          <a:xfrm flipH="1">
+            <a:off x="7915701" y="2839994"/>
+            <a:ext cx="1688709" cy="123667"/>
+          </a:xfrm>
+          <a:prstGeom prst="straightConnector1">
+            <a:avLst/>
+          </a:prstGeom>
+          <a:ln>
+            <a:tailEnd type="triangle"/>
+          </a:ln>
+        </p:spPr>
+        <p:style>
+          <a:lnRef idx="1">
+            <a:schemeClr val="accent1"/>
+          </a:lnRef>
+          <a:fillRef idx="0">
+            <a:schemeClr val="accent1"/>
+          </a:fillRef>
+          <a:effectRef idx="0">
+            <a:schemeClr val="accent1"/>
+          </a:effectRef>
+          <a:fontRef idx="minor">
+            <a:schemeClr val="tx1"/>
+          </a:fontRef>
+        </p:style>
+      </p:cxnSp>
+      <p:cxnSp>
+        <p:nvCxnSpPr>
+          <p:cNvPr id="47" name="Straight Arrow Connector 46">
+            <a:extLst>
+              <a:ext uri="{FF2B5EF4-FFF2-40B4-BE49-F238E27FC236}">
+                <a16:creationId xmlns:a16="http://schemas.microsoft.com/office/drawing/2014/main" id="{DFBBE8D9-264F-4F5E-34CC-978336D3479F}"/>
+              </a:ext>
+            </a:extLst>
+          </p:cNvPr>
+          <p:cNvCxnSpPr/>
+          <p:nvPr/>
+        </p:nvCxnSpPr>
+        <p:spPr>
+          <a:xfrm flipH="1">
+            <a:off x="6145692" y="3694874"/>
+            <a:ext cx="3367776" cy="0"/>
+          </a:xfrm>
+          <a:prstGeom prst="straightConnector1">
+            <a:avLst/>
+          </a:prstGeom>
+          <a:ln>
+            <a:tailEnd type="triangle"/>
+          </a:ln>
+        </p:spPr>
+        <p:style>
+          <a:lnRef idx="1">
+            <a:schemeClr val="accent1"/>
+          </a:lnRef>
+          <a:fillRef idx="0">
+            <a:schemeClr val="accent1"/>
+          </a:fillRef>
+          <a:effectRef idx="0">
+            <a:schemeClr val="accent1"/>
+          </a:effectRef>
+          <a:fontRef idx="minor">
+            <a:schemeClr val="tx1"/>
+          </a:fontRef>
+        </p:style>
+      </p:cxnSp>
+      <p:cxnSp>
+        <p:nvCxnSpPr>
+          <p:cNvPr id="49" name="Straight Arrow Connector 48">
+            <a:extLst>
+              <a:ext uri="{FF2B5EF4-FFF2-40B4-BE49-F238E27FC236}">
+                <a16:creationId xmlns:a16="http://schemas.microsoft.com/office/drawing/2014/main" id="{630255AE-2ADC-6B02-1F75-979C332F278F}"/>
+              </a:ext>
+            </a:extLst>
+          </p:cNvPr>
+          <p:cNvCxnSpPr/>
+          <p:nvPr/>
+        </p:nvCxnSpPr>
+        <p:spPr>
+          <a:xfrm flipH="1">
+            <a:off x="6436786" y="4943900"/>
+            <a:ext cx="3500589" cy="0"/>
+          </a:xfrm>
+          <a:prstGeom prst="straightConnector1">
+            <a:avLst/>
+          </a:prstGeom>
+          <a:ln>
+            <a:tailEnd type="triangle"/>
+          </a:ln>
+        </p:spPr>
+        <p:style>
+          <a:lnRef idx="1">
+            <a:schemeClr val="accent1"/>
+          </a:lnRef>
+          <a:fillRef idx="0">
+            <a:schemeClr val="accent1"/>
+          </a:fillRef>
+          <a:effectRef idx="0">
+            <a:schemeClr val="accent1"/>
+          </a:effectRef>
+          <a:fontRef idx="minor">
+            <a:schemeClr val="tx1"/>
+          </a:fontRef>
+        </p:style>
+      </p:cxnSp>
+      <p:cxnSp>
+        <p:nvCxnSpPr>
+          <p:cNvPr id="51" name="Straight Arrow Connector 50">
+            <a:extLst>
+              <a:ext uri="{FF2B5EF4-FFF2-40B4-BE49-F238E27FC236}">
+                <a16:creationId xmlns:a16="http://schemas.microsoft.com/office/drawing/2014/main" id="{6AAFA920-BBCC-A2CC-C35F-20B2C51EC0F2}"/>
+              </a:ext>
+            </a:extLst>
+          </p:cNvPr>
+          <p:cNvCxnSpPr/>
+          <p:nvPr/>
+        </p:nvCxnSpPr>
+        <p:spPr>
+          <a:xfrm flipV="1">
+            <a:off x="1613672" y="6066430"/>
+            <a:ext cx="677486" cy="150125"/>
+          </a:xfrm>
+          <a:prstGeom prst="straightConnector1">
+            <a:avLst/>
+          </a:prstGeom>
+          <a:ln>
+            <a:tailEnd type="triangle"/>
+          </a:ln>
+        </p:spPr>
+        <p:style>
+          <a:lnRef idx="1">
+            <a:schemeClr val="accent1"/>
+          </a:lnRef>
+          <a:fillRef idx="0">
+            <a:schemeClr val="accent1"/>
+          </a:fillRef>
+          <a:effectRef idx="0">
+            <a:schemeClr val="accent1"/>
+          </a:effectRef>
+          <a:fontRef idx="minor">
+            <a:schemeClr val="tx1"/>
+          </a:fontRef>
+        </p:style>
+      </p:cxnSp>
+      <p:cxnSp>
+        <p:nvCxnSpPr>
+          <p:cNvPr id="53" name="Straight Arrow Connector 52">
+            <a:extLst>
+              <a:ext uri="{FF2B5EF4-FFF2-40B4-BE49-F238E27FC236}">
+                <a16:creationId xmlns:a16="http://schemas.microsoft.com/office/drawing/2014/main" id="{B82242F8-4BC6-B833-FD49-5ACE7EC010C1}"/>
+              </a:ext>
+            </a:extLst>
+          </p:cNvPr>
+          <p:cNvCxnSpPr>
+            <a:cxnSpLocks/>
+          </p:cNvCxnSpPr>
+          <p:nvPr/>
+        </p:nvCxnSpPr>
+        <p:spPr>
+          <a:xfrm flipH="1">
+            <a:off x="6145692" y="6100548"/>
+            <a:ext cx="1120398" cy="116007"/>
+          </a:xfrm>
+          <a:prstGeom prst="straightConnector1">
+            <a:avLst/>
+          </a:prstGeom>
+          <a:ln>
+            <a:tailEnd type="triangle"/>
+          </a:ln>
+        </p:spPr>
+        <p:style>
+          <a:lnRef idx="1">
+            <a:schemeClr val="accent1"/>
+          </a:lnRef>
+          <a:fillRef idx="0">
+            <a:schemeClr val="accent1"/>
+          </a:fillRef>
+          <a:effectRef idx="0">
+            <a:schemeClr val="accent1"/>
+          </a:effectRef>
+          <a:fontRef idx="minor">
+            <a:schemeClr val="tx1"/>
+          </a:fontRef>
+        </p:style>
+      </p:cxnSp>
+    </p:spTree>
+    <p:extLst>
+      <p:ext uri="{BB962C8B-B14F-4D97-AF65-F5344CB8AC3E}">
+        <p14:creationId xmlns:p14="http://schemas.microsoft.com/office/powerpoint/2010/main" val="756852851"/>
+      </p:ext>
+    </p:extLst>
+  </p:cSld>
+  <p:clrMapOvr>
+    <a:masterClrMapping/>
+  </p:clrMapOvr>
+</p:sld>
+</file>
+
+<file path=ppt/slides/slide24.xml><?xml version="1.0" encoding="utf-8"?>
+<p:sld xmlns:a="http://schemas.openxmlformats.org/drawingml/2006/main" xmlns:r="http://schemas.openxmlformats.org/officeDocument/2006/relationships" xmlns:p="http://schemas.openxmlformats.org/presentationml/2006/main">
+  <p:cSld>
+    <p:spTree>
+      <p:nvGrpSpPr>
+        <p:cNvPr id="1" name=""/>
+        <p:cNvGrpSpPr/>
+        <p:nvPr/>
+      </p:nvGrpSpPr>
+      <p:grpSpPr>
+        <a:xfrm>
+          <a:off x="0" y="0"/>
+          <a:ext cx="0" cy="0"/>
+          <a:chOff x="0" y="0"/>
+          <a:chExt cx="0" cy="0"/>
+        </a:xfrm>
+      </p:grpSpPr>
+      <p:sp>
+        <p:nvSpPr>
+          <p:cNvPr id="2" name="Title 1">
+            <a:extLst>
+              <a:ext uri="{FF2B5EF4-FFF2-40B4-BE49-F238E27FC236}">
+                <a16:creationId xmlns:a16="http://schemas.microsoft.com/office/drawing/2014/main" id="{4F0CCFCB-367C-2898-9C8C-2B1D66854970}"/>
+              </a:ext>
+            </a:extLst>
+          </p:cNvPr>
+          <p:cNvSpPr>
+            <a:spLocks noGrp="1"/>
+          </p:cNvSpPr>
+          <p:nvPr>
+            <p:ph type="title"/>
+          </p:nvPr>
+        </p:nvSpPr>
+        <p:spPr/>
+        <p:txBody>
+          <a:bodyPr/>
+          <a:lstStyle/>
+          <a:p>
+            <a:r>
+              <a:rPr lang="en-US" dirty="0"/>
+              <a:t>HTML5 New Input Types</a:t>
+            </a:r>
+          </a:p>
+        </p:txBody>
+      </p:sp>
+      <p:sp>
+        <p:nvSpPr>
+          <p:cNvPr id="3" name="Content Placeholder 2">
+            <a:extLst>
+              <a:ext uri="{FF2B5EF4-FFF2-40B4-BE49-F238E27FC236}">
+                <a16:creationId xmlns:a16="http://schemas.microsoft.com/office/drawing/2014/main" id="{06E23866-387C-2E3E-4A97-AE5519F76EF9}"/>
+              </a:ext>
+            </a:extLst>
+          </p:cNvPr>
+          <p:cNvSpPr>
+            <a:spLocks noGrp="1"/>
+          </p:cNvSpPr>
+          <p:nvPr>
+            <p:ph idx="1"/>
+          </p:nvPr>
+        </p:nvSpPr>
+        <p:spPr/>
+        <p:txBody>
+          <a:bodyPr numCol="2">
+            <a:normAutofit/>
+          </a:bodyPr>
+          <a:lstStyle/>
+          <a:p>
+            <a:r>
+              <a:rPr lang="en-US" dirty="0"/>
+              <a:t>Color</a:t>
+            </a:r>
+          </a:p>
+          <a:p>
+            <a:r>
+              <a:rPr lang="en-US" dirty="0"/>
+              <a:t>Number</a:t>
+            </a:r>
+          </a:p>
+          <a:p>
+            <a:r>
+              <a:rPr lang="en-US" dirty="0"/>
+              <a:t>Range</a:t>
+            </a:r>
+          </a:p>
+          <a:p>
+            <a:r>
+              <a:rPr lang="en-US" dirty="0"/>
+              <a:t>Date</a:t>
+            </a:r>
+          </a:p>
+          <a:p>
+            <a:r>
+              <a:rPr lang="en-US" dirty="0"/>
+              <a:t>Datetime-local</a:t>
+            </a:r>
+          </a:p>
+          <a:p>
+            <a:r>
+              <a:rPr lang="en-US" dirty="0"/>
+              <a:t>Month</a:t>
+            </a:r>
+          </a:p>
+          <a:p>
+            <a:r>
+              <a:rPr lang="en-US" dirty="0"/>
+              <a:t>Week</a:t>
+            </a:r>
+          </a:p>
+          <a:p>
+            <a:r>
+              <a:rPr lang="en-US" dirty="0"/>
+              <a:t>Time</a:t>
+            </a:r>
+          </a:p>
+          <a:p>
+            <a:r>
+              <a:rPr lang="en-US" dirty="0"/>
+              <a:t>Email</a:t>
+            </a:r>
+          </a:p>
+          <a:p>
+            <a:r>
+              <a:rPr lang="en-US" dirty="0"/>
+              <a:t>Search</a:t>
+            </a:r>
+          </a:p>
+          <a:p>
+            <a:r>
+              <a:rPr lang="en-US" dirty="0"/>
+              <a:t>Tel</a:t>
+            </a:r>
+          </a:p>
+          <a:p>
+            <a:r>
+              <a:rPr lang="en-US" dirty="0" err="1"/>
+              <a:t>url</a:t>
+            </a:r>
+            <a:endParaRPr lang="en-US" dirty="0"/>
+          </a:p>
+        </p:txBody>
+      </p:sp>
+    </p:spTree>
+    <p:extLst>
+      <p:ext uri="{BB962C8B-B14F-4D97-AF65-F5344CB8AC3E}">
+        <p14:creationId xmlns:p14="http://schemas.microsoft.com/office/powerpoint/2010/main" val="4064162664"/>
+      </p:ext>
+    </p:extLst>
+  </p:cSld>
+  <p:clrMapOvr>
+    <a:masterClrMapping/>
+  </p:clrMapOvr>
+</p:sld>
+</file>
+
 <file path=ppt/slides/slide3.xml><?xml version="1.0" encoding="utf-8"?>
 <p:sld xmlns:a="http://schemas.openxmlformats.org/drawingml/2006/main" xmlns:r="http://schemas.openxmlformats.org/officeDocument/2006/relationships" xmlns:p="http://schemas.openxmlformats.org/presentationml/2006/main">
   <p:cSld>
